--- a/Andrew B. Sana'a_Financial_Analysis Project Data.pptx
+++ b/Andrew B. Sana'a_Financial_Analysis Project Data.pptx
@@ -2944,8 +2944,8 @@
     </mc:Fallback>
   </mc:AlternateContent>
   <c:pivotSource>
-    <c:name>[Andrew B. Sana'a_Financial_Analysis Project Data.xlsx]sales by country!PivotTable1</c:name>
-    <c:fmtId val="30"/>
+    <c:name>[Andrew B. Sana'a_Financial_Analysis Project Data.xlsx]sales by month!PivotTable1</c:name>
+    <c:fmtId val="27"/>
   </c:pivotSource>
   <c:chart>
     <c:title>
@@ -2966,7 +2966,7 @@
             </a:pPr>
             <a:r>
               <a:rPr lang="en-US" sz="1400"/>
-              <a:t>Units sold per country</a:t>
+              <a:t>Units sold per month</a:t>
             </a:r>
           </a:p>
         </c:rich>
@@ -3584,32 +3584,11 @@
       <c:pivotFmt>
         <c:idx val="8"/>
         <c:spPr>
-          <a:gradFill rotWithShape="1">
-            <a:gsLst>
-              <a:gs pos="0">
-                <a:schemeClr val="accent1">
-                  <a:satMod val="103000"/>
-                  <a:lumMod val="102000"/>
-                  <a:tint val="94000"/>
-                </a:schemeClr>
-              </a:gs>
-              <a:gs pos="50000">
-                <a:schemeClr val="accent1">
-                  <a:satMod val="110000"/>
-                  <a:lumMod val="100000"/>
-                  <a:shade val="100000"/>
-                </a:schemeClr>
-              </a:gs>
-              <a:gs pos="100000">
-                <a:schemeClr val="accent1">
-                  <a:lumMod val="99000"/>
-                  <a:satMod val="120000"/>
-                  <a:shade val="78000"/>
-                </a:schemeClr>
-              </a:gs>
-            </a:gsLst>
-            <a:lin ang="5400000" scaled="0"/>
-          </a:gradFill>
+          <a:solidFill>
+            <a:schemeClr val="accent4">
+              <a:lumMod val="75000"/>
+            </a:schemeClr>
+          </a:solidFill>
           <a:ln>
             <a:noFill/>
           </a:ln>
@@ -3845,8 +3824,11 @@
             </a:gsLst>
             <a:lin ang="5400000" scaled="0"/>
           </a:gradFill>
-          <a:ln>
-            <a:noFill/>
+          <a:ln w="31750" cap="rnd">
+            <a:solidFill>
+              <a:schemeClr val="accent1"/>
+            </a:solidFill>
+            <a:round/>
           </a:ln>
           <a:effectLst/>
         </c:spPr>
@@ -3878,6 +3860,2440 @@
                   <a:lumMod val="99000"/>
                   <a:satMod val="120000"/>
                   <a:shade val="78000"/>
+                </a:schemeClr>
+              </a:gs>
+            </a:gsLst>
+            <a:lin ang="5400000" scaled="0"/>
+          </a:gradFill>
+          <a:ln w="31750" cap="rnd">
+            <a:solidFill>
+              <a:schemeClr val="accent1"/>
+            </a:solidFill>
+            <a:round/>
+          </a:ln>
+          <a:effectLst/>
+        </c:spPr>
+        <c:marker>
+          <c:symbol val="none"/>
+        </c:marker>
+      </c:pivotFmt>
+      <c:pivotFmt>
+        <c:idx val="13"/>
+        <c:spPr>
+          <a:gradFill rotWithShape="1">
+            <a:gsLst>
+              <a:gs pos="0">
+                <a:schemeClr val="accent1">
+                  <a:satMod val="103000"/>
+                  <a:lumMod val="102000"/>
+                  <a:tint val="94000"/>
+                </a:schemeClr>
+              </a:gs>
+              <a:gs pos="50000">
+                <a:schemeClr val="accent1">
+                  <a:satMod val="110000"/>
+                  <a:lumMod val="100000"/>
+                  <a:shade val="100000"/>
+                </a:schemeClr>
+              </a:gs>
+              <a:gs pos="100000">
+                <a:schemeClr val="accent1">
+                  <a:lumMod val="99000"/>
+                  <a:satMod val="120000"/>
+                  <a:shade val="78000"/>
+                </a:schemeClr>
+              </a:gs>
+            </a:gsLst>
+            <a:lin ang="5400000" scaled="0"/>
+          </a:gradFill>
+          <a:ln w="31750" cap="rnd">
+            <a:solidFill>
+              <a:schemeClr val="accent1"/>
+            </a:solidFill>
+            <a:round/>
+          </a:ln>
+          <a:effectLst/>
+        </c:spPr>
+        <c:marker>
+          <c:symbol val="none"/>
+        </c:marker>
+      </c:pivotFmt>
+      <c:pivotFmt>
+        <c:idx val="14"/>
+        <c:spPr>
+          <a:gradFill rotWithShape="1">
+            <a:gsLst>
+              <a:gs pos="0">
+                <a:schemeClr val="accent1">
+                  <a:satMod val="103000"/>
+                  <a:lumMod val="102000"/>
+                  <a:tint val="94000"/>
+                </a:schemeClr>
+              </a:gs>
+              <a:gs pos="50000">
+                <a:schemeClr val="accent1">
+                  <a:satMod val="110000"/>
+                  <a:lumMod val="100000"/>
+                  <a:shade val="100000"/>
+                </a:schemeClr>
+              </a:gs>
+              <a:gs pos="100000">
+                <a:schemeClr val="accent1">
+                  <a:lumMod val="99000"/>
+                  <a:satMod val="120000"/>
+                  <a:shade val="78000"/>
+                </a:schemeClr>
+              </a:gs>
+            </a:gsLst>
+            <a:lin ang="5400000" scaled="0"/>
+          </a:gradFill>
+          <a:ln w="31750" cap="rnd">
+            <a:solidFill>
+              <a:schemeClr val="accent1"/>
+            </a:solidFill>
+            <a:round/>
+          </a:ln>
+          <a:effectLst/>
+        </c:spPr>
+        <c:marker>
+          <c:symbol val="none"/>
+        </c:marker>
+      </c:pivotFmt>
+      <c:pivotFmt>
+        <c:idx val="15"/>
+        <c:spPr>
+          <a:gradFill rotWithShape="1">
+            <a:gsLst>
+              <a:gs pos="0">
+                <a:schemeClr val="accent1">
+                  <a:satMod val="103000"/>
+                  <a:lumMod val="102000"/>
+                  <a:tint val="94000"/>
+                </a:schemeClr>
+              </a:gs>
+              <a:gs pos="50000">
+                <a:schemeClr val="accent1">
+                  <a:satMod val="110000"/>
+                  <a:lumMod val="100000"/>
+                  <a:shade val="100000"/>
+                </a:schemeClr>
+              </a:gs>
+              <a:gs pos="100000">
+                <a:schemeClr val="accent1">
+                  <a:lumMod val="99000"/>
+                  <a:satMod val="120000"/>
+                  <a:shade val="78000"/>
+                </a:schemeClr>
+              </a:gs>
+            </a:gsLst>
+            <a:lin ang="5400000" scaled="0"/>
+          </a:gradFill>
+          <a:ln w="31750" cap="rnd">
+            <a:solidFill>
+              <a:schemeClr val="accent1"/>
+            </a:solidFill>
+            <a:round/>
+          </a:ln>
+          <a:effectLst/>
+        </c:spPr>
+        <c:marker>
+          <c:symbol val="none"/>
+        </c:marker>
+      </c:pivotFmt>
+      <c:pivotFmt>
+        <c:idx val="16"/>
+        <c:spPr>
+          <a:gradFill rotWithShape="1">
+            <a:gsLst>
+              <a:gs pos="0">
+                <a:schemeClr val="accent1">
+                  <a:satMod val="103000"/>
+                  <a:lumMod val="102000"/>
+                  <a:tint val="94000"/>
+                </a:schemeClr>
+              </a:gs>
+              <a:gs pos="50000">
+                <a:schemeClr val="accent1">
+                  <a:satMod val="110000"/>
+                  <a:lumMod val="100000"/>
+                  <a:shade val="100000"/>
+                </a:schemeClr>
+              </a:gs>
+              <a:gs pos="100000">
+                <a:schemeClr val="accent1">
+                  <a:lumMod val="99000"/>
+                  <a:satMod val="120000"/>
+                  <a:shade val="78000"/>
+                </a:schemeClr>
+              </a:gs>
+            </a:gsLst>
+            <a:lin ang="5400000" scaled="0"/>
+          </a:gradFill>
+          <a:ln w="31750" cap="rnd">
+            <a:solidFill>
+              <a:schemeClr val="accent1"/>
+            </a:solidFill>
+            <a:round/>
+          </a:ln>
+          <a:effectLst/>
+        </c:spPr>
+        <c:marker>
+          <c:symbol val="none"/>
+        </c:marker>
+      </c:pivotFmt>
+      <c:pivotFmt>
+        <c:idx val="17"/>
+        <c:spPr>
+          <a:gradFill rotWithShape="1">
+            <a:gsLst>
+              <a:gs pos="0">
+                <a:schemeClr val="accent1">
+                  <a:satMod val="103000"/>
+                  <a:lumMod val="102000"/>
+                  <a:tint val="94000"/>
+                </a:schemeClr>
+              </a:gs>
+              <a:gs pos="50000">
+                <a:schemeClr val="accent1">
+                  <a:satMod val="110000"/>
+                  <a:lumMod val="100000"/>
+                  <a:shade val="100000"/>
+                </a:schemeClr>
+              </a:gs>
+              <a:gs pos="100000">
+                <a:schemeClr val="accent1">
+                  <a:lumMod val="99000"/>
+                  <a:satMod val="120000"/>
+                  <a:shade val="78000"/>
+                </a:schemeClr>
+              </a:gs>
+            </a:gsLst>
+            <a:lin ang="5400000" scaled="0"/>
+          </a:gradFill>
+          <a:ln w="31750" cap="rnd">
+            <a:solidFill>
+              <a:schemeClr val="accent1"/>
+            </a:solidFill>
+            <a:round/>
+          </a:ln>
+          <a:effectLst/>
+        </c:spPr>
+        <c:marker>
+          <c:symbol val="none"/>
+        </c:marker>
+      </c:pivotFmt>
+      <c:pivotFmt>
+        <c:idx val="18"/>
+        <c:spPr>
+          <a:gradFill rotWithShape="1">
+            <a:gsLst>
+              <a:gs pos="0">
+                <a:schemeClr val="accent1">
+                  <a:satMod val="103000"/>
+                  <a:lumMod val="102000"/>
+                  <a:tint val="94000"/>
+                </a:schemeClr>
+              </a:gs>
+              <a:gs pos="50000">
+                <a:schemeClr val="accent1">
+                  <a:satMod val="110000"/>
+                  <a:lumMod val="100000"/>
+                  <a:shade val="100000"/>
+                </a:schemeClr>
+              </a:gs>
+              <a:gs pos="100000">
+                <a:schemeClr val="accent1">
+                  <a:lumMod val="99000"/>
+                  <a:satMod val="120000"/>
+                  <a:shade val="78000"/>
+                </a:schemeClr>
+              </a:gs>
+            </a:gsLst>
+            <a:lin ang="5400000" scaled="0"/>
+          </a:gradFill>
+          <a:ln w="31750" cap="rnd">
+            <a:solidFill>
+              <a:schemeClr val="accent1"/>
+            </a:solidFill>
+            <a:round/>
+          </a:ln>
+          <a:effectLst/>
+        </c:spPr>
+        <c:marker>
+          <c:symbol val="none"/>
+        </c:marker>
+      </c:pivotFmt>
+      <c:pivotFmt>
+        <c:idx val="19"/>
+        <c:spPr>
+          <a:gradFill rotWithShape="1">
+            <a:gsLst>
+              <a:gs pos="0">
+                <a:schemeClr val="accent1">
+                  <a:satMod val="103000"/>
+                  <a:lumMod val="102000"/>
+                  <a:tint val="94000"/>
+                </a:schemeClr>
+              </a:gs>
+              <a:gs pos="50000">
+                <a:schemeClr val="accent1">
+                  <a:satMod val="110000"/>
+                  <a:lumMod val="100000"/>
+                  <a:shade val="100000"/>
+                </a:schemeClr>
+              </a:gs>
+              <a:gs pos="100000">
+                <a:schemeClr val="accent1">
+                  <a:lumMod val="99000"/>
+                  <a:satMod val="120000"/>
+                  <a:shade val="78000"/>
+                </a:schemeClr>
+              </a:gs>
+            </a:gsLst>
+            <a:lin ang="5400000" scaled="0"/>
+          </a:gradFill>
+          <a:ln w="31750" cap="rnd">
+            <a:solidFill>
+              <a:schemeClr val="accent1"/>
+            </a:solidFill>
+            <a:round/>
+          </a:ln>
+          <a:effectLst/>
+        </c:spPr>
+        <c:marker>
+          <c:symbol val="none"/>
+        </c:marker>
+      </c:pivotFmt>
+      <c:pivotFmt>
+        <c:idx val="20"/>
+        <c:spPr>
+          <a:gradFill rotWithShape="1">
+            <a:gsLst>
+              <a:gs pos="0">
+                <a:schemeClr val="accent1">
+                  <a:satMod val="103000"/>
+                  <a:lumMod val="102000"/>
+                  <a:tint val="94000"/>
+                </a:schemeClr>
+              </a:gs>
+              <a:gs pos="50000">
+                <a:schemeClr val="accent1">
+                  <a:satMod val="110000"/>
+                  <a:lumMod val="100000"/>
+                  <a:shade val="100000"/>
+                </a:schemeClr>
+              </a:gs>
+              <a:gs pos="100000">
+                <a:schemeClr val="accent1">
+                  <a:lumMod val="99000"/>
+                  <a:satMod val="120000"/>
+                  <a:shade val="78000"/>
+                </a:schemeClr>
+              </a:gs>
+            </a:gsLst>
+            <a:lin ang="5400000" scaled="0"/>
+          </a:gradFill>
+          <a:ln w="31750" cap="rnd">
+            <a:solidFill>
+              <a:schemeClr val="accent1"/>
+            </a:solidFill>
+            <a:round/>
+          </a:ln>
+          <a:effectLst/>
+        </c:spPr>
+        <c:marker>
+          <c:symbol val="none"/>
+        </c:marker>
+      </c:pivotFmt>
+      <c:pivotFmt>
+        <c:idx val="21"/>
+        <c:spPr>
+          <a:gradFill rotWithShape="1">
+            <a:gsLst>
+              <a:gs pos="0">
+                <a:schemeClr val="accent1">
+                  <a:satMod val="103000"/>
+                  <a:lumMod val="102000"/>
+                  <a:tint val="94000"/>
+                </a:schemeClr>
+              </a:gs>
+              <a:gs pos="50000">
+                <a:schemeClr val="accent1">
+                  <a:satMod val="110000"/>
+                  <a:lumMod val="100000"/>
+                  <a:shade val="100000"/>
+                </a:schemeClr>
+              </a:gs>
+              <a:gs pos="100000">
+                <a:schemeClr val="accent1">
+                  <a:lumMod val="99000"/>
+                  <a:satMod val="120000"/>
+                  <a:shade val="78000"/>
+                </a:schemeClr>
+              </a:gs>
+            </a:gsLst>
+            <a:lin ang="5400000" scaled="0"/>
+          </a:gradFill>
+          <a:ln w="31750" cap="rnd">
+            <a:solidFill>
+              <a:schemeClr val="accent1"/>
+            </a:solidFill>
+            <a:round/>
+          </a:ln>
+          <a:effectLst/>
+        </c:spPr>
+        <c:marker>
+          <c:symbol val="none"/>
+        </c:marker>
+      </c:pivotFmt>
+      <c:pivotFmt>
+        <c:idx val="22"/>
+        <c:spPr>
+          <a:gradFill rotWithShape="1">
+            <a:gsLst>
+              <a:gs pos="0">
+                <a:schemeClr val="accent1">
+                  <a:satMod val="103000"/>
+                  <a:lumMod val="102000"/>
+                  <a:tint val="94000"/>
+                </a:schemeClr>
+              </a:gs>
+              <a:gs pos="50000">
+                <a:schemeClr val="accent1">
+                  <a:satMod val="110000"/>
+                  <a:lumMod val="100000"/>
+                  <a:shade val="100000"/>
+                </a:schemeClr>
+              </a:gs>
+              <a:gs pos="100000">
+                <a:schemeClr val="accent1">
+                  <a:lumMod val="99000"/>
+                  <a:satMod val="120000"/>
+                  <a:shade val="78000"/>
+                </a:schemeClr>
+              </a:gs>
+            </a:gsLst>
+            <a:lin ang="5400000" scaled="0"/>
+          </a:gradFill>
+          <a:ln w="31750" cap="rnd">
+            <a:solidFill>
+              <a:schemeClr val="accent1"/>
+            </a:solidFill>
+            <a:round/>
+          </a:ln>
+          <a:effectLst/>
+        </c:spPr>
+        <c:marker>
+          <c:symbol val="none"/>
+        </c:marker>
+      </c:pivotFmt>
+      <c:pivotFmt>
+        <c:idx val="23"/>
+        <c:spPr>
+          <a:gradFill rotWithShape="1">
+            <a:gsLst>
+              <a:gs pos="0">
+                <a:schemeClr val="accent1">
+                  <a:tint val="96000"/>
+                  <a:lumMod val="100000"/>
+                </a:schemeClr>
+              </a:gs>
+              <a:gs pos="78000">
+                <a:schemeClr val="accent1">
+                  <a:shade val="94000"/>
+                  <a:lumMod val="94000"/>
+                </a:schemeClr>
+              </a:gs>
+            </a:gsLst>
+            <a:lin ang="5400000" scaled="0"/>
+          </a:gradFill>
+          <a:ln w="31750" cap="rnd">
+            <a:solidFill>
+              <a:schemeClr val="accent1"/>
+            </a:solidFill>
+            <a:round/>
+          </a:ln>
+          <a:effectLst/>
+        </c:spPr>
+        <c:marker>
+          <c:symbol val="none"/>
+        </c:marker>
+      </c:pivotFmt>
+      <c:pivotFmt>
+        <c:idx val="24"/>
+        <c:spPr>
+          <a:gradFill rotWithShape="1">
+            <a:gsLst>
+              <a:gs pos="0">
+                <a:schemeClr val="accent1">
+                  <a:tint val="96000"/>
+                  <a:lumMod val="100000"/>
+                </a:schemeClr>
+              </a:gs>
+              <a:gs pos="78000">
+                <a:schemeClr val="accent1">
+                  <a:shade val="94000"/>
+                  <a:lumMod val="94000"/>
+                </a:schemeClr>
+              </a:gs>
+            </a:gsLst>
+            <a:lin ang="5400000" scaled="0"/>
+          </a:gradFill>
+          <a:ln w="31750" cap="rnd">
+            <a:solidFill>
+              <a:schemeClr val="accent1"/>
+            </a:solidFill>
+            <a:round/>
+          </a:ln>
+          <a:effectLst/>
+        </c:spPr>
+        <c:marker>
+          <c:symbol val="none"/>
+        </c:marker>
+      </c:pivotFmt>
+      <c:pivotFmt>
+        <c:idx val="25"/>
+        <c:spPr>
+          <a:gradFill rotWithShape="1">
+            <a:gsLst>
+              <a:gs pos="0">
+                <a:schemeClr val="accent1">
+                  <a:tint val="96000"/>
+                  <a:lumMod val="100000"/>
+                </a:schemeClr>
+              </a:gs>
+              <a:gs pos="78000">
+                <a:schemeClr val="accent1">
+                  <a:shade val="94000"/>
+                  <a:lumMod val="94000"/>
+                </a:schemeClr>
+              </a:gs>
+            </a:gsLst>
+            <a:lin ang="5400000" scaled="0"/>
+          </a:gradFill>
+          <a:ln w="31750" cap="rnd">
+            <a:solidFill>
+              <a:schemeClr val="accent1"/>
+            </a:solidFill>
+            <a:round/>
+          </a:ln>
+          <a:effectLst/>
+        </c:spPr>
+        <c:marker>
+          <c:symbol val="none"/>
+        </c:marker>
+      </c:pivotFmt>
+      <c:pivotFmt>
+        <c:idx val="26"/>
+        <c:spPr>
+          <a:gradFill rotWithShape="1">
+            <a:gsLst>
+              <a:gs pos="0">
+                <a:schemeClr val="accent1">
+                  <a:tint val="96000"/>
+                  <a:lumMod val="100000"/>
+                </a:schemeClr>
+              </a:gs>
+              <a:gs pos="78000">
+                <a:schemeClr val="accent1">
+                  <a:shade val="94000"/>
+                  <a:lumMod val="94000"/>
+                </a:schemeClr>
+              </a:gs>
+            </a:gsLst>
+            <a:lin ang="5400000" scaled="0"/>
+          </a:gradFill>
+          <a:ln w="31750" cap="rnd">
+            <a:solidFill>
+              <a:schemeClr val="accent1"/>
+            </a:solidFill>
+            <a:round/>
+          </a:ln>
+          <a:effectLst/>
+        </c:spPr>
+        <c:marker>
+          <c:symbol val="none"/>
+        </c:marker>
+      </c:pivotFmt>
+      <c:pivotFmt>
+        <c:idx val="27"/>
+        <c:spPr>
+          <a:gradFill rotWithShape="1">
+            <a:gsLst>
+              <a:gs pos="0">
+                <a:schemeClr val="accent1">
+                  <a:tint val="96000"/>
+                  <a:lumMod val="100000"/>
+                </a:schemeClr>
+              </a:gs>
+              <a:gs pos="78000">
+                <a:schemeClr val="accent1">
+                  <a:shade val="94000"/>
+                  <a:lumMod val="94000"/>
+                </a:schemeClr>
+              </a:gs>
+            </a:gsLst>
+            <a:lin ang="5400000" scaled="0"/>
+          </a:gradFill>
+          <a:ln w="31750" cap="rnd">
+            <a:solidFill>
+              <a:schemeClr val="accent1"/>
+            </a:solidFill>
+            <a:round/>
+          </a:ln>
+          <a:effectLst/>
+        </c:spPr>
+        <c:marker>
+          <c:symbol val="none"/>
+        </c:marker>
+      </c:pivotFmt>
+      <c:pivotFmt>
+        <c:idx val="28"/>
+        <c:spPr>
+          <a:gradFill rotWithShape="1">
+            <a:gsLst>
+              <a:gs pos="0">
+                <a:schemeClr val="accent1">
+                  <a:tint val="96000"/>
+                  <a:lumMod val="100000"/>
+                </a:schemeClr>
+              </a:gs>
+              <a:gs pos="78000">
+                <a:schemeClr val="accent1">
+                  <a:shade val="94000"/>
+                  <a:lumMod val="94000"/>
+                </a:schemeClr>
+              </a:gs>
+            </a:gsLst>
+            <a:lin ang="5400000" scaled="0"/>
+          </a:gradFill>
+          <a:ln w="31750" cap="rnd">
+            <a:solidFill>
+              <a:schemeClr val="accent1"/>
+            </a:solidFill>
+            <a:round/>
+          </a:ln>
+          <a:effectLst/>
+        </c:spPr>
+        <c:marker>
+          <c:symbol val="none"/>
+        </c:marker>
+      </c:pivotFmt>
+    </c:pivotFmts>
+    <c:plotArea>
+      <c:layout/>
+      <c:lineChart>
+        <c:grouping val="standard"/>
+        <c:varyColors val="0"/>
+        <c:ser>
+          <c:idx val="0"/>
+          <c:order val="0"/>
+          <c:tx>
+            <c:strRef>
+              <c:f>'sales by month'!$B$6:$B$7</c:f>
+              <c:strCache>
+                <c:ptCount val="1"/>
+                <c:pt idx="0">
+                  <c:v>Paseo</c:v>
+                </c:pt>
+              </c:strCache>
+            </c:strRef>
+          </c:tx>
+          <c:spPr>
+            <a:ln w="31750" cap="rnd">
+              <a:solidFill>
+                <a:schemeClr val="accent1"/>
+              </a:solidFill>
+              <a:round/>
+            </a:ln>
+            <a:effectLst/>
+          </c:spPr>
+          <c:marker>
+            <c:symbol val="none"/>
+          </c:marker>
+          <c:cat>
+            <c:strRef>
+              <c:f>'sales by month'!$A$8:$A$20</c:f>
+              <c:strCache>
+                <c:ptCount val="12"/>
+                <c:pt idx="0">
+                  <c:v>January</c:v>
+                </c:pt>
+                <c:pt idx="1">
+                  <c:v>February</c:v>
+                </c:pt>
+                <c:pt idx="2">
+                  <c:v>March</c:v>
+                </c:pt>
+                <c:pt idx="3">
+                  <c:v>April</c:v>
+                </c:pt>
+                <c:pt idx="4">
+                  <c:v>May</c:v>
+                </c:pt>
+                <c:pt idx="5">
+                  <c:v>June</c:v>
+                </c:pt>
+                <c:pt idx="6">
+                  <c:v>July</c:v>
+                </c:pt>
+                <c:pt idx="7">
+                  <c:v>August</c:v>
+                </c:pt>
+                <c:pt idx="8">
+                  <c:v>September</c:v>
+                </c:pt>
+                <c:pt idx="9">
+                  <c:v>October</c:v>
+                </c:pt>
+                <c:pt idx="10">
+                  <c:v>November</c:v>
+                </c:pt>
+                <c:pt idx="11">
+                  <c:v>December</c:v>
+                </c:pt>
+              </c:strCache>
+            </c:strRef>
+          </c:cat>
+          <c:val>
+            <c:numRef>
+              <c:f>'sales by month'!$B$8:$B$20</c:f>
+              <c:numCache>
+                <c:formatCode>#,##0</c:formatCode>
+                <c:ptCount val="12"/>
+                <c:pt idx="0">
+                  <c:v>23598</c:v>
+                </c:pt>
+                <c:pt idx="1">
+                  <c:v>14629</c:v>
+                </c:pt>
+                <c:pt idx="2">
+                  <c:v>16695</c:v>
+                </c:pt>
+                <c:pt idx="3">
+                  <c:v>23653</c:v>
+                </c:pt>
+                <c:pt idx="4">
+                  <c:v>15417</c:v>
+                </c:pt>
+                <c:pt idx="5">
+                  <c:v>27205.479256080111</c:v>
+                </c:pt>
+                <c:pt idx="6">
+                  <c:v>22637.5</c:v>
+                </c:pt>
+                <c:pt idx="7">
+                  <c:v>18834</c:v>
+                </c:pt>
+                <c:pt idx="8">
+                  <c:v>33206</c:v>
+                </c:pt>
+                <c:pt idx="9">
+                  <c:v>56412</c:v>
+                </c:pt>
+                <c:pt idx="10">
+                  <c:v>34941</c:v>
+                </c:pt>
+                <c:pt idx="11">
+                  <c:v>52619</c:v>
+                </c:pt>
+              </c:numCache>
+            </c:numRef>
+          </c:val>
+          <c:smooth val="0"/>
+          <c:extLst>
+            <c:ext xmlns:c16="http://schemas.microsoft.com/office/drawing/2014/chart" uri="{C3380CC4-5D6E-409C-BE32-E72D297353CC}">
+              <c16:uniqueId val="{00000000-D40A-421F-B7E9-DA0339A1BBD2}"/>
+            </c:ext>
+          </c:extLst>
+        </c:ser>
+        <c:ser>
+          <c:idx val="1"/>
+          <c:order val="1"/>
+          <c:tx>
+            <c:strRef>
+              <c:f>'sales by month'!$C$6:$C$7</c:f>
+              <c:strCache>
+                <c:ptCount val="1"/>
+                <c:pt idx="0">
+                  <c:v>VTT</c:v>
+                </c:pt>
+              </c:strCache>
+            </c:strRef>
+          </c:tx>
+          <c:spPr>
+            <a:ln w="31750" cap="rnd">
+              <a:solidFill>
+                <a:schemeClr val="accent2"/>
+              </a:solidFill>
+              <a:round/>
+            </a:ln>
+            <a:effectLst/>
+          </c:spPr>
+          <c:marker>
+            <c:symbol val="none"/>
+          </c:marker>
+          <c:cat>
+            <c:strRef>
+              <c:f>'sales by month'!$A$8:$A$20</c:f>
+              <c:strCache>
+                <c:ptCount val="12"/>
+                <c:pt idx="0">
+                  <c:v>January</c:v>
+                </c:pt>
+                <c:pt idx="1">
+                  <c:v>February</c:v>
+                </c:pt>
+                <c:pt idx="2">
+                  <c:v>March</c:v>
+                </c:pt>
+                <c:pt idx="3">
+                  <c:v>April</c:v>
+                </c:pt>
+                <c:pt idx="4">
+                  <c:v>May</c:v>
+                </c:pt>
+                <c:pt idx="5">
+                  <c:v>June</c:v>
+                </c:pt>
+                <c:pt idx="6">
+                  <c:v>July</c:v>
+                </c:pt>
+                <c:pt idx="7">
+                  <c:v>August</c:v>
+                </c:pt>
+                <c:pt idx="8">
+                  <c:v>September</c:v>
+                </c:pt>
+                <c:pt idx="9">
+                  <c:v>October</c:v>
+                </c:pt>
+                <c:pt idx="10">
+                  <c:v>November</c:v>
+                </c:pt>
+                <c:pt idx="11">
+                  <c:v>December</c:v>
+                </c:pt>
+              </c:strCache>
+            </c:strRef>
+          </c:cat>
+          <c:val>
+            <c:numRef>
+              <c:f>'sales by month'!$C$8:$C$20</c:f>
+              <c:numCache>
+                <c:formatCode>#,##0</c:formatCode>
+                <c:ptCount val="12"/>
+                <c:pt idx="0">
+                  <c:v>9967.5</c:v>
+                </c:pt>
+                <c:pt idx="1">
+                  <c:v>11210</c:v>
+                </c:pt>
+                <c:pt idx="2">
+                  <c:v>7562</c:v>
+                </c:pt>
+                <c:pt idx="3">
+                  <c:v>9362</c:v>
+                </c:pt>
+                <c:pt idx="4">
+                  <c:v>6002</c:v>
+                </c:pt>
+                <c:pt idx="5">
+                  <c:v>15464</c:v>
+                </c:pt>
+                <c:pt idx="6">
+                  <c:v>6309.5</c:v>
+                </c:pt>
+                <c:pt idx="7">
+                  <c:v>9667</c:v>
+                </c:pt>
+                <c:pt idx="8">
+                  <c:v>15523</c:v>
+                </c:pt>
+                <c:pt idx="9">
+                  <c:v>29886</c:v>
+                </c:pt>
+                <c:pt idx="10">
+                  <c:v>21345</c:v>
+                </c:pt>
+                <c:pt idx="11">
+                  <c:v>24307</c:v>
+                </c:pt>
+              </c:numCache>
+            </c:numRef>
+          </c:val>
+          <c:smooth val="0"/>
+          <c:extLst>
+            <c:ext xmlns:c16="http://schemas.microsoft.com/office/drawing/2014/chart" uri="{C3380CC4-5D6E-409C-BE32-E72D297353CC}">
+              <c16:uniqueId val="{00000001-D40A-421F-B7E9-DA0339A1BBD2}"/>
+            </c:ext>
+          </c:extLst>
+        </c:ser>
+        <c:ser>
+          <c:idx val="2"/>
+          <c:order val="2"/>
+          <c:tx>
+            <c:strRef>
+              <c:f>'sales by month'!$D$6:$D$7</c:f>
+              <c:strCache>
+                <c:ptCount val="1"/>
+                <c:pt idx="0">
+                  <c:v>Velo</c:v>
+                </c:pt>
+              </c:strCache>
+            </c:strRef>
+          </c:tx>
+          <c:spPr>
+            <a:ln w="31750" cap="rnd">
+              <a:solidFill>
+                <a:schemeClr val="accent3"/>
+              </a:solidFill>
+              <a:round/>
+            </a:ln>
+            <a:effectLst/>
+          </c:spPr>
+          <c:marker>
+            <c:symbol val="none"/>
+          </c:marker>
+          <c:cat>
+            <c:strRef>
+              <c:f>'sales by month'!$A$8:$A$20</c:f>
+              <c:strCache>
+                <c:ptCount val="12"/>
+                <c:pt idx="0">
+                  <c:v>January</c:v>
+                </c:pt>
+                <c:pt idx="1">
+                  <c:v>February</c:v>
+                </c:pt>
+                <c:pt idx="2">
+                  <c:v>March</c:v>
+                </c:pt>
+                <c:pt idx="3">
+                  <c:v>April</c:v>
+                </c:pt>
+                <c:pt idx="4">
+                  <c:v>May</c:v>
+                </c:pt>
+                <c:pt idx="5">
+                  <c:v>June</c:v>
+                </c:pt>
+                <c:pt idx="6">
+                  <c:v>July</c:v>
+                </c:pt>
+                <c:pt idx="7">
+                  <c:v>August</c:v>
+                </c:pt>
+                <c:pt idx="8">
+                  <c:v>September</c:v>
+                </c:pt>
+                <c:pt idx="9">
+                  <c:v>October</c:v>
+                </c:pt>
+                <c:pt idx="10">
+                  <c:v>November</c:v>
+                </c:pt>
+                <c:pt idx="11">
+                  <c:v>December</c:v>
+                </c:pt>
+              </c:strCache>
+            </c:strRef>
+          </c:cat>
+          <c:val>
+            <c:numRef>
+              <c:f>'sales by month'!$D$8:$D$20</c:f>
+              <c:numCache>
+                <c:formatCode>#,##0</c:formatCode>
+                <c:ptCount val="12"/>
+                <c:pt idx="0">
+                  <c:v>9971.5</c:v>
+                </c:pt>
+                <c:pt idx="1">
+                  <c:v>7893</c:v>
+                </c:pt>
+                <c:pt idx="2">
+                  <c:v>6691</c:v>
+                </c:pt>
+                <c:pt idx="3">
+                  <c:v>11458.5</c:v>
+                </c:pt>
+                <c:pt idx="4">
+                  <c:v>7015</c:v>
+                </c:pt>
+                <c:pt idx="5">
+                  <c:v>16953</c:v>
+                </c:pt>
+                <c:pt idx="6">
+                  <c:v>11253.5</c:v>
+                </c:pt>
+                <c:pt idx="7">
+                  <c:v>9765</c:v>
+                </c:pt>
+                <c:pt idx="8">
+                  <c:v>14525</c:v>
+                </c:pt>
+                <c:pt idx="9">
+                  <c:v>29585</c:v>
+                </c:pt>
+                <c:pt idx="10">
+                  <c:v>17185</c:v>
+                </c:pt>
+                <c:pt idx="11">
+                  <c:v>20129</c:v>
+                </c:pt>
+              </c:numCache>
+            </c:numRef>
+          </c:val>
+          <c:smooth val="0"/>
+          <c:extLst>
+            <c:ext xmlns:c16="http://schemas.microsoft.com/office/drawing/2014/chart" uri="{C3380CC4-5D6E-409C-BE32-E72D297353CC}">
+              <c16:uniqueId val="{00000002-D40A-421F-B7E9-DA0339A1BBD2}"/>
+            </c:ext>
+          </c:extLst>
+        </c:ser>
+        <c:ser>
+          <c:idx val="3"/>
+          <c:order val="3"/>
+          <c:tx>
+            <c:strRef>
+              <c:f>'sales by month'!$E$6:$E$7</c:f>
+              <c:strCache>
+                <c:ptCount val="1"/>
+                <c:pt idx="0">
+                  <c:v>Amarilla</c:v>
+                </c:pt>
+              </c:strCache>
+            </c:strRef>
+          </c:tx>
+          <c:spPr>
+            <a:ln w="31750" cap="rnd">
+              <a:solidFill>
+                <a:schemeClr val="accent4"/>
+              </a:solidFill>
+              <a:round/>
+            </a:ln>
+            <a:effectLst/>
+          </c:spPr>
+          <c:marker>
+            <c:symbol val="none"/>
+          </c:marker>
+          <c:cat>
+            <c:strRef>
+              <c:f>'sales by month'!$A$8:$A$20</c:f>
+              <c:strCache>
+                <c:ptCount val="12"/>
+                <c:pt idx="0">
+                  <c:v>January</c:v>
+                </c:pt>
+                <c:pt idx="1">
+                  <c:v>February</c:v>
+                </c:pt>
+                <c:pt idx="2">
+                  <c:v>March</c:v>
+                </c:pt>
+                <c:pt idx="3">
+                  <c:v>April</c:v>
+                </c:pt>
+                <c:pt idx="4">
+                  <c:v>May</c:v>
+                </c:pt>
+                <c:pt idx="5">
+                  <c:v>June</c:v>
+                </c:pt>
+                <c:pt idx="6">
+                  <c:v>July</c:v>
+                </c:pt>
+                <c:pt idx="7">
+                  <c:v>August</c:v>
+                </c:pt>
+                <c:pt idx="8">
+                  <c:v>September</c:v>
+                </c:pt>
+                <c:pt idx="9">
+                  <c:v>October</c:v>
+                </c:pt>
+                <c:pt idx="10">
+                  <c:v>November</c:v>
+                </c:pt>
+                <c:pt idx="11">
+                  <c:v>December</c:v>
+                </c:pt>
+              </c:strCache>
+            </c:strRef>
+          </c:cat>
+          <c:val>
+            <c:numRef>
+              <c:f>'sales by month'!$E$8:$E$20</c:f>
+              <c:numCache>
+                <c:formatCode>#,##0</c:formatCode>
+                <c:ptCount val="12"/>
+                <c:pt idx="0">
+                  <c:v>10019.5</c:v>
+                </c:pt>
+                <c:pt idx="1">
+                  <c:v>8475</c:v>
+                </c:pt>
+                <c:pt idx="2">
+                  <c:v>7716</c:v>
+                </c:pt>
+                <c:pt idx="3">
+                  <c:v>10767</c:v>
+                </c:pt>
+                <c:pt idx="4">
+                  <c:v>10237</c:v>
+                </c:pt>
+                <c:pt idx="5">
+                  <c:v>13985</c:v>
+                </c:pt>
+                <c:pt idx="6">
+                  <c:v>11620.5</c:v>
+                </c:pt>
+                <c:pt idx="7">
+                  <c:v>8865</c:v>
+                </c:pt>
+                <c:pt idx="8">
+                  <c:v>15931</c:v>
+                </c:pt>
+                <c:pt idx="9">
+                  <c:v>26656</c:v>
+                </c:pt>
+                <c:pt idx="10">
+                  <c:v>12218</c:v>
+                </c:pt>
+                <c:pt idx="11">
+                  <c:v>18825</c:v>
+                </c:pt>
+              </c:numCache>
+            </c:numRef>
+          </c:val>
+          <c:smooth val="0"/>
+          <c:extLst>
+            <c:ext xmlns:c16="http://schemas.microsoft.com/office/drawing/2014/chart" uri="{C3380CC4-5D6E-409C-BE32-E72D297353CC}">
+              <c16:uniqueId val="{00000003-D40A-421F-B7E9-DA0339A1BBD2}"/>
+            </c:ext>
+          </c:extLst>
+        </c:ser>
+        <c:ser>
+          <c:idx val="4"/>
+          <c:order val="4"/>
+          <c:tx>
+            <c:strRef>
+              <c:f>'sales by month'!$F$6:$F$7</c:f>
+              <c:strCache>
+                <c:ptCount val="1"/>
+                <c:pt idx="0">
+                  <c:v>Montana</c:v>
+                </c:pt>
+              </c:strCache>
+            </c:strRef>
+          </c:tx>
+          <c:spPr>
+            <a:ln w="31750" cap="rnd">
+              <a:solidFill>
+                <a:schemeClr val="accent5"/>
+              </a:solidFill>
+              <a:round/>
+            </a:ln>
+            <a:effectLst/>
+          </c:spPr>
+          <c:marker>
+            <c:symbol val="none"/>
+          </c:marker>
+          <c:cat>
+            <c:strRef>
+              <c:f>'sales by month'!$A$8:$A$20</c:f>
+              <c:strCache>
+                <c:ptCount val="12"/>
+                <c:pt idx="0">
+                  <c:v>January</c:v>
+                </c:pt>
+                <c:pt idx="1">
+                  <c:v>February</c:v>
+                </c:pt>
+                <c:pt idx="2">
+                  <c:v>March</c:v>
+                </c:pt>
+                <c:pt idx="3">
+                  <c:v>April</c:v>
+                </c:pt>
+                <c:pt idx="4">
+                  <c:v>May</c:v>
+                </c:pt>
+                <c:pt idx="5">
+                  <c:v>June</c:v>
+                </c:pt>
+                <c:pt idx="6">
+                  <c:v>July</c:v>
+                </c:pt>
+                <c:pt idx="7">
+                  <c:v>August</c:v>
+                </c:pt>
+                <c:pt idx="8">
+                  <c:v>September</c:v>
+                </c:pt>
+                <c:pt idx="9">
+                  <c:v>October</c:v>
+                </c:pt>
+                <c:pt idx="10">
+                  <c:v>November</c:v>
+                </c:pt>
+                <c:pt idx="11">
+                  <c:v>December</c:v>
+                </c:pt>
+              </c:strCache>
+            </c:strRef>
+          </c:cat>
+          <c:val>
+            <c:numRef>
+              <c:f>'sales by month'!$F$8:$F$20</c:f>
+              <c:numCache>
+                <c:formatCode>#,##0</c:formatCode>
+                <c:ptCount val="12"/>
+                <c:pt idx="0">
+                  <c:v>7700.5</c:v>
+                </c:pt>
+                <c:pt idx="1">
+                  <c:v>5405</c:v>
+                </c:pt>
+                <c:pt idx="2">
+                  <c:v>8280</c:v>
+                </c:pt>
+                <c:pt idx="3">
+                  <c:v>10055.5</c:v>
+                </c:pt>
+                <c:pt idx="4">
+                  <c:v>8300</c:v>
+                </c:pt>
+                <c:pt idx="5">
+                  <c:v>14069</c:v>
+                </c:pt>
+                <c:pt idx="6">
+                  <c:v>10568</c:v>
+                </c:pt>
+                <c:pt idx="7">
+                  <c:v>6209</c:v>
+                </c:pt>
+                <c:pt idx="8">
+                  <c:v>14446</c:v>
+                </c:pt>
+                <c:pt idx="9">
+                  <c:v>31912</c:v>
+                </c:pt>
+                <c:pt idx="10">
+                  <c:v>18239</c:v>
+                </c:pt>
+                <c:pt idx="11">
+                  <c:v>19014</c:v>
+                </c:pt>
+              </c:numCache>
+            </c:numRef>
+          </c:val>
+          <c:smooth val="0"/>
+          <c:extLst>
+            <c:ext xmlns:c16="http://schemas.microsoft.com/office/drawing/2014/chart" uri="{C3380CC4-5D6E-409C-BE32-E72D297353CC}">
+              <c16:uniqueId val="{00000004-D40A-421F-B7E9-DA0339A1BBD2}"/>
+            </c:ext>
+          </c:extLst>
+        </c:ser>
+        <c:ser>
+          <c:idx val="5"/>
+          <c:order val="5"/>
+          <c:tx>
+            <c:strRef>
+              <c:f>'sales by month'!$G$6:$G$7</c:f>
+              <c:strCache>
+                <c:ptCount val="1"/>
+                <c:pt idx="0">
+                  <c:v>Carretera</c:v>
+                </c:pt>
+              </c:strCache>
+            </c:strRef>
+          </c:tx>
+          <c:spPr>
+            <a:ln w="31750" cap="rnd">
+              <a:solidFill>
+                <a:schemeClr val="accent6"/>
+              </a:solidFill>
+              <a:round/>
+            </a:ln>
+            <a:effectLst/>
+          </c:spPr>
+          <c:marker>
+            <c:symbol val="none"/>
+          </c:marker>
+          <c:cat>
+            <c:strRef>
+              <c:f>'sales by month'!$A$8:$A$20</c:f>
+              <c:strCache>
+                <c:ptCount val="12"/>
+                <c:pt idx="0">
+                  <c:v>January</c:v>
+                </c:pt>
+                <c:pt idx="1">
+                  <c:v>February</c:v>
+                </c:pt>
+                <c:pt idx="2">
+                  <c:v>March</c:v>
+                </c:pt>
+                <c:pt idx="3">
+                  <c:v>April</c:v>
+                </c:pt>
+                <c:pt idx="4">
+                  <c:v>May</c:v>
+                </c:pt>
+                <c:pt idx="5">
+                  <c:v>June</c:v>
+                </c:pt>
+                <c:pt idx="6">
+                  <c:v>July</c:v>
+                </c:pt>
+                <c:pt idx="7">
+                  <c:v>August</c:v>
+                </c:pt>
+                <c:pt idx="8">
+                  <c:v>September</c:v>
+                </c:pt>
+                <c:pt idx="9">
+                  <c:v>October</c:v>
+                </c:pt>
+                <c:pt idx="10">
+                  <c:v>November</c:v>
+                </c:pt>
+                <c:pt idx="11">
+                  <c:v>December</c:v>
+                </c:pt>
+              </c:strCache>
+            </c:strRef>
+          </c:cat>
+          <c:val>
+            <c:numRef>
+              <c:f>'sales by month'!$G$8:$G$20</c:f>
+              <c:numCache>
+                <c:formatCode>#,##0</c:formatCode>
+                <c:ptCount val="12"/>
+                <c:pt idx="0">
+                  <c:v>6578.5</c:v>
+                </c:pt>
+                <c:pt idx="1">
+                  <c:v>7503</c:v>
+                </c:pt>
+                <c:pt idx="2">
+                  <c:v>6476</c:v>
+                </c:pt>
+                <c:pt idx="3">
+                  <c:v>13590.5</c:v>
+                </c:pt>
+                <c:pt idx="4">
+                  <c:v>4800</c:v>
+                </c:pt>
+                <c:pt idx="5">
+                  <c:v>15055</c:v>
+                </c:pt>
+                <c:pt idx="6">
+                  <c:v>6960</c:v>
+                </c:pt>
+                <c:pt idx="7">
+                  <c:v>7365</c:v>
+                </c:pt>
+                <c:pt idx="8">
+                  <c:v>14250</c:v>
+                </c:pt>
+                <c:pt idx="9">
+                  <c:v>26653</c:v>
+                </c:pt>
+                <c:pt idx="10">
+                  <c:v>17203</c:v>
+                </c:pt>
+                <c:pt idx="11">
+                  <c:v>20412</c:v>
+                </c:pt>
+              </c:numCache>
+            </c:numRef>
+          </c:val>
+          <c:smooth val="0"/>
+          <c:extLst>
+            <c:ext xmlns:c16="http://schemas.microsoft.com/office/drawing/2014/chart" uri="{C3380CC4-5D6E-409C-BE32-E72D297353CC}">
+              <c16:uniqueId val="{00000005-D40A-421F-B7E9-DA0339A1BBD2}"/>
+            </c:ext>
+          </c:extLst>
+        </c:ser>
+        <c:dLbls>
+          <c:showLegendKey val="0"/>
+          <c:showVal val="0"/>
+          <c:showCatName val="0"/>
+          <c:showSerName val="0"/>
+          <c:showPercent val="0"/>
+          <c:showBubbleSize val="0"/>
+        </c:dLbls>
+        <c:smooth val="0"/>
+        <c:axId val="2056373935"/>
+        <c:axId val="2048842303"/>
+      </c:lineChart>
+      <c:catAx>
+        <c:axId val="2056373935"/>
+        <c:scaling>
+          <c:orientation val="minMax"/>
+        </c:scaling>
+        <c:delete val="0"/>
+        <c:axPos val="b"/>
+        <c:numFmt formatCode="General" sourceLinked="1"/>
+        <c:majorTickMark val="none"/>
+        <c:minorTickMark val="none"/>
+        <c:tickLblPos val="nextTo"/>
+        <c:spPr>
+          <a:noFill/>
+          <a:ln w="9525" cap="flat" cmpd="sng" algn="ctr">
+            <a:solidFill>
+              <a:schemeClr val="tx2">
+                <a:lumMod val="15000"/>
+                <a:lumOff val="85000"/>
+              </a:schemeClr>
+            </a:solidFill>
+            <a:round/>
+          </a:ln>
+          <a:effectLst/>
+        </c:spPr>
+        <c:txPr>
+          <a:bodyPr rot="-60000000" spcFirstLastPara="1" vertOverflow="ellipsis" vert="horz" wrap="square" anchor="ctr" anchorCtr="1"/>
+          <a:lstStyle/>
+          <a:p>
+            <a:pPr>
+              <a:defRPr sz="900" b="0" i="0" u="none" strike="noStrike" kern="1200" baseline="0">
+                <a:solidFill>
+                  <a:schemeClr val="tx2"/>
+                </a:solidFill>
+                <a:latin typeface="+mn-lt"/>
+                <a:ea typeface="+mn-ea"/>
+                <a:cs typeface="+mn-cs"/>
+              </a:defRPr>
+            </a:pPr>
+            <a:endParaRPr lang="en-US"/>
+          </a:p>
+        </c:txPr>
+        <c:crossAx val="2048842303"/>
+        <c:crosses val="autoZero"/>
+        <c:auto val="1"/>
+        <c:lblAlgn val="ctr"/>
+        <c:lblOffset val="100"/>
+        <c:noMultiLvlLbl val="0"/>
+      </c:catAx>
+      <c:valAx>
+        <c:axId val="2048842303"/>
+        <c:scaling>
+          <c:orientation val="minMax"/>
+        </c:scaling>
+        <c:delete val="0"/>
+        <c:axPos val="l"/>
+        <c:majorGridlines>
+          <c:spPr>
+            <a:ln w="9525" cap="flat" cmpd="sng" algn="ctr">
+              <a:solidFill>
+                <a:schemeClr val="tx2">
+                  <a:lumMod val="15000"/>
+                  <a:lumOff val="85000"/>
+                </a:schemeClr>
+              </a:solidFill>
+              <a:round/>
+            </a:ln>
+            <a:effectLst/>
+          </c:spPr>
+        </c:majorGridlines>
+        <c:numFmt formatCode="#,##0" sourceLinked="0"/>
+        <c:majorTickMark val="none"/>
+        <c:minorTickMark val="none"/>
+        <c:tickLblPos val="nextTo"/>
+        <c:spPr>
+          <a:noFill/>
+          <a:ln>
+            <a:noFill/>
+          </a:ln>
+          <a:effectLst/>
+        </c:spPr>
+        <c:txPr>
+          <a:bodyPr rot="-60000000" spcFirstLastPara="1" vertOverflow="ellipsis" vert="horz" wrap="square" anchor="ctr" anchorCtr="1"/>
+          <a:lstStyle/>
+          <a:p>
+            <a:pPr>
+              <a:defRPr sz="900" b="0" i="0" u="none" strike="noStrike" kern="1200" baseline="0">
+                <a:solidFill>
+                  <a:schemeClr val="tx2"/>
+                </a:solidFill>
+                <a:latin typeface="+mn-lt"/>
+                <a:ea typeface="+mn-ea"/>
+                <a:cs typeface="+mn-cs"/>
+              </a:defRPr>
+            </a:pPr>
+            <a:endParaRPr lang="en-US"/>
+          </a:p>
+        </c:txPr>
+        <c:crossAx val="2056373935"/>
+        <c:crosses val="autoZero"/>
+        <c:crossBetween val="between"/>
+        <c:dispUnits>
+          <c:builtInUnit val="thousands"/>
+          <c:dispUnitsLbl>
+            <c:tx>
+              <c:rich>
+                <a:bodyPr rot="-5400000" spcFirstLastPara="1" vertOverflow="ellipsis" vert="horz" wrap="square" anchor="ctr" anchorCtr="1"/>
+                <a:lstStyle/>
+                <a:p>
+                  <a:pPr>
+                    <a:defRPr sz="900" b="1" i="0" u="none" strike="noStrike" kern="1200" baseline="0">
+                      <a:solidFill>
+                        <a:schemeClr val="tx2"/>
+                      </a:solidFill>
+                      <a:latin typeface="+mn-lt"/>
+                      <a:ea typeface="+mn-ea"/>
+                      <a:cs typeface="+mn-cs"/>
+                    </a:defRPr>
+                  </a:pPr>
+                  <a:r>
+                    <a:rPr lang="en-US"/>
+                    <a:t>units</a:t>
+                  </a:r>
+                  <a:r>
+                    <a:rPr lang="en-US" baseline="0"/>
+                    <a:t> sold ('000)</a:t>
+                  </a:r>
+                  <a:endParaRPr lang="en-US"/>
+                </a:p>
+              </c:rich>
+            </c:tx>
+            <c:spPr>
+              <a:noFill/>
+              <a:ln>
+                <a:noFill/>
+              </a:ln>
+              <a:effectLst/>
+            </c:spPr>
+            <c:txPr>
+              <a:bodyPr rot="-5400000" spcFirstLastPara="1" vertOverflow="ellipsis" vert="horz" wrap="square" anchor="ctr" anchorCtr="1"/>
+              <a:lstStyle/>
+              <a:p>
+                <a:pPr>
+                  <a:defRPr sz="900" b="1" i="0" u="none" strike="noStrike" kern="1200" baseline="0">
+                    <a:solidFill>
+                      <a:schemeClr val="tx2"/>
+                    </a:solidFill>
+                    <a:latin typeface="+mn-lt"/>
+                    <a:ea typeface="+mn-ea"/>
+                    <a:cs typeface="+mn-cs"/>
+                  </a:defRPr>
+                </a:pPr>
+                <a:endParaRPr lang="en-US"/>
+              </a:p>
+            </c:txPr>
+          </c:dispUnitsLbl>
+        </c:dispUnits>
+      </c:valAx>
+      <c:spPr>
+        <a:noFill/>
+        <a:ln>
+          <a:noFill/>
+        </a:ln>
+        <a:effectLst/>
+      </c:spPr>
+    </c:plotArea>
+    <c:legend>
+      <c:legendPos val="b"/>
+      <c:overlay val="0"/>
+      <c:spPr>
+        <a:noFill/>
+        <a:ln>
+          <a:noFill/>
+        </a:ln>
+        <a:effectLst/>
+      </c:spPr>
+      <c:txPr>
+        <a:bodyPr rot="0" spcFirstLastPara="1" vertOverflow="ellipsis" vert="horz" wrap="square" anchor="ctr" anchorCtr="1"/>
+        <a:lstStyle/>
+        <a:p>
+          <a:pPr>
+            <a:defRPr sz="900" b="0" i="0" u="none" strike="noStrike" kern="1200" baseline="0">
+              <a:solidFill>
+                <a:schemeClr val="tx2"/>
+              </a:solidFill>
+              <a:latin typeface="+mn-lt"/>
+              <a:ea typeface="+mn-ea"/>
+              <a:cs typeface="+mn-cs"/>
+            </a:defRPr>
+          </a:pPr>
+          <a:endParaRPr lang="en-US"/>
+        </a:p>
+      </c:txPr>
+    </c:legend>
+    <c:plotVisOnly val="1"/>
+    <c:dispBlanksAs val="gap"/>
+    <c:extLst>
+      <c:ext xmlns:c16r3="http://schemas.microsoft.com/office/drawing/2017/03/chart" uri="{56B9EC1D-385E-4148-901F-78D8002777C0}">
+        <c16r3:dataDisplayOptions16>
+          <c16r3:dispNaAsBlank val="1"/>
+        </c16r3:dataDisplayOptions16>
+      </c:ext>
+    </c:extLst>
+    <c:showDLblsOverMax val="0"/>
+  </c:chart>
+  <c:spPr>
+    <a:noFill/>
+    <a:ln>
+      <a:noFill/>
+    </a:ln>
+    <a:effectLst/>
+  </c:spPr>
+  <c:txPr>
+    <a:bodyPr/>
+    <a:lstStyle/>
+    <a:p>
+      <a:pPr>
+        <a:defRPr/>
+      </a:pPr>
+      <a:endParaRPr lang="en-US"/>
+    </a:p>
+  </c:txPr>
+  <c:externalData r:id="rId3">
+    <c:autoUpdate val="0"/>
+  </c:externalData>
+  <c:extLst>
+    <c:ext xmlns:c14="http://schemas.microsoft.com/office/drawing/2007/8/2/chart" uri="{781A3756-C4B2-4CAC-9D66-4F8BD8637D16}">
+      <c14:pivotOptions>
+        <c14:dropZoneFilter val="1"/>
+        <c14:dropZoneCategories val="1"/>
+        <c14:dropZoneData val="1"/>
+        <c14:dropZoneSeries val="1"/>
+        <c14:dropZonesVisible val="1"/>
+      </c14:pivotOptions>
+    </c:ext>
+    <c:ext xmlns:c16="http://schemas.microsoft.com/office/drawing/2014/chart" uri="{E28EC0CA-F0BB-4C9C-879D-F8772B89E7AC}">
+      <c16:pivotOptions16>
+        <c16:showExpandCollapseFieldButtons val="1"/>
+      </c16:pivotOptions16>
+    </c:ext>
+  </c:extLst>
+</c:chartSpace>
+</file>
+
+<file path=ppt/charts/chart4.xml><?xml version="1.0" encoding="utf-8"?>
+<c:chartSpace xmlns:c="http://schemas.openxmlformats.org/drawingml/2006/chart" xmlns:a="http://schemas.openxmlformats.org/drawingml/2006/main" xmlns:r="http://schemas.openxmlformats.org/officeDocument/2006/relationships" xmlns:c16r2="http://schemas.microsoft.com/office/drawing/2015/06/chart">
+  <c:date1904 val="0"/>
+  <c:lang val="en-US"/>
+  <c:roundedCorners val="0"/>
+  <mc:AlternateContent xmlns:mc="http://schemas.openxmlformats.org/markup-compatibility/2006">
+    <mc:Choice xmlns:c14="http://schemas.microsoft.com/office/drawing/2007/8/2/chart" Requires="c14">
+      <c14:style val="104"/>
+    </mc:Choice>
+    <mc:Fallback>
+      <c:style val="4"/>
+    </mc:Fallback>
+  </mc:AlternateContent>
+  <c:pivotSource>
+    <c:name>[Andrew B. Sana'a_Financial_Analysis Project Data.xlsx]sales by country!PivotTable1</c:name>
+    <c:fmtId val="33"/>
+  </c:pivotSource>
+  <c:chart>
+    <c:title>
+      <c:tx>
+        <c:rich>
+          <a:bodyPr rot="0" spcFirstLastPara="1" vertOverflow="ellipsis" vert="horz" wrap="square" anchor="ctr" anchorCtr="1"/>
+          <a:lstStyle/>
+          <a:p>
+            <a:pPr>
+              <a:defRPr sz="1400" b="1" i="0" u="none" strike="noStrike" kern="1200" baseline="0">
+                <a:solidFill>
+                  <a:schemeClr val="tx2"/>
+                </a:solidFill>
+                <a:latin typeface="+mn-lt"/>
+                <a:ea typeface="+mn-ea"/>
+                <a:cs typeface="+mn-cs"/>
+              </a:defRPr>
+            </a:pPr>
+            <a:r>
+              <a:rPr lang="en-US" sz="1400"/>
+              <a:t>Units sold per country</a:t>
+            </a:r>
+          </a:p>
+        </c:rich>
+      </c:tx>
+      <c:overlay val="0"/>
+      <c:spPr>
+        <a:noFill/>
+        <a:ln>
+          <a:noFill/>
+        </a:ln>
+        <a:effectLst/>
+      </c:spPr>
+      <c:txPr>
+        <a:bodyPr rot="0" spcFirstLastPara="1" vertOverflow="ellipsis" vert="horz" wrap="square" anchor="ctr" anchorCtr="1"/>
+        <a:lstStyle/>
+        <a:p>
+          <a:pPr>
+            <a:defRPr sz="1400" b="1" i="0" u="none" strike="noStrike" kern="1200" baseline="0">
+              <a:solidFill>
+                <a:schemeClr val="tx2"/>
+              </a:solidFill>
+              <a:latin typeface="+mn-lt"/>
+              <a:ea typeface="+mn-ea"/>
+              <a:cs typeface="+mn-cs"/>
+            </a:defRPr>
+          </a:pPr>
+          <a:endParaRPr lang="en-US"/>
+        </a:p>
+      </c:txPr>
+    </c:title>
+    <c:autoTitleDeleted val="0"/>
+    <c:pivotFmts>
+      <c:pivotFmt>
+        <c:idx val="0"/>
+        <c:spPr>
+          <a:gradFill rotWithShape="1">
+            <a:gsLst>
+              <a:gs pos="0">
+                <a:schemeClr val="accent2">
+                  <a:tint val="96000"/>
+                  <a:lumMod val="100000"/>
+                </a:schemeClr>
+              </a:gs>
+              <a:gs pos="78000">
+                <a:schemeClr val="accent2">
+                  <a:shade val="94000"/>
+                  <a:lumMod val="94000"/>
+                </a:schemeClr>
+              </a:gs>
+            </a:gsLst>
+            <a:lin ang="5400000" scaled="0"/>
+          </a:gradFill>
+          <a:ln>
+            <a:noFill/>
+          </a:ln>
+          <a:effectLst/>
+        </c:spPr>
+        <c:marker>
+          <c:symbol val="circle"/>
+          <c:size val="6"/>
+          <c:spPr>
+            <a:gradFill rotWithShape="1">
+              <a:gsLst>
+                <a:gs pos="0">
+                  <a:schemeClr val="accent2">
+                    <a:tint val="96000"/>
+                    <a:lumMod val="100000"/>
+                  </a:schemeClr>
+                </a:gs>
+                <a:gs pos="78000">
+                  <a:schemeClr val="accent2">
+                    <a:shade val="94000"/>
+                    <a:lumMod val="94000"/>
+                  </a:schemeClr>
+                </a:gs>
+              </a:gsLst>
+              <a:lin ang="5400000" scaled="0"/>
+            </a:gradFill>
+            <a:ln w="12700">
+              <a:solidFill>
+                <a:schemeClr val="lt2"/>
+              </a:solidFill>
+              <a:round/>
+            </a:ln>
+            <a:effectLst/>
+          </c:spPr>
+        </c:marker>
+      </c:pivotFmt>
+      <c:pivotFmt>
+        <c:idx val="1"/>
+        <c:spPr>
+          <a:gradFill rotWithShape="1">
+            <a:gsLst>
+              <a:gs pos="0">
+                <a:schemeClr val="accent2">
+                  <a:tint val="96000"/>
+                  <a:lumMod val="100000"/>
+                </a:schemeClr>
+              </a:gs>
+              <a:gs pos="78000">
+                <a:schemeClr val="accent2">
+                  <a:shade val="94000"/>
+                  <a:lumMod val="94000"/>
+                </a:schemeClr>
+              </a:gs>
+            </a:gsLst>
+            <a:lin ang="5400000" scaled="0"/>
+          </a:gradFill>
+          <a:ln>
+            <a:noFill/>
+          </a:ln>
+          <a:effectLst/>
+        </c:spPr>
+        <c:marker>
+          <c:symbol val="none"/>
+        </c:marker>
+      </c:pivotFmt>
+      <c:pivotFmt>
+        <c:idx val="2"/>
+        <c:spPr>
+          <a:gradFill rotWithShape="1">
+            <a:gsLst>
+              <a:gs pos="0">
+                <a:schemeClr val="accent2">
+                  <a:tint val="96000"/>
+                  <a:lumMod val="100000"/>
+                </a:schemeClr>
+              </a:gs>
+              <a:gs pos="78000">
+                <a:schemeClr val="accent2">
+                  <a:shade val="94000"/>
+                  <a:lumMod val="94000"/>
+                </a:schemeClr>
+              </a:gs>
+            </a:gsLst>
+            <a:lin ang="5400000" scaled="0"/>
+          </a:gradFill>
+          <a:ln>
+            <a:noFill/>
+          </a:ln>
+          <a:effectLst/>
+        </c:spPr>
+        <c:marker>
+          <c:symbol val="none"/>
+        </c:marker>
+        <c:dLbl>
+          <c:idx val="0"/>
+          <c:spPr>
+            <a:noFill/>
+            <a:ln>
+              <a:noFill/>
+            </a:ln>
+            <a:effectLst/>
+          </c:spPr>
+          <c:txPr>
+            <a:bodyPr rot="-5400000" spcFirstLastPara="1" vertOverflow="ellipsis" vert="horz" wrap="square" lIns="38100" tIns="19050" rIns="38100" bIns="19050" anchor="ctr" anchorCtr="1">
+              <a:spAutoFit/>
+            </a:bodyPr>
+            <a:lstStyle/>
+            <a:p>
+              <a:pPr>
+                <a:defRPr sz="900" b="1" i="0" u="none" strike="noStrike" kern="1200" baseline="0">
+                  <a:solidFill>
+                    <a:schemeClr val="tx2"/>
+                  </a:solidFill>
+                  <a:latin typeface="+mn-lt"/>
+                  <a:ea typeface="+mn-ea"/>
+                  <a:cs typeface="+mn-cs"/>
+                </a:defRPr>
+              </a:pPr>
+              <a:endParaRPr lang="en-US"/>
+            </a:p>
+          </c:txPr>
+          <c:dLblPos val="inEnd"/>
+          <c:showLegendKey val="0"/>
+          <c:showVal val="1"/>
+          <c:showCatName val="0"/>
+          <c:showSerName val="0"/>
+          <c:showPercent val="0"/>
+          <c:showBubbleSize val="0"/>
+          <c:extLst>
+            <c:ext xmlns:c15="http://schemas.microsoft.com/office/drawing/2012/chart" uri="{CE6537A1-D6FC-4f65-9D91-7224C49458BB}"/>
+          </c:extLst>
+        </c:dLbl>
+      </c:pivotFmt>
+      <c:pivotFmt>
+        <c:idx val="3"/>
+        <c:spPr>
+          <a:gradFill rotWithShape="1">
+            <a:gsLst>
+              <a:gs pos="0">
+                <a:schemeClr val="accent2">
+                  <a:tint val="96000"/>
+                  <a:lumMod val="100000"/>
+                </a:schemeClr>
+              </a:gs>
+              <a:gs pos="78000">
+                <a:schemeClr val="accent2">
+                  <a:shade val="94000"/>
+                  <a:lumMod val="94000"/>
+                </a:schemeClr>
+              </a:gs>
+            </a:gsLst>
+            <a:lin ang="5400000" scaled="0"/>
+          </a:gradFill>
+          <a:ln>
+            <a:noFill/>
+          </a:ln>
+          <a:effectLst/>
+        </c:spPr>
+        <c:marker>
+          <c:symbol val="none"/>
+        </c:marker>
+        <c:dLbl>
+          <c:idx val="0"/>
+          <c:spPr>
+            <a:noFill/>
+            <a:ln>
+              <a:noFill/>
+            </a:ln>
+            <a:effectLst/>
+          </c:spPr>
+          <c:txPr>
+            <a:bodyPr rot="-5400000" spcFirstLastPara="1" vertOverflow="ellipsis" vert="horz" wrap="square" lIns="38100" tIns="19050" rIns="38100" bIns="19050" anchor="ctr" anchorCtr="1">
+              <a:spAutoFit/>
+            </a:bodyPr>
+            <a:lstStyle/>
+            <a:p>
+              <a:pPr>
+                <a:defRPr sz="900" b="1" i="0" u="none" strike="noStrike" kern="1200" baseline="0">
+                  <a:solidFill>
+                    <a:schemeClr val="tx2"/>
+                  </a:solidFill>
+                  <a:latin typeface="+mn-lt"/>
+                  <a:ea typeface="+mn-ea"/>
+                  <a:cs typeface="+mn-cs"/>
+                </a:defRPr>
+              </a:pPr>
+              <a:endParaRPr lang="en-US"/>
+            </a:p>
+          </c:txPr>
+          <c:dLblPos val="inEnd"/>
+          <c:showLegendKey val="0"/>
+          <c:showVal val="1"/>
+          <c:showCatName val="0"/>
+          <c:showSerName val="0"/>
+          <c:showPercent val="0"/>
+          <c:showBubbleSize val="0"/>
+          <c:extLst>
+            <c:ext xmlns:c15="http://schemas.microsoft.com/office/drawing/2012/chart" uri="{CE6537A1-D6FC-4f65-9D91-7224C49458BB}"/>
+          </c:extLst>
+        </c:dLbl>
+      </c:pivotFmt>
+      <c:pivotFmt>
+        <c:idx val="4"/>
+        <c:spPr>
+          <a:gradFill rotWithShape="1">
+            <a:gsLst>
+              <a:gs pos="0">
+                <a:schemeClr val="accent2">
+                  <a:tint val="96000"/>
+                  <a:lumMod val="100000"/>
+                </a:schemeClr>
+              </a:gs>
+              <a:gs pos="78000">
+                <a:schemeClr val="accent2">
+                  <a:shade val="94000"/>
+                  <a:lumMod val="94000"/>
+                </a:schemeClr>
+              </a:gs>
+            </a:gsLst>
+            <a:lin ang="5400000" scaled="0"/>
+          </a:gradFill>
+          <a:ln>
+            <a:noFill/>
+          </a:ln>
+          <a:effectLst/>
+        </c:spPr>
+        <c:marker>
+          <c:symbol val="none"/>
+        </c:marker>
+        <c:dLbl>
+          <c:idx val="0"/>
+          <c:spPr>
+            <a:noFill/>
+            <a:ln>
+              <a:noFill/>
+            </a:ln>
+            <a:effectLst/>
+          </c:spPr>
+          <c:txPr>
+            <a:bodyPr rot="-5400000" spcFirstLastPara="1" vertOverflow="ellipsis" wrap="square" lIns="38100" tIns="19050" rIns="38100" bIns="19050" anchor="ctr" anchorCtr="1">
+              <a:spAutoFit/>
+            </a:bodyPr>
+            <a:lstStyle/>
+            <a:p>
+              <a:pPr>
+                <a:defRPr sz="900" b="1" i="0" u="none" strike="noStrike" kern="1200" baseline="0">
+                  <a:solidFill>
+                    <a:schemeClr val="tx2"/>
+                  </a:solidFill>
+                  <a:latin typeface="+mn-lt"/>
+                  <a:ea typeface="+mn-ea"/>
+                  <a:cs typeface="+mn-cs"/>
+                </a:defRPr>
+              </a:pPr>
+              <a:endParaRPr lang="en-US"/>
+            </a:p>
+          </c:txPr>
+          <c:dLblPos val="inEnd"/>
+          <c:showLegendKey val="0"/>
+          <c:showVal val="1"/>
+          <c:showCatName val="0"/>
+          <c:showSerName val="0"/>
+          <c:showPercent val="0"/>
+          <c:showBubbleSize val="0"/>
+          <c:extLst>
+            <c:ext xmlns:c15="http://schemas.microsoft.com/office/drawing/2012/chart" uri="{CE6537A1-D6FC-4f65-9D91-7224C49458BB}"/>
+          </c:extLst>
+        </c:dLbl>
+      </c:pivotFmt>
+      <c:pivotFmt>
+        <c:idx val="5"/>
+        <c:spPr>
+          <a:gradFill rotWithShape="1">
+            <a:gsLst>
+              <a:gs pos="0">
+                <a:schemeClr val="accent2">
+                  <a:tint val="96000"/>
+                  <a:lumMod val="100000"/>
+                </a:schemeClr>
+              </a:gs>
+              <a:gs pos="78000">
+                <a:schemeClr val="accent2">
+                  <a:shade val="94000"/>
+                  <a:lumMod val="94000"/>
+                </a:schemeClr>
+              </a:gs>
+            </a:gsLst>
+            <a:lin ang="5400000" scaled="0"/>
+          </a:gradFill>
+          <a:ln>
+            <a:noFill/>
+          </a:ln>
+          <a:effectLst/>
+        </c:spPr>
+        <c:marker>
+          <c:symbol val="none"/>
+        </c:marker>
+        <c:dLbl>
+          <c:idx val="0"/>
+          <c:spPr>
+            <a:noFill/>
+            <a:ln>
+              <a:noFill/>
+            </a:ln>
+            <a:effectLst/>
+          </c:spPr>
+          <c:txPr>
+            <a:bodyPr rot="-5400000" spcFirstLastPara="1" vertOverflow="ellipsis" wrap="square" lIns="38100" tIns="19050" rIns="38100" bIns="19050" anchor="ctr" anchorCtr="1">
+              <a:spAutoFit/>
+            </a:bodyPr>
+            <a:lstStyle/>
+            <a:p>
+              <a:pPr>
+                <a:defRPr sz="900" b="1" i="0" u="none" strike="noStrike" kern="1200" baseline="0">
+                  <a:solidFill>
+                    <a:schemeClr val="tx2"/>
+                  </a:solidFill>
+                  <a:latin typeface="+mn-lt"/>
+                  <a:ea typeface="+mn-ea"/>
+                  <a:cs typeface="+mn-cs"/>
+                </a:defRPr>
+              </a:pPr>
+              <a:endParaRPr lang="en-US"/>
+            </a:p>
+          </c:txPr>
+          <c:dLblPos val="inEnd"/>
+          <c:showLegendKey val="0"/>
+          <c:showVal val="1"/>
+          <c:showCatName val="0"/>
+          <c:showSerName val="0"/>
+          <c:showPercent val="0"/>
+          <c:showBubbleSize val="0"/>
+          <c:extLst>
+            <c:ext xmlns:c15="http://schemas.microsoft.com/office/drawing/2012/chart" uri="{CE6537A1-D6FC-4f65-9D91-7224C49458BB}"/>
+          </c:extLst>
+        </c:dLbl>
+      </c:pivotFmt>
+      <c:pivotFmt>
+        <c:idx val="6"/>
+        <c:spPr>
+          <a:gradFill rotWithShape="1">
+            <a:gsLst>
+              <a:gs pos="0">
+                <a:schemeClr val="accent2">
+                  <a:tint val="96000"/>
+                  <a:lumMod val="100000"/>
+                </a:schemeClr>
+              </a:gs>
+              <a:gs pos="78000">
+                <a:schemeClr val="accent2">
+                  <a:shade val="94000"/>
+                  <a:lumMod val="94000"/>
+                </a:schemeClr>
+              </a:gs>
+            </a:gsLst>
+            <a:lin ang="5400000" scaled="0"/>
+          </a:gradFill>
+          <a:ln>
+            <a:noFill/>
+          </a:ln>
+          <a:effectLst/>
+        </c:spPr>
+        <c:marker>
+          <c:symbol val="none"/>
+        </c:marker>
+        <c:dLbl>
+          <c:idx val="0"/>
+          <c:spPr>
+            <a:solidFill>
+              <a:schemeClr val="accent4">
+                <a:lumMod val="50000"/>
+              </a:schemeClr>
+            </a:solidFill>
+            <a:ln>
+              <a:noFill/>
+            </a:ln>
+            <a:effectLst/>
+          </c:spPr>
+          <c:txPr>
+            <a:bodyPr rot="-5400000" spcFirstLastPara="1" vertOverflow="ellipsis" vert="horz" wrap="square" lIns="38100" tIns="19050" rIns="38100" bIns="19050" anchor="ctr" anchorCtr="1">
+              <a:spAutoFit/>
+            </a:bodyPr>
+            <a:lstStyle/>
+            <a:p>
+              <a:pPr>
+                <a:defRPr sz="1000" b="1" i="0" u="none" strike="noStrike" kern="1200" baseline="0">
+                  <a:solidFill>
+                    <a:schemeClr val="bg1"/>
+                  </a:solidFill>
+                  <a:latin typeface="+mn-lt"/>
+                  <a:ea typeface="+mn-ea"/>
+                  <a:cs typeface="+mn-cs"/>
+                </a:defRPr>
+              </a:pPr>
+              <a:endParaRPr lang="en-US"/>
+            </a:p>
+          </c:txPr>
+          <c:dLblPos val="inEnd"/>
+          <c:showLegendKey val="0"/>
+          <c:showVal val="1"/>
+          <c:showCatName val="0"/>
+          <c:showSerName val="0"/>
+          <c:showPercent val="0"/>
+          <c:showBubbleSize val="0"/>
+          <c:extLst>
+            <c:ext xmlns:c15="http://schemas.microsoft.com/office/drawing/2012/chart" uri="{CE6537A1-D6FC-4f65-9D91-7224C49458BB}"/>
+          </c:extLst>
+        </c:dLbl>
+      </c:pivotFmt>
+      <c:pivotFmt>
+        <c:idx val="7"/>
+        <c:spPr>
+          <a:gradFill rotWithShape="1">
+            <a:gsLst>
+              <a:gs pos="0">
+                <a:schemeClr val="accent2">
+                  <a:tint val="96000"/>
+                  <a:lumMod val="100000"/>
+                </a:schemeClr>
+              </a:gs>
+              <a:gs pos="78000">
+                <a:schemeClr val="accent2">
+                  <a:shade val="94000"/>
+                  <a:lumMod val="94000"/>
+                </a:schemeClr>
+              </a:gs>
+            </a:gsLst>
+            <a:lin ang="5400000" scaled="0"/>
+          </a:gradFill>
+          <a:ln>
+            <a:noFill/>
+          </a:ln>
+          <a:effectLst/>
+        </c:spPr>
+        <c:marker>
+          <c:symbol val="none"/>
+        </c:marker>
+        <c:dLbl>
+          <c:idx val="0"/>
+          <c:spPr>
+            <a:solidFill>
+              <a:schemeClr val="accent4">
+                <a:lumMod val="50000"/>
+              </a:schemeClr>
+            </a:solidFill>
+            <a:ln>
+              <a:noFill/>
+            </a:ln>
+            <a:effectLst/>
+          </c:spPr>
+          <c:txPr>
+            <a:bodyPr rot="-5400000" spcFirstLastPara="1" vertOverflow="ellipsis" wrap="square" lIns="38100" tIns="19050" rIns="38100" bIns="19050" anchor="ctr" anchorCtr="1">
+              <a:spAutoFit/>
+            </a:bodyPr>
+            <a:lstStyle/>
+            <a:p>
+              <a:pPr>
+                <a:defRPr sz="1000" b="1" i="0" u="none" strike="noStrike" kern="1200" baseline="0">
+                  <a:solidFill>
+                    <a:schemeClr val="bg1"/>
+                  </a:solidFill>
+                  <a:latin typeface="+mn-lt"/>
+                  <a:ea typeface="+mn-ea"/>
+                  <a:cs typeface="+mn-cs"/>
+                </a:defRPr>
+              </a:pPr>
+              <a:endParaRPr lang="en-US"/>
+            </a:p>
+          </c:txPr>
+          <c:dLblPos val="inEnd"/>
+          <c:showLegendKey val="0"/>
+          <c:showVal val="1"/>
+          <c:showCatName val="0"/>
+          <c:showSerName val="0"/>
+          <c:showPercent val="0"/>
+          <c:showBubbleSize val="0"/>
+          <c:extLst>
+            <c:ext xmlns:c15="http://schemas.microsoft.com/office/drawing/2012/chart" uri="{CE6537A1-D6FC-4f65-9D91-7224C49458BB}"/>
+          </c:extLst>
+        </c:dLbl>
+      </c:pivotFmt>
+      <c:pivotFmt>
+        <c:idx val="8"/>
+        <c:spPr>
+          <a:gradFill rotWithShape="1">
+            <a:gsLst>
+              <a:gs pos="0">
+                <a:schemeClr val="accent2">
+                  <a:tint val="96000"/>
+                  <a:lumMod val="100000"/>
+                </a:schemeClr>
+              </a:gs>
+              <a:gs pos="78000">
+                <a:schemeClr val="accent2">
+                  <a:shade val="94000"/>
+                  <a:lumMod val="94000"/>
+                </a:schemeClr>
+              </a:gs>
+            </a:gsLst>
+            <a:lin ang="5400000" scaled="0"/>
+          </a:gradFill>
+          <a:ln>
+            <a:noFill/>
+          </a:ln>
+          <a:effectLst/>
+        </c:spPr>
+        <c:marker>
+          <c:symbol val="none"/>
+        </c:marker>
+        <c:dLbl>
+          <c:idx val="0"/>
+          <c:spPr>
+            <a:solidFill>
+              <a:schemeClr val="accent4">
+                <a:lumMod val="50000"/>
+              </a:schemeClr>
+            </a:solidFill>
+            <a:ln>
+              <a:noFill/>
+            </a:ln>
+            <a:effectLst/>
+          </c:spPr>
+          <c:txPr>
+            <a:bodyPr rot="-5400000" spcFirstLastPara="1" vertOverflow="ellipsis" wrap="square" lIns="38100" tIns="19050" rIns="38100" bIns="19050" anchor="ctr" anchorCtr="1">
+              <a:spAutoFit/>
+            </a:bodyPr>
+            <a:lstStyle/>
+            <a:p>
+              <a:pPr>
+                <a:defRPr sz="1000" b="1" i="0" u="none" strike="noStrike" kern="1200" baseline="0">
+                  <a:solidFill>
+                    <a:schemeClr val="bg1"/>
+                  </a:solidFill>
+                  <a:latin typeface="+mn-lt"/>
+                  <a:ea typeface="+mn-ea"/>
+                  <a:cs typeface="+mn-cs"/>
+                </a:defRPr>
+              </a:pPr>
+              <a:endParaRPr lang="en-US"/>
+            </a:p>
+          </c:txPr>
+          <c:dLblPos val="inEnd"/>
+          <c:showLegendKey val="0"/>
+          <c:showVal val="1"/>
+          <c:showCatName val="0"/>
+          <c:showSerName val="0"/>
+          <c:showPercent val="0"/>
+          <c:showBubbleSize val="0"/>
+          <c:extLst>
+            <c:ext xmlns:c15="http://schemas.microsoft.com/office/drawing/2012/chart" uri="{CE6537A1-D6FC-4f65-9D91-7224C49458BB}"/>
+          </c:extLst>
+        </c:dLbl>
+      </c:pivotFmt>
+      <c:pivotFmt>
+        <c:idx val="9"/>
+        <c:spPr>
+          <a:gradFill rotWithShape="1">
+            <a:gsLst>
+              <a:gs pos="0">
+                <a:schemeClr val="accent2">
+                  <a:tint val="96000"/>
+                  <a:lumMod val="100000"/>
+                </a:schemeClr>
+              </a:gs>
+              <a:gs pos="78000">
+                <a:schemeClr val="accent2">
+                  <a:shade val="94000"/>
+                  <a:lumMod val="94000"/>
+                </a:schemeClr>
+              </a:gs>
+            </a:gsLst>
+            <a:lin ang="5400000" scaled="0"/>
+          </a:gradFill>
+          <a:ln>
+            <a:noFill/>
+          </a:ln>
+          <a:effectLst/>
+        </c:spPr>
+        <c:marker>
+          <c:symbol val="none"/>
+        </c:marker>
+        <c:dLbl>
+          <c:idx val="0"/>
+          <c:spPr>
+            <a:noFill/>
+            <a:ln>
+              <a:noFill/>
+            </a:ln>
+            <a:effectLst/>
+          </c:spPr>
+          <c:txPr>
+            <a:bodyPr rot="0" spcFirstLastPara="1" vertOverflow="ellipsis" vert="horz" wrap="square" lIns="38100" tIns="19050" rIns="38100" bIns="19050" anchor="ctr" anchorCtr="1">
+              <a:spAutoFit/>
+            </a:bodyPr>
+            <a:lstStyle/>
+            <a:p>
+              <a:pPr>
+                <a:defRPr sz="900" b="0" i="0" u="none" strike="noStrike" kern="1200" baseline="0">
+                  <a:solidFill>
+                    <a:schemeClr val="tx2"/>
+                  </a:solidFill>
+                  <a:latin typeface="+mn-lt"/>
+                  <a:ea typeface="+mn-ea"/>
+                  <a:cs typeface="+mn-cs"/>
+                </a:defRPr>
+              </a:pPr>
+              <a:endParaRPr lang="en-US"/>
+            </a:p>
+          </c:txPr>
+          <c:dLblPos val="inEnd"/>
+          <c:showLegendKey val="0"/>
+          <c:showVal val="1"/>
+          <c:showCatName val="0"/>
+          <c:showSerName val="0"/>
+          <c:showPercent val="0"/>
+          <c:showBubbleSize val="0"/>
+          <c:extLst>
+            <c:ext xmlns:c15="http://schemas.microsoft.com/office/drawing/2012/chart" uri="{CE6537A1-D6FC-4f65-9D91-7224C49458BB}"/>
+          </c:extLst>
+        </c:dLbl>
+      </c:pivotFmt>
+      <c:pivotFmt>
+        <c:idx val="10"/>
+        <c:spPr>
+          <a:gradFill rotWithShape="1">
+            <a:gsLst>
+              <a:gs pos="0">
+                <a:schemeClr val="accent2">
+                  <a:tint val="96000"/>
+                  <a:lumMod val="100000"/>
+                </a:schemeClr>
+              </a:gs>
+              <a:gs pos="78000">
+                <a:schemeClr val="accent2">
+                  <a:shade val="94000"/>
+                  <a:lumMod val="94000"/>
+                </a:schemeClr>
+              </a:gs>
+            </a:gsLst>
+            <a:lin ang="5400000" scaled="0"/>
+          </a:gradFill>
+          <a:ln>
+            <a:noFill/>
+          </a:ln>
+          <a:effectLst/>
+        </c:spPr>
+        <c:marker>
+          <c:symbol val="none"/>
+        </c:marker>
+        <c:dLbl>
+          <c:idx val="0"/>
+          <c:spPr>
+            <a:noFill/>
+            <a:ln>
+              <a:noFill/>
+            </a:ln>
+            <a:effectLst/>
+          </c:spPr>
+          <c:txPr>
+            <a:bodyPr rot="0" spcFirstLastPara="1" vertOverflow="ellipsis" vert="horz" wrap="square" lIns="38100" tIns="19050" rIns="38100" bIns="19050" anchor="ctr" anchorCtr="1">
+              <a:spAutoFit/>
+            </a:bodyPr>
+            <a:lstStyle/>
+            <a:p>
+              <a:pPr>
+                <a:defRPr sz="900" b="0" i="0" u="none" strike="noStrike" kern="1200" baseline="0">
+                  <a:solidFill>
+                    <a:schemeClr val="tx2"/>
+                  </a:solidFill>
+                  <a:latin typeface="+mn-lt"/>
+                  <a:ea typeface="+mn-ea"/>
+                  <a:cs typeface="+mn-cs"/>
+                </a:defRPr>
+              </a:pPr>
+              <a:endParaRPr lang="en-US"/>
+            </a:p>
+          </c:txPr>
+          <c:dLblPos val="inEnd"/>
+          <c:showLegendKey val="0"/>
+          <c:showVal val="1"/>
+          <c:showCatName val="0"/>
+          <c:showSerName val="0"/>
+          <c:showPercent val="0"/>
+          <c:showBubbleSize val="0"/>
+          <c:extLst>
+            <c:ext xmlns:c15="http://schemas.microsoft.com/office/drawing/2012/chart" uri="{CE6537A1-D6FC-4f65-9D91-7224C49458BB}"/>
+          </c:extLst>
+        </c:dLbl>
+      </c:pivotFmt>
+      <c:pivotFmt>
+        <c:idx val="11"/>
+        <c:spPr>
+          <a:gradFill rotWithShape="1">
+            <a:gsLst>
+              <a:gs pos="0">
+                <a:schemeClr val="accent2">
+                  <a:tint val="96000"/>
+                  <a:lumMod val="100000"/>
+                </a:schemeClr>
+              </a:gs>
+              <a:gs pos="78000">
+                <a:schemeClr val="accent2">
+                  <a:shade val="94000"/>
+                  <a:lumMod val="94000"/>
+                </a:schemeClr>
+              </a:gs>
+            </a:gsLst>
+            <a:lin ang="5400000" scaled="0"/>
+          </a:gradFill>
+          <a:ln>
+            <a:noFill/>
+          </a:ln>
+          <a:effectLst/>
+        </c:spPr>
+        <c:marker>
+          <c:symbol val="none"/>
+        </c:marker>
+      </c:pivotFmt>
+      <c:pivotFmt>
+        <c:idx val="12"/>
+        <c:spPr>
+          <a:gradFill rotWithShape="1">
+            <a:gsLst>
+              <a:gs pos="0">
+                <a:schemeClr val="accent2">
+                  <a:tint val="96000"/>
+                  <a:lumMod val="100000"/>
+                </a:schemeClr>
+              </a:gs>
+              <a:gs pos="78000">
+                <a:schemeClr val="accent2">
+                  <a:shade val="94000"/>
+                  <a:lumMod val="94000"/>
                 </a:schemeClr>
               </a:gs>
             </a:gsLst>
@@ -3898,24 +6314,15 @@
           <a:gradFill rotWithShape="1">
             <a:gsLst>
               <a:gs pos="0">
-                <a:schemeClr val="accent1">
-                  <a:satMod val="103000"/>
-                  <a:lumMod val="102000"/>
-                  <a:tint val="94000"/>
-                </a:schemeClr>
-              </a:gs>
-              <a:gs pos="50000">
-                <a:schemeClr val="accent1">
-                  <a:satMod val="110000"/>
+                <a:schemeClr val="accent2">
+                  <a:tint val="96000"/>
                   <a:lumMod val="100000"/>
-                  <a:shade val="100000"/>
-                </a:schemeClr>
-              </a:gs>
-              <a:gs pos="100000">
-                <a:schemeClr val="accent1">
-                  <a:lumMod val="99000"/>
-                  <a:satMod val="120000"/>
-                  <a:shade val="78000"/>
+                </a:schemeClr>
+              </a:gs>
+              <a:gs pos="78000">
+                <a:schemeClr val="accent2">
+                  <a:shade val="94000"/>
+                  <a:lumMod val="94000"/>
                 </a:schemeClr>
               </a:gs>
             </a:gsLst>
@@ -3936,24 +6343,15 @@
           <a:gradFill rotWithShape="1">
             <a:gsLst>
               <a:gs pos="0">
-                <a:schemeClr val="accent1">
-                  <a:satMod val="103000"/>
-                  <a:lumMod val="102000"/>
-                  <a:tint val="94000"/>
-                </a:schemeClr>
-              </a:gs>
-              <a:gs pos="50000">
-                <a:schemeClr val="accent1">
-                  <a:satMod val="110000"/>
+                <a:schemeClr val="accent2">
+                  <a:tint val="96000"/>
                   <a:lumMod val="100000"/>
-                  <a:shade val="100000"/>
-                </a:schemeClr>
-              </a:gs>
-              <a:gs pos="100000">
-                <a:schemeClr val="accent1">
-                  <a:lumMod val="99000"/>
-                  <a:satMod val="120000"/>
-                  <a:shade val="78000"/>
+                </a:schemeClr>
+              </a:gs>
+              <a:gs pos="78000">
+                <a:schemeClr val="accent2">
+                  <a:shade val="94000"/>
+                  <a:lumMod val="94000"/>
                 </a:schemeClr>
               </a:gs>
             </a:gsLst>
@@ -3974,24 +6372,15 @@
           <a:gradFill rotWithShape="1">
             <a:gsLst>
               <a:gs pos="0">
-                <a:schemeClr val="accent1">
-                  <a:satMod val="103000"/>
-                  <a:lumMod val="102000"/>
-                  <a:tint val="94000"/>
-                </a:schemeClr>
-              </a:gs>
-              <a:gs pos="50000">
-                <a:schemeClr val="accent1">
-                  <a:satMod val="110000"/>
+                <a:schemeClr val="accent2">
+                  <a:tint val="96000"/>
                   <a:lumMod val="100000"/>
-                  <a:shade val="100000"/>
-                </a:schemeClr>
-              </a:gs>
-              <a:gs pos="100000">
-                <a:schemeClr val="accent1">
-                  <a:lumMod val="99000"/>
-                  <a:satMod val="120000"/>
-                  <a:shade val="78000"/>
+                </a:schemeClr>
+              </a:gs>
+              <a:gs pos="78000">
+                <a:schemeClr val="accent2">
+                  <a:shade val="94000"/>
+                  <a:lumMod val="94000"/>
                 </a:schemeClr>
               </a:gs>
             </a:gsLst>
@@ -4012,24 +6401,15 @@
           <a:gradFill rotWithShape="1">
             <a:gsLst>
               <a:gs pos="0">
-                <a:schemeClr val="accent1">
-                  <a:satMod val="103000"/>
-                  <a:lumMod val="102000"/>
-                  <a:tint val="94000"/>
-                </a:schemeClr>
-              </a:gs>
-              <a:gs pos="50000">
-                <a:schemeClr val="accent1">
-                  <a:satMod val="110000"/>
+                <a:schemeClr val="accent2">
+                  <a:tint val="96000"/>
                   <a:lumMod val="100000"/>
-                  <a:shade val="100000"/>
-                </a:schemeClr>
-              </a:gs>
-              <a:gs pos="100000">
-                <a:schemeClr val="accent1">
-                  <a:lumMod val="99000"/>
-                  <a:satMod val="120000"/>
-                  <a:shade val="78000"/>
+                </a:schemeClr>
+              </a:gs>
+              <a:gs pos="78000">
+                <a:schemeClr val="accent2">
+                  <a:shade val="94000"/>
+                  <a:lumMod val="94000"/>
                 </a:schemeClr>
               </a:gs>
             </a:gsLst>
@@ -4047,9 +6427,23 @@
       <c:pivotFmt>
         <c:idx val="17"/>
         <c:spPr>
-          <a:solidFill>
-            <a:schemeClr val="accent4"/>
-          </a:solidFill>
+          <a:gradFill rotWithShape="1">
+            <a:gsLst>
+              <a:gs pos="0">
+                <a:schemeClr val="accent2">
+                  <a:tint val="96000"/>
+                  <a:lumMod val="100000"/>
+                </a:schemeClr>
+              </a:gs>
+              <a:gs pos="78000">
+                <a:schemeClr val="accent2">
+                  <a:shade val="94000"/>
+                  <a:lumMod val="94000"/>
+                </a:schemeClr>
+              </a:gs>
+            </a:gsLst>
+            <a:lin ang="5400000" scaled="0"/>
+          </a:gradFill>
           <a:ln>
             <a:noFill/>
           </a:ln>
@@ -4065,24 +6459,15 @@
           <a:gradFill rotWithShape="1">
             <a:gsLst>
               <a:gs pos="0">
-                <a:schemeClr val="accent1">
-                  <a:satMod val="103000"/>
-                  <a:lumMod val="102000"/>
-                  <a:tint val="94000"/>
-                </a:schemeClr>
-              </a:gs>
-              <a:gs pos="50000">
-                <a:schemeClr val="accent1">
-                  <a:satMod val="110000"/>
+                <a:schemeClr val="accent2">
+                  <a:tint val="96000"/>
                   <a:lumMod val="100000"/>
-                  <a:shade val="100000"/>
-                </a:schemeClr>
-              </a:gs>
-              <a:gs pos="100000">
-                <a:schemeClr val="accent1">
-                  <a:lumMod val="99000"/>
-                  <a:satMod val="120000"/>
-                  <a:shade val="78000"/>
+                </a:schemeClr>
+              </a:gs>
+              <a:gs pos="78000">
+                <a:schemeClr val="accent2">
+                  <a:shade val="94000"/>
+                  <a:lumMod val="94000"/>
                 </a:schemeClr>
               </a:gs>
             </a:gsLst>
@@ -4103,24 +6488,15 @@
           <a:gradFill rotWithShape="1">
             <a:gsLst>
               <a:gs pos="0">
-                <a:schemeClr val="accent1">
-                  <a:satMod val="103000"/>
-                  <a:lumMod val="102000"/>
-                  <a:tint val="94000"/>
-                </a:schemeClr>
-              </a:gs>
-              <a:gs pos="50000">
-                <a:schemeClr val="accent1">
-                  <a:satMod val="110000"/>
+                <a:schemeClr val="accent2">
+                  <a:tint val="96000"/>
                   <a:lumMod val="100000"/>
-                  <a:shade val="100000"/>
-                </a:schemeClr>
-              </a:gs>
-              <a:gs pos="100000">
-                <a:schemeClr val="accent1">
-                  <a:lumMod val="99000"/>
-                  <a:satMod val="120000"/>
-                  <a:shade val="78000"/>
+                </a:schemeClr>
+              </a:gs>
+              <a:gs pos="78000">
+                <a:schemeClr val="accent2">
+                  <a:shade val="94000"/>
+                  <a:lumMod val="94000"/>
                 </a:schemeClr>
               </a:gs>
             </a:gsLst>
@@ -4138,9 +6514,23 @@
       <c:pivotFmt>
         <c:idx val="20"/>
         <c:spPr>
-          <a:solidFill>
-            <a:srgbClr val="002060"/>
-          </a:solidFill>
+          <a:gradFill rotWithShape="1">
+            <a:gsLst>
+              <a:gs pos="0">
+                <a:schemeClr val="accent2">
+                  <a:tint val="96000"/>
+                  <a:lumMod val="100000"/>
+                </a:schemeClr>
+              </a:gs>
+              <a:gs pos="78000">
+                <a:schemeClr val="accent2">
+                  <a:shade val="94000"/>
+                  <a:lumMod val="94000"/>
+                </a:schemeClr>
+              </a:gs>
+            </a:gsLst>
+            <a:lin ang="5400000" scaled="0"/>
+          </a:gradFill>
           <a:ln>
             <a:noFill/>
           </a:ln>
@@ -4156,24 +6546,15 @@
           <a:gradFill rotWithShape="1">
             <a:gsLst>
               <a:gs pos="0">
-                <a:schemeClr val="accent1">
-                  <a:satMod val="103000"/>
-                  <a:lumMod val="102000"/>
-                  <a:tint val="94000"/>
-                </a:schemeClr>
-              </a:gs>
-              <a:gs pos="50000">
-                <a:schemeClr val="accent1">
-                  <a:satMod val="110000"/>
+                <a:schemeClr val="accent2">
+                  <a:tint val="96000"/>
                   <a:lumMod val="100000"/>
-                  <a:shade val="100000"/>
-                </a:schemeClr>
-              </a:gs>
-              <a:gs pos="100000">
-                <a:schemeClr val="accent1">
-                  <a:lumMod val="99000"/>
-                  <a:satMod val="120000"/>
-                  <a:shade val="78000"/>
+                </a:schemeClr>
+              </a:gs>
+              <a:gs pos="78000">
+                <a:schemeClr val="accent2">
+                  <a:shade val="94000"/>
+                  <a:lumMod val="94000"/>
                 </a:schemeClr>
               </a:gs>
             </a:gsLst>
@@ -4194,24 +6575,15 @@
           <a:gradFill rotWithShape="1">
             <a:gsLst>
               <a:gs pos="0">
-                <a:schemeClr val="accent1">
-                  <a:satMod val="103000"/>
-                  <a:lumMod val="102000"/>
-                  <a:tint val="94000"/>
-                </a:schemeClr>
-              </a:gs>
-              <a:gs pos="50000">
-                <a:schemeClr val="accent1">
-                  <a:satMod val="110000"/>
+                <a:schemeClr val="accent2">
+                  <a:tint val="96000"/>
                   <a:lumMod val="100000"/>
-                  <a:shade val="100000"/>
-                </a:schemeClr>
-              </a:gs>
-              <a:gs pos="100000">
-                <a:schemeClr val="accent1">
-                  <a:lumMod val="99000"/>
-                  <a:satMod val="120000"/>
-                  <a:shade val="78000"/>
+                </a:schemeClr>
+              </a:gs>
+              <a:gs pos="78000">
+                <a:schemeClr val="accent2">
+                  <a:shade val="94000"/>
+                  <a:lumMod val="94000"/>
                 </a:schemeClr>
               </a:gs>
             </a:gsLst>
@@ -4232,24 +6604,15 @@
           <a:gradFill rotWithShape="1">
             <a:gsLst>
               <a:gs pos="0">
-                <a:schemeClr val="accent1">
-                  <a:satMod val="103000"/>
-                  <a:lumMod val="102000"/>
-                  <a:tint val="94000"/>
-                </a:schemeClr>
-              </a:gs>
-              <a:gs pos="50000">
-                <a:schemeClr val="accent1">
-                  <a:satMod val="110000"/>
+                <a:schemeClr val="accent2">
+                  <a:tint val="96000"/>
                   <a:lumMod val="100000"/>
-                  <a:shade val="100000"/>
-                </a:schemeClr>
-              </a:gs>
-              <a:gs pos="100000">
-                <a:schemeClr val="accent1">
-                  <a:lumMod val="99000"/>
-                  <a:satMod val="120000"/>
-                  <a:shade val="78000"/>
+                </a:schemeClr>
+              </a:gs>
+              <a:gs pos="78000">
+                <a:schemeClr val="accent2">
+                  <a:shade val="94000"/>
+                  <a:lumMod val="94000"/>
                 </a:schemeClr>
               </a:gs>
             </a:gsLst>
@@ -4270,24 +6633,15 @@
           <a:gradFill rotWithShape="1">
             <a:gsLst>
               <a:gs pos="0">
-                <a:schemeClr val="accent1">
-                  <a:satMod val="103000"/>
-                  <a:lumMod val="102000"/>
-                  <a:tint val="94000"/>
-                </a:schemeClr>
-              </a:gs>
-              <a:gs pos="50000">
-                <a:schemeClr val="accent1">
-                  <a:satMod val="110000"/>
+                <a:schemeClr val="accent2">
+                  <a:tint val="96000"/>
                   <a:lumMod val="100000"/>
-                  <a:shade val="100000"/>
-                </a:schemeClr>
-              </a:gs>
-              <a:gs pos="100000">
-                <a:schemeClr val="accent1">
-                  <a:lumMod val="99000"/>
-                  <a:satMod val="120000"/>
-                  <a:shade val="78000"/>
+                </a:schemeClr>
+              </a:gs>
+              <a:gs pos="78000">
+                <a:schemeClr val="accent2">
+                  <a:shade val="94000"/>
+                  <a:lumMod val="94000"/>
                 </a:schemeClr>
               </a:gs>
             </a:gsLst>
@@ -4308,24 +6662,15 @@
           <a:gradFill rotWithShape="1">
             <a:gsLst>
               <a:gs pos="0">
-                <a:schemeClr val="accent1">
-                  <a:satMod val="103000"/>
-                  <a:lumMod val="102000"/>
-                  <a:tint val="94000"/>
-                </a:schemeClr>
-              </a:gs>
-              <a:gs pos="50000">
-                <a:schemeClr val="accent1">
-                  <a:satMod val="110000"/>
+                <a:schemeClr val="accent2">
+                  <a:tint val="96000"/>
                   <a:lumMod val="100000"/>
-                  <a:shade val="100000"/>
-                </a:schemeClr>
-              </a:gs>
-              <a:gs pos="100000">
-                <a:schemeClr val="accent1">
-                  <a:lumMod val="99000"/>
-                  <a:satMod val="120000"/>
-                  <a:shade val="78000"/>
+                </a:schemeClr>
+              </a:gs>
+              <a:gs pos="78000">
+                <a:schemeClr val="accent2">
+                  <a:shade val="94000"/>
+                  <a:lumMod val="94000"/>
                 </a:schemeClr>
               </a:gs>
             </a:gsLst>
@@ -4346,24 +6691,15 @@
           <a:gradFill rotWithShape="1">
             <a:gsLst>
               <a:gs pos="0">
-                <a:schemeClr val="accent1">
-                  <a:satMod val="103000"/>
-                  <a:lumMod val="102000"/>
-                  <a:tint val="94000"/>
-                </a:schemeClr>
-              </a:gs>
-              <a:gs pos="50000">
-                <a:schemeClr val="accent1">
-                  <a:satMod val="110000"/>
+                <a:schemeClr val="accent2">
+                  <a:tint val="96000"/>
                   <a:lumMod val="100000"/>
-                  <a:shade val="100000"/>
-                </a:schemeClr>
-              </a:gs>
-              <a:gs pos="100000">
-                <a:schemeClr val="accent1">
-                  <a:lumMod val="99000"/>
-                  <a:satMod val="120000"/>
-                  <a:shade val="78000"/>
+                </a:schemeClr>
+              </a:gs>
+              <a:gs pos="78000">
+                <a:schemeClr val="accent2">
+                  <a:shade val="94000"/>
+                  <a:lumMod val="94000"/>
                 </a:schemeClr>
               </a:gs>
             </a:gsLst>
@@ -4384,24 +6720,15 @@
           <a:gradFill rotWithShape="1">
             <a:gsLst>
               <a:gs pos="0">
-                <a:schemeClr val="accent1">
-                  <a:satMod val="103000"/>
-                  <a:lumMod val="102000"/>
-                  <a:tint val="94000"/>
-                </a:schemeClr>
-              </a:gs>
-              <a:gs pos="50000">
-                <a:schemeClr val="accent1">
-                  <a:satMod val="110000"/>
+                <a:schemeClr val="accent2">
+                  <a:tint val="96000"/>
                   <a:lumMod val="100000"/>
-                  <a:shade val="100000"/>
-                </a:schemeClr>
-              </a:gs>
-              <a:gs pos="100000">
-                <a:schemeClr val="accent1">
-                  <a:lumMod val="99000"/>
-                  <a:satMod val="120000"/>
-                  <a:shade val="78000"/>
+                </a:schemeClr>
+              </a:gs>
+              <a:gs pos="78000">
+                <a:schemeClr val="accent2">
+                  <a:shade val="94000"/>
+                  <a:lumMod val="94000"/>
                 </a:schemeClr>
               </a:gs>
             </a:gsLst>
@@ -4422,24 +6749,15 @@
           <a:gradFill rotWithShape="1">
             <a:gsLst>
               <a:gs pos="0">
-                <a:schemeClr val="accent1">
-                  <a:satMod val="103000"/>
-                  <a:lumMod val="102000"/>
-                  <a:tint val="94000"/>
-                </a:schemeClr>
-              </a:gs>
-              <a:gs pos="50000">
-                <a:schemeClr val="accent1">
-                  <a:satMod val="110000"/>
+                <a:schemeClr val="accent2">
+                  <a:tint val="96000"/>
                   <a:lumMod val="100000"/>
-                  <a:shade val="100000"/>
-                </a:schemeClr>
-              </a:gs>
-              <a:gs pos="100000">
-                <a:schemeClr val="accent1">
-                  <a:lumMod val="99000"/>
-                  <a:satMod val="120000"/>
-                  <a:shade val="78000"/>
+                </a:schemeClr>
+              </a:gs>
+              <a:gs pos="78000">
+                <a:schemeClr val="accent2">
+                  <a:shade val="94000"/>
+                  <a:lumMod val="94000"/>
                 </a:schemeClr>
               </a:gs>
             </a:gsLst>
@@ -4460,24 +6778,15 @@
           <a:gradFill rotWithShape="1">
             <a:gsLst>
               <a:gs pos="0">
-                <a:schemeClr val="accent1">
-                  <a:satMod val="103000"/>
-                  <a:lumMod val="102000"/>
-                  <a:tint val="94000"/>
-                </a:schemeClr>
-              </a:gs>
-              <a:gs pos="50000">
-                <a:schemeClr val="accent1">
-                  <a:satMod val="110000"/>
+                <a:schemeClr val="accent2">
+                  <a:tint val="96000"/>
                   <a:lumMod val="100000"/>
-                  <a:shade val="100000"/>
-                </a:schemeClr>
-              </a:gs>
-              <a:gs pos="100000">
-                <a:schemeClr val="accent1">
-                  <a:lumMod val="99000"/>
-                  <a:satMod val="120000"/>
-                  <a:shade val="78000"/>
+                </a:schemeClr>
+              </a:gs>
+              <a:gs pos="78000">
+                <a:schemeClr val="accent2">
+                  <a:shade val="94000"/>
+                  <a:lumMod val="94000"/>
                 </a:schemeClr>
               </a:gs>
             </a:gsLst>
@@ -4498,24 +6807,15 @@
           <a:gradFill rotWithShape="1">
             <a:gsLst>
               <a:gs pos="0">
-                <a:schemeClr val="accent1">
-                  <a:satMod val="103000"/>
-                  <a:lumMod val="102000"/>
-                  <a:tint val="94000"/>
-                </a:schemeClr>
-              </a:gs>
-              <a:gs pos="50000">
-                <a:schemeClr val="accent1">
-                  <a:satMod val="110000"/>
+                <a:schemeClr val="accent2">
+                  <a:tint val="96000"/>
                   <a:lumMod val="100000"/>
-                  <a:shade val="100000"/>
-                </a:schemeClr>
-              </a:gs>
-              <a:gs pos="100000">
-                <a:schemeClr val="accent1">
-                  <a:lumMod val="99000"/>
-                  <a:satMod val="120000"/>
-                  <a:shade val="78000"/>
+                </a:schemeClr>
+              </a:gs>
+              <a:gs pos="78000">
+                <a:schemeClr val="accent2">
+                  <a:shade val="94000"/>
+                  <a:lumMod val="94000"/>
                 </a:schemeClr>
               </a:gs>
             </a:gsLst>
@@ -4536,24 +6836,15 @@
           <a:gradFill rotWithShape="1">
             <a:gsLst>
               <a:gs pos="0">
-                <a:schemeClr val="accent1">
-                  <a:satMod val="103000"/>
-                  <a:lumMod val="102000"/>
-                  <a:tint val="94000"/>
-                </a:schemeClr>
-              </a:gs>
-              <a:gs pos="50000">
-                <a:schemeClr val="accent1">
-                  <a:satMod val="110000"/>
+                <a:schemeClr val="accent2">
+                  <a:tint val="96000"/>
                   <a:lumMod val="100000"/>
-                  <a:shade val="100000"/>
-                </a:schemeClr>
-              </a:gs>
-              <a:gs pos="100000">
-                <a:schemeClr val="accent1">
-                  <a:lumMod val="99000"/>
-                  <a:satMod val="120000"/>
-                  <a:shade val="78000"/>
+                </a:schemeClr>
+              </a:gs>
+              <a:gs pos="78000">
+                <a:schemeClr val="accent2">
+                  <a:shade val="94000"/>
+                  <a:lumMod val="94000"/>
                 </a:schemeClr>
               </a:gs>
             </a:gsLst>
@@ -4574,24 +6865,15 @@
           <a:gradFill rotWithShape="1">
             <a:gsLst>
               <a:gs pos="0">
-                <a:schemeClr val="accent1">
-                  <a:satMod val="103000"/>
-                  <a:lumMod val="102000"/>
-                  <a:tint val="94000"/>
-                </a:schemeClr>
-              </a:gs>
-              <a:gs pos="50000">
-                <a:schemeClr val="accent1">
-                  <a:satMod val="110000"/>
+                <a:schemeClr val="accent2">
+                  <a:tint val="96000"/>
                   <a:lumMod val="100000"/>
-                  <a:shade val="100000"/>
-                </a:schemeClr>
-              </a:gs>
-              <a:gs pos="100000">
-                <a:schemeClr val="accent1">
-                  <a:lumMod val="99000"/>
-                  <a:satMod val="120000"/>
-                  <a:shade val="78000"/>
+                </a:schemeClr>
+              </a:gs>
+              <a:gs pos="78000">
+                <a:schemeClr val="accent2">
+                  <a:shade val="94000"/>
+                  <a:lumMod val="94000"/>
                 </a:schemeClr>
               </a:gs>
             </a:gsLst>
@@ -4612,24 +6894,15 @@
           <a:gradFill rotWithShape="1">
             <a:gsLst>
               <a:gs pos="0">
-                <a:schemeClr val="accent1">
-                  <a:satMod val="103000"/>
-                  <a:lumMod val="102000"/>
-                  <a:tint val="94000"/>
-                </a:schemeClr>
-              </a:gs>
-              <a:gs pos="50000">
-                <a:schemeClr val="accent1">
-                  <a:satMod val="110000"/>
+                <a:schemeClr val="accent2">
+                  <a:tint val="96000"/>
                   <a:lumMod val="100000"/>
-                  <a:shade val="100000"/>
-                </a:schemeClr>
-              </a:gs>
-              <a:gs pos="100000">
-                <a:schemeClr val="accent1">
-                  <a:lumMod val="99000"/>
-                  <a:satMod val="120000"/>
-                  <a:shade val="78000"/>
+                </a:schemeClr>
+              </a:gs>
+              <a:gs pos="78000">
+                <a:schemeClr val="accent2">
+                  <a:shade val="94000"/>
+                  <a:lumMod val="94000"/>
                 </a:schemeClr>
               </a:gs>
             </a:gsLst>
@@ -4650,24 +6923,15 @@
           <a:gradFill rotWithShape="1">
             <a:gsLst>
               <a:gs pos="0">
-                <a:schemeClr val="accent1">
-                  <a:satMod val="103000"/>
-                  <a:lumMod val="102000"/>
-                  <a:tint val="94000"/>
-                </a:schemeClr>
-              </a:gs>
-              <a:gs pos="50000">
-                <a:schemeClr val="accent1">
-                  <a:satMod val="110000"/>
+                <a:schemeClr val="accent2">
+                  <a:tint val="96000"/>
                   <a:lumMod val="100000"/>
-                  <a:shade val="100000"/>
-                </a:schemeClr>
-              </a:gs>
-              <a:gs pos="100000">
-                <a:schemeClr val="accent1">
-                  <a:lumMod val="99000"/>
-                  <a:satMod val="120000"/>
-                  <a:shade val="78000"/>
+                </a:schemeClr>
+              </a:gs>
+              <a:gs pos="78000">
+                <a:schemeClr val="accent2">
+                  <a:shade val="94000"/>
+                  <a:lumMod val="94000"/>
                 </a:schemeClr>
               </a:gs>
             </a:gsLst>
@@ -4688,24 +6952,15 @@
           <a:gradFill rotWithShape="1">
             <a:gsLst>
               <a:gs pos="0">
-                <a:schemeClr val="accent1">
-                  <a:satMod val="103000"/>
-                  <a:lumMod val="102000"/>
-                  <a:tint val="94000"/>
-                </a:schemeClr>
-              </a:gs>
-              <a:gs pos="50000">
-                <a:schemeClr val="accent1">
-                  <a:satMod val="110000"/>
+                <a:schemeClr val="accent2">
+                  <a:tint val="96000"/>
                   <a:lumMod val="100000"/>
-                  <a:shade val="100000"/>
-                </a:schemeClr>
-              </a:gs>
-              <a:gs pos="100000">
-                <a:schemeClr val="accent1">
-                  <a:lumMod val="99000"/>
-                  <a:satMod val="120000"/>
-                  <a:shade val="78000"/>
+                </a:schemeClr>
+              </a:gs>
+              <a:gs pos="78000">
+                <a:schemeClr val="accent2">
+                  <a:shade val="94000"/>
+                  <a:lumMod val="94000"/>
                 </a:schemeClr>
               </a:gs>
             </a:gsLst>
@@ -4726,24 +6981,15 @@
           <a:gradFill rotWithShape="1">
             <a:gsLst>
               <a:gs pos="0">
-                <a:schemeClr val="accent1">
-                  <a:satMod val="103000"/>
-                  <a:lumMod val="102000"/>
-                  <a:tint val="94000"/>
-                </a:schemeClr>
-              </a:gs>
-              <a:gs pos="50000">
-                <a:schemeClr val="accent1">
-                  <a:satMod val="110000"/>
+                <a:schemeClr val="accent2">
+                  <a:tint val="96000"/>
                   <a:lumMod val="100000"/>
-                  <a:shade val="100000"/>
-                </a:schemeClr>
-              </a:gs>
-              <a:gs pos="100000">
-                <a:schemeClr val="accent1">
-                  <a:lumMod val="99000"/>
-                  <a:satMod val="120000"/>
-                  <a:shade val="78000"/>
+                </a:schemeClr>
+              </a:gs>
+              <a:gs pos="78000">
+                <a:schemeClr val="accent2">
+                  <a:shade val="94000"/>
+                  <a:lumMod val="94000"/>
                 </a:schemeClr>
               </a:gs>
             </a:gsLst>
@@ -4764,24 +7010,15 @@
           <a:gradFill rotWithShape="1">
             <a:gsLst>
               <a:gs pos="0">
-                <a:schemeClr val="accent1">
-                  <a:satMod val="103000"/>
-                  <a:lumMod val="102000"/>
-                  <a:tint val="94000"/>
-                </a:schemeClr>
-              </a:gs>
-              <a:gs pos="50000">
-                <a:schemeClr val="accent1">
-                  <a:satMod val="110000"/>
+                <a:schemeClr val="accent2">
+                  <a:tint val="96000"/>
                   <a:lumMod val="100000"/>
-                  <a:shade val="100000"/>
-                </a:schemeClr>
-              </a:gs>
-              <a:gs pos="100000">
-                <a:schemeClr val="accent1">
-                  <a:lumMod val="99000"/>
-                  <a:satMod val="120000"/>
-                  <a:shade val="78000"/>
+                </a:schemeClr>
+              </a:gs>
+              <a:gs pos="78000">
+                <a:schemeClr val="accent2">
+                  <a:shade val="94000"/>
+                  <a:lumMod val="94000"/>
                 </a:schemeClr>
               </a:gs>
             </a:gsLst>
@@ -4802,24 +7039,15 @@
           <a:gradFill rotWithShape="1">
             <a:gsLst>
               <a:gs pos="0">
-                <a:schemeClr val="accent1">
-                  <a:satMod val="103000"/>
-                  <a:lumMod val="102000"/>
-                  <a:tint val="94000"/>
-                </a:schemeClr>
-              </a:gs>
-              <a:gs pos="50000">
-                <a:schemeClr val="accent1">
-                  <a:satMod val="110000"/>
+                <a:schemeClr val="accent2">
+                  <a:tint val="96000"/>
                   <a:lumMod val="100000"/>
-                  <a:shade val="100000"/>
-                </a:schemeClr>
-              </a:gs>
-              <a:gs pos="100000">
-                <a:schemeClr val="accent1">
-                  <a:lumMod val="99000"/>
-                  <a:satMod val="120000"/>
-                  <a:shade val="78000"/>
+                </a:schemeClr>
+              </a:gs>
+              <a:gs pos="78000">
+                <a:schemeClr val="accent2">
+                  <a:shade val="94000"/>
+                  <a:lumMod val="94000"/>
                 </a:schemeClr>
               </a:gs>
             </a:gsLst>
@@ -4840,24 +7068,15 @@
           <a:gradFill rotWithShape="1">
             <a:gsLst>
               <a:gs pos="0">
-                <a:schemeClr val="accent1">
-                  <a:satMod val="103000"/>
-                  <a:lumMod val="102000"/>
-                  <a:tint val="94000"/>
-                </a:schemeClr>
-              </a:gs>
-              <a:gs pos="50000">
-                <a:schemeClr val="accent1">
-                  <a:satMod val="110000"/>
+                <a:schemeClr val="accent2">
+                  <a:tint val="96000"/>
                   <a:lumMod val="100000"/>
-                  <a:shade val="100000"/>
-                </a:schemeClr>
-              </a:gs>
-              <a:gs pos="100000">
-                <a:schemeClr val="accent1">
-                  <a:lumMod val="99000"/>
-                  <a:satMod val="120000"/>
-                  <a:shade val="78000"/>
+                </a:schemeClr>
+              </a:gs>
+              <a:gs pos="78000">
+                <a:schemeClr val="accent2">
+                  <a:shade val="94000"/>
+                  <a:lumMod val="94000"/>
                 </a:schemeClr>
               </a:gs>
             </a:gsLst>
@@ -4878,24 +7097,15 @@
           <a:gradFill rotWithShape="1">
             <a:gsLst>
               <a:gs pos="0">
-                <a:schemeClr val="accent1">
-                  <a:satMod val="103000"/>
-                  <a:lumMod val="102000"/>
-                  <a:tint val="94000"/>
-                </a:schemeClr>
-              </a:gs>
-              <a:gs pos="50000">
-                <a:schemeClr val="accent1">
-                  <a:satMod val="110000"/>
+                <a:schemeClr val="accent2">
+                  <a:tint val="96000"/>
                   <a:lumMod val="100000"/>
-                  <a:shade val="100000"/>
-                </a:schemeClr>
-              </a:gs>
-              <a:gs pos="100000">
-                <a:schemeClr val="accent1">
-                  <a:lumMod val="99000"/>
-                  <a:satMod val="120000"/>
-                  <a:shade val="78000"/>
+                </a:schemeClr>
+              </a:gs>
+              <a:gs pos="78000">
+                <a:schemeClr val="accent2">
+                  <a:shade val="94000"/>
+                  <a:lumMod val="94000"/>
                 </a:schemeClr>
               </a:gs>
             </a:gsLst>
@@ -4916,24 +7126,15 @@
           <a:gradFill rotWithShape="1">
             <a:gsLst>
               <a:gs pos="0">
-                <a:schemeClr val="accent1">
-                  <a:satMod val="103000"/>
-                  <a:lumMod val="102000"/>
-                  <a:tint val="94000"/>
-                </a:schemeClr>
-              </a:gs>
-              <a:gs pos="50000">
-                <a:schemeClr val="accent1">
-                  <a:satMod val="110000"/>
+                <a:schemeClr val="accent2">
+                  <a:tint val="96000"/>
                   <a:lumMod val="100000"/>
-                  <a:shade val="100000"/>
-                </a:schemeClr>
-              </a:gs>
-              <a:gs pos="100000">
-                <a:schemeClr val="accent1">
-                  <a:lumMod val="99000"/>
-                  <a:satMod val="120000"/>
-                  <a:shade val="78000"/>
+                </a:schemeClr>
+              </a:gs>
+              <a:gs pos="78000">
+                <a:schemeClr val="accent2">
+                  <a:shade val="94000"/>
+                  <a:lumMod val="94000"/>
                 </a:schemeClr>
               </a:gs>
             </a:gsLst>
@@ -4954,24 +7155,15 @@
           <a:gradFill rotWithShape="1">
             <a:gsLst>
               <a:gs pos="0">
-                <a:schemeClr val="accent1">
-                  <a:satMod val="103000"/>
-                  <a:lumMod val="102000"/>
-                  <a:tint val="94000"/>
-                </a:schemeClr>
-              </a:gs>
-              <a:gs pos="50000">
-                <a:schemeClr val="accent1">
-                  <a:satMod val="110000"/>
+                <a:schemeClr val="accent2">
+                  <a:tint val="96000"/>
                   <a:lumMod val="100000"/>
-                  <a:shade val="100000"/>
-                </a:schemeClr>
-              </a:gs>
-              <a:gs pos="100000">
-                <a:schemeClr val="accent1">
-                  <a:lumMod val="99000"/>
-                  <a:satMod val="120000"/>
-                  <a:shade val="78000"/>
+                </a:schemeClr>
+              </a:gs>
+              <a:gs pos="78000">
+                <a:schemeClr val="accent2">
+                  <a:shade val="94000"/>
+                  <a:lumMod val="94000"/>
                 </a:schemeClr>
               </a:gs>
             </a:gsLst>
@@ -4992,24 +7184,15 @@
           <a:gradFill rotWithShape="1">
             <a:gsLst>
               <a:gs pos="0">
-                <a:schemeClr val="accent1">
-                  <a:satMod val="103000"/>
-                  <a:lumMod val="102000"/>
-                  <a:tint val="94000"/>
-                </a:schemeClr>
-              </a:gs>
-              <a:gs pos="50000">
-                <a:schemeClr val="accent1">
-                  <a:satMod val="110000"/>
+                <a:schemeClr val="accent2">
+                  <a:tint val="96000"/>
                   <a:lumMod val="100000"/>
-                  <a:shade val="100000"/>
-                </a:schemeClr>
-              </a:gs>
-              <a:gs pos="100000">
-                <a:schemeClr val="accent1">
-                  <a:lumMod val="99000"/>
-                  <a:satMod val="120000"/>
-                  <a:shade val="78000"/>
+                </a:schemeClr>
+              </a:gs>
+              <a:gs pos="78000">
+                <a:schemeClr val="accent2">
+                  <a:shade val="94000"/>
+                  <a:lumMod val="94000"/>
                 </a:schemeClr>
               </a:gs>
             </a:gsLst>
@@ -5030,24 +7213,15 @@
           <a:gradFill rotWithShape="1">
             <a:gsLst>
               <a:gs pos="0">
-                <a:schemeClr val="accent1">
-                  <a:satMod val="103000"/>
-                  <a:lumMod val="102000"/>
-                  <a:tint val="94000"/>
-                </a:schemeClr>
-              </a:gs>
-              <a:gs pos="50000">
-                <a:schemeClr val="accent1">
-                  <a:satMod val="110000"/>
+                <a:schemeClr val="accent2">
+                  <a:tint val="96000"/>
                   <a:lumMod val="100000"/>
-                  <a:shade val="100000"/>
-                </a:schemeClr>
-              </a:gs>
-              <a:gs pos="100000">
-                <a:schemeClr val="accent1">
-                  <a:lumMod val="99000"/>
-                  <a:satMod val="120000"/>
-                  <a:shade val="78000"/>
+                </a:schemeClr>
+              </a:gs>
+              <a:gs pos="78000">
+                <a:schemeClr val="accent2">
+                  <a:shade val="94000"/>
+                  <a:lumMod val="94000"/>
                 </a:schemeClr>
               </a:gs>
             </a:gsLst>
@@ -5068,24 +7242,15 @@
           <a:gradFill rotWithShape="1">
             <a:gsLst>
               <a:gs pos="0">
-                <a:schemeClr val="accent1">
-                  <a:satMod val="103000"/>
-                  <a:lumMod val="102000"/>
-                  <a:tint val="94000"/>
-                </a:schemeClr>
-              </a:gs>
-              <a:gs pos="50000">
-                <a:schemeClr val="accent1">
-                  <a:satMod val="110000"/>
+                <a:schemeClr val="accent2">
+                  <a:tint val="96000"/>
                   <a:lumMod val="100000"/>
-                  <a:shade val="100000"/>
-                </a:schemeClr>
-              </a:gs>
-              <a:gs pos="100000">
-                <a:schemeClr val="accent1">
-                  <a:lumMod val="99000"/>
-                  <a:satMod val="120000"/>
-                  <a:shade val="78000"/>
+                </a:schemeClr>
+              </a:gs>
+              <a:gs pos="78000">
+                <a:schemeClr val="accent2">
+                  <a:shade val="94000"/>
+                  <a:lumMod val="94000"/>
                 </a:schemeClr>
               </a:gs>
             </a:gsLst>
@@ -5106,24 +7271,15 @@
           <a:gradFill rotWithShape="1">
             <a:gsLst>
               <a:gs pos="0">
-                <a:schemeClr val="accent1">
-                  <a:satMod val="103000"/>
-                  <a:lumMod val="102000"/>
-                  <a:tint val="94000"/>
-                </a:schemeClr>
-              </a:gs>
-              <a:gs pos="50000">
-                <a:schemeClr val="accent1">
-                  <a:satMod val="110000"/>
+                <a:schemeClr val="accent2">
+                  <a:tint val="96000"/>
                   <a:lumMod val="100000"/>
-                  <a:shade val="100000"/>
-                </a:schemeClr>
-              </a:gs>
-              <a:gs pos="100000">
-                <a:schemeClr val="accent1">
-                  <a:lumMod val="99000"/>
-                  <a:satMod val="120000"/>
-                  <a:shade val="78000"/>
+                </a:schemeClr>
+              </a:gs>
+              <a:gs pos="78000">
+                <a:schemeClr val="accent2">
+                  <a:shade val="94000"/>
+                  <a:lumMod val="94000"/>
                 </a:schemeClr>
               </a:gs>
             </a:gsLst>
@@ -5144,24 +7300,15 @@
           <a:gradFill rotWithShape="1">
             <a:gsLst>
               <a:gs pos="0">
-                <a:schemeClr val="accent1">
-                  <a:satMod val="103000"/>
-                  <a:lumMod val="102000"/>
-                  <a:tint val="94000"/>
-                </a:schemeClr>
-              </a:gs>
-              <a:gs pos="50000">
-                <a:schemeClr val="accent1">
-                  <a:satMod val="110000"/>
+                <a:schemeClr val="accent2">
+                  <a:tint val="96000"/>
                   <a:lumMod val="100000"/>
-                  <a:shade val="100000"/>
-                </a:schemeClr>
-              </a:gs>
-              <a:gs pos="100000">
-                <a:schemeClr val="accent1">
-                  <a:lumMod val="99000"/>
-                  <a:satMod val="120000"/>
-                  <a:shade val="78000"/>
+                </a:schemeClr>
+              </a:gs>
+              <a:gs pos="78000">
+                <a:schemeClr val="accent2">
+                  <a:shade val="94000"/>
+                  <a:lumMod val="94000"/>
                 </a:schemeClr>
               </a:gs>
             </a:gsLst>
@@ -5182,24 +7329,15 @@
           <a:gradFill rotWithShape="1">
             <a:gsLst>
               <a:gs pos="0">
-                <a:schemeClr val="accent1">
-                  <a:satMod val="103000"/>
-                  <a:lumMod val="102000"/>
-                  <a:tint val="94000"/>
-                </a:schemeClr>
-              </a:gs>
-              <a:gs pos="50000">
-                <a:schemeClr val="accent1">
-                  <a:satMod val="110000"/>
+                <a:schemeClr val="accent2">
+                  <a:tint val="96000"/>
                   <a:lumMod val="100000"/>
-                  <a:shade val="100000"/>
-                </a:schemeClr>
-              </a:gs>
-              <a:gs pos="100000">
-                <a:schemeClr val="accent1">
-                  <a:lumMod val="99000"/>
-                  <a:satMod val="120000"/>
-                  <a:shade val="78000"/>
+                </a:schemeClr>
+              </a:gs>
+              <a:gs pos="78000">
+                <a:schemeClr val="accent2">
+                  <a:shade val="94000"/>
+                  <a:lumMod val="94000"/>
                 </a:schemeClr>
               </a:gs>
             </a:gsLst>
@@ -5220,24 +7358,15 @@
           <a:gradFill rotWithShape="1">
             <a:gsLst>
               <a:gs pos="0">
-                <a:schemeClr val="accent1">
-                  <a:satMod val="103000"/>
-                  <a:lumMod val="102000"/>
-                  <a:tint val="94000"/>
-                </a:schemeClr>
-              </a:gs>
-              <a:gs pos="50000">
-                <a:schemeClr val="accent1">
-                  <a:satMod val="110000"/>
+                <a:schemeClr val="accent2">
+                  <a:tint val="96000"/>
                   <a:lumMod val="100000"/>
-                  <a:shade val="100000"/>
-                </a:schemeClr>
-              </a:gs>
-              <a:gs pos="100000">
-                <a:schemeClr val="accent1">
-                  <a:lumMod val="99000"/>
-                  <a:satMod val="120000"/>
-                  <a:shade val="78000"/>
+                </a:schemeClr>
+              </a:gs>
+              <a:gs pos="78000">
+                <a:schemeClr val="accent2">
+                  <a:shade val="94000"/>
+                  <a:lumMod val="94000"/>
                 </a:schemeClr>
               </a:gs>
             </a:gsLst>
@@ -5258,24 +7387,15 @@
           <a:gradFill rotWithShape="1">
             <a:gsLst>
               <a:gs pos="0">
-                <a:schemeClr val="accent1">
-                  <a:satMod val="103000"/>
-                  <a:lumMod val="102000"/>
-                  <a:tint val="94000"/>
-                </a:schemeClr>
-              </a:gs>
-              <a:gs pos="50000">
-                <a:schemeClr val="accent1">
-                  <a:satMod val="110000"/>
+                <a:schemeClr val="accent2">
+                  <a:tint val="96000"/>
                   <a:lumMod val="100000"/>
-                  <a:shade val="100000"/>
-                </a:schemeClr>
-              </a:gs>
-              <a:gs pos="100000">
-                <a:schemeClr val="accent1">
-                  <a:lumMod val="99000"/>
-                  <a:satMod val="120000"/>
-                  <a:shade val="78000"/>
+                </a:schemeClr>
+              </a:gs>
+              <a:gs pos="78000">
+                <a:schemeClr val="accent2">
+                  <a:shade val="94000"/>
+                  <a:lumMod val="94000"/>
                 </a:schemeClr>
               </a:gs>
             </a:gsLst>
@@ -5296,24 +7416,15 @@
           <a:gradFill rotWithShape="1">
             <a:gsLst>
               <a:gs pos="0">
-                <a:schemeClr val="accent1">
-                  <a:satMod val="103000"/>
-                  <a:lumMod val="102000"/>
-                  <a:tint val="94000"/>
-                </a:schemeClr>
-              </a:gs>
-              <a:gs pos="50000">
-                <a:schemeClr val="accent1">
-                  <a:satMod val="110000"/>
+                <a:schemeClr val="accent2">
+                  <a:tint val="96000"/>
                   <a:lumMod val="100000"/>
-                  <a:shade val="100000"/>
-                </a:schemeClr>
-              </a:gs>
-              <a:gs pos="100000">
-                <a:schemeClr val="accent1">
-                  <a:lumMod val="99000"/>
-                  <a:satMod val="120000"/>
-                  <a:shade val="78000"/>
+                </a:schemeClr>
+              </a:gs>
+              <a:gs pos="78000">
+                <a:schemeClr val="accent2">
+                  <a:shade val="94000"/>
+                  <a:lumMod val="94000"/>
                 </a:schemeClr>
               </a:gs>
             </a:gsLst>
@@ -5334,936 +7445,15 @@
           <a:gradFill rotWithShape="1">
             <a:gsLst>
               <a:gs pos="0">
-                <a:schemeClr val="accent1">
-                  <a:satMod val="103000"/>
-                  <a:lumMod val="102000"/>
-                  <a:tint val="94000"/>
-                </a:schemeClr>
-              </a:gs>
-              <a:gs pos="50000">
-                <a:schemeClr val="accent1">
-                  <a:satMod val="110000"/>
+                <a:schemeClr val="accent2">
+                  <a:tint val="96000"/>
                   <a:lumMod val="100000"/>
-                  <a:shade val="100000"/>
-                </a:schemeClr>
-              </a:gs>
-              <a:gs pos="100000">
-                <a:schemeClr val="accent1">
-                  <a:lumMod val="99000"/>
-                  <a:satMod val="120000"/>
-                  <a:shade val="78000"/>
-                </a:schemeClr>
-              </a:gs>
-            </a:gsLst>
-            <a:lin ang="5400000" scaled="0"/>
-          </a:gradFill>
-          <a:ln>
-            <a:noFill/>
-          </a:ln>
-          <a:effectLst/>
-        </c:spPr>
-        <c:marker>
-          <c:symbol val="none"/>
-        </c:marker>
-      </c:pivotFmt>
-      <c:pivotFmt>
-        <c:idx val="53"/>
-        <c:spPr>
-          <a:gradFill rotWithShape="1">
-            <a:gsLst>
-              <a:gs pos="0">
-                <a:schemeClr val="accent1">
-                  <a:satMod val="103000"/>
-                  <a:lumMod val="102000"/>
-                  <a:tint val="94000"/>
-                </a:schemeClr>
-              </a:gs>
-              <a:gs pos="50000">
-                <a:schemeClr val="accent1">
-                  <a:satMod val="110000"/>
-                  <a:lumMod val="100000"/>
-                  <a:shade val="100000"/>
-                </a:schemeClr>
-              </a:gs>
-              <a:gs pos="100000">
-                <a:schemeClr val="accent1">
-                  <a:lumMod val="99000"/>
-                  <a:satMod val="120000"/>
-                  <a:shade val="78000"/>
-                </a:schemeClr>
-              </a:gs>
-            </a:gsLst>
-            <a:lin ang="5400000" scaled="0"/>
-          </a:gradFill>
-          <a:ln>
-            <a:noFill/>
-          </a:ln>
-          <a:effectLst/>
-        </c:spPr>
-        <c:marker>
-          <c:symbol val="none"/>
-        </c:marker>
-      </c:pivotFmt>
-      <c:pivotFmt>
-        <c:idx val="54"/>
-        <c:spPr>
-          <a:gradFill rotWithShape="1">
-            <a:gsLst>
-              <a:gs pos="0">
-                <a:schemeClr val="accent1">
-                  <a:satMod val="103000"/>
-                  <a:lumMod val="102000"/>
-                  <a:tint val="94000"/>
-                </a:schemeClr>
-              </a:gs>
-              <a:gs pos="50000">
-                <a:schemeClr val="accent1">
-                  <a:satMod val="110000"/>
-                  <a:lumMod val="100000"/>
-                  <a:shade val="100000"/>
-                </a:schemeClr>
-              </a:gs>
-              <a:gs pos="100000">
-                <a:schemeClr val="accent1">
-                  <a:lumMod val="99000"/>
-                  <a:satMod val="120000"/>
-                  <a:shade val="78000"/>
-                </a:schemeClr>
-              </a:gs>
-            </a:gsLst>
-            <a:lin ang="5400000" scaled="0"/>
-          </a:gradFill>
-          <a:ln>
-            <a:noFill/>
-          </a:ln>
-          <a:effectLst/>
-        </c:spPr>
-        <c:marker>
-          <c:symbol val="none"/>
-        </c:marker>
-      </c:pivotFmt>
-      <c:pivotFmt>
-        <c:idx val="55"/>
-        <c:spPr>
-          <a:gradFill rotWithShape="1">
-            <a:gsLst>
-              <a:gs pos="0">
-                <a:schemeClr val="accent1">
-                  <a:satMod val="103000"/>
-                  <a:lumMod val="102000"/>
-                  <a:tint val="94000"/>
-                </a:schemeClr>
-              </a:gs>
-              <a:gs pos="50000">
-                <a:schemeClr val="accent1">
-                  <a:satMod val="110000"/>
-                  <a:lumMod val="100000"/>
-                  <a:shade val="100000"/>
-                </a:schemeClr>
-              </a:gs>
-              <a:gs pos="100000">
-                <a:schemeClr val="accent1">
-                  <a:lumMod val="99000"/>
-                  <a:satMod val="120000"/>
-                  <a:shade val="78000"/>
-                </a:schemeClr>
-              </a:gs>
-            </a:gsLst>
-            <a:lin ang="5400000" scaled="0"/>
-          </a:gradFill>
-          <a:ln>
-            <a:noFill/>
-          </a:ln>
-          <a:effectLst/>
-        </c:spPr>
-        <c:marker>
-          <c:symbol val="none"/>
-        </c:marker>
-      </c:pivotFmt>
-      <c:pivotFmt>
-        <c:idx val="56"/>
-        <c:spPr>
-          <a:gradFill rotWithShape="1">
-            <a:gsLst>
-              <a:gs pos="0">
-                <a:schemeClr val="accent1">
-                  <a:satMod val="103000"/>
-                  <a:lumMod val="102000"/>
-                  <a:tint val="94000"/>
-                </a:schemeClr>
-              </a:gs>
-              <a:gs pos="50000">
-                <a:schemeClr val="accent1">
-                  <a:satMod val="110000"/>
-                  <a:lumMod val="100000"/>
-                  <a:shade val="100000"/>
-                </a:schemeClr>
-              </a:gs>
-              <a:gs pos="100000">
-                <a:schemeClr val="accent1">
-                  <a:lumMod val="99000"/>
-                  <a:satMod val="120000"/>
-                  <a:shade val="78000"/>
-                </a:schemeClr>
-              </a:gs>
-            </a:gsLst>
-            <a:lin ang="5400000" scaled="0"/>
-          </a:gradFill>
-          <a:ln>
-            <a:noFill/>
-          </a:ln>
-          <a:effectLst/>
-        </c:spPr>
-        <c:marker>
-          <c:symbol val="none"/>
-        </c:marker>
-      </c:pivotFmt>
-      <c:pivotFmt>
-        <c:idx val="57"/>
-        <c:spPr>
-          <a:gradFill rotWithShape="1">
-            <a:gsLst>
-              <a:gs pos="0">
-                <a:schemeClr val="accent1">
-                  <a:satMod val="103000"/>
-                  <a:lumMod val="102000"/>
-                  <a:tint val="94000"/>
-                </a:schemeClr>
-              </a:gs>
-              <a:gs pos="50000">
-                <a:schemeClr val="accent1">
-                  <a:satMod val="110000"/>
-                  <a:lumMod val="100000"/>
-                  <a:shade val="100000"/>
-                </a:schemeClr>
-              </a:gs>
-              <a:gs pos="100000">
-                <a:schemeClr val="accent1">
-                  <a:lumMod val="99000"/>
-                  <a:satMod val="120000"/>
-                  <a:shade val="78000"/>
-                </a:schemeClr>
-              </a:gs>
-            </a:gsLst>
-            <a:lin ang="5400000" scaled="0"/>
-          </a:gradFill>
-          <a:ln>
-            <a:noFill/>
-          </a:ln>
-          <a:effectLst/>
-        </c:spPr>
-        <c:marker>
-          <c:symbol val="none"/>
-        </c:marker>
-      </c:pivotFmt>
-      <c:pivotFmt>
-        <c:idx val="58"/>
-        <c:spPr>
-          <a:gradFill rotWithShape="1">
-            <a:gsLst>
-              <a:gs pos="0">
-                <a:schemeClr val="accent1">
-                  <a:satMod val="103000"/>
-                  <a:lumMod val="102000"/>
-                  <a:tint val="94000"/>
-                </a:schemeClr>
-              </a:gs>
-              <a:gs pos="50000">
-                <a:schemeClr val="accent1">
-                  <a:satMod val="110000"/>
-                  <a:lumMod val="100000"/>
-                  <a:shade val="100000"/>
-                </a:schemeClr>
-              </a:gs>
-              <a:gs pos="100000">
-                <a:schemeClr val="accent1">
-                  <a:lumMod val="99000"/>
-                  <a:satMod val="120000"/>
-                  <a:shade val="78000"/>
-                </a:schemeClr>
-              </a:gs>
-            </a:gsLst>
-            <a:lin ang="5400000" scaled="0"/>
-          </a:gradFill>
-          <a:ln>
-            <a:noFill/>
-          </a:ln>
-          <a:effectLst/>
-        </c:spPr>
-        <c:marker>
-          <c:symbol val="none"/>
-        </c:marker>
-      </c:pivotFmt>
-      <c:pivotFmt>
-        <c:idx val="59"/>
-        <c:spPr>
-          <a:gradFill rotWithShape="1">
-            <a:gsLst>
-              <a:gs pos="0">
-                <a:schemeClr val="accent1">
-                  <a:satMod val="103000"/>
-                  <a:lumMod val="102000"/>
-                  <a:tint val="94000"/>
-                </a:schemeClr>
-              </a:gs>
-              <a:gs pos="50000">
-                <a:schemeClr val="accent1">
-                  <a:satMod val="110000"/>
-                  <a:lumMod val="100000"/>
-                  <a:shade val="100000"/>
-                </a:schemeClr>
-              </a:gs>
-              <a:gs pos="100000">
-                <a:schemeClr val="accent1">
-                  <a:lumMod val="99000"/>
-                  <a:satMod val="120000"/>
-                  <a:shade val="78000"/>
-                </a:schemeClr>
-              </a:gs>
-            </a:gsLst>
-            <a:lin ang="5400000" scaled="0"/>
-          </a:gradFill>
-          <a:ln>
-            <a:noFill/>
-          </a:ln>
-          <a:effectLst/>
-        </c:spPr>
-        <c:marker>
-          <c:symbol val="none"/>
-        </c:marker>
-      </c:pivotFmt>
-      <c:pivotFmt>
-        <c:idx val="60"/>
-        <c:spPr>
-          <a:gradFill rotWithShape="1">
-            <a:gsLst>
-              <a:gs pos="0">
-                <a:schemeClr val="accent1">
-                  <a:satMod val="103000"/>
-                  <a:lumMod val="102000"/>
-                  <a:tint val="94000"/>
-                </a:schemeClr>
-              </a:gs>
-              <a:gs pos="50000">
-                <a:schemeClr val="accent1">
-                  <a:satMod val="110000"/>
-                  <a:lumMod val="100000"/>
-                  <a:shade val="100000"/>
-                </a:schemeClr>
-              </a:gs>
-              <a:gs pos="100000">
-                <a:schemeClr val="accent1">
-                  <a:lumMod val="99000"/>
-                  <a:satMod val="120000"/>
-                  <a:shade val="78000"/>
-                </a:schemeClr>
-              </a:gs>
-            </a:gsLst>
-            <a:lin ang="5400000" scaled="0"/>
-          </a:gradFill>
-          <a:ln>
-            <a:noFill/>
-          </a:ln>
-          <a:effectLst/>
-        </c:spPr>
-        <c:marker>
-          <c:symbol val="none"/>
-        </c:marker>
-      </c:pivotFmt>
-      <c:pivotFmt>
-        <c:idx val="61"/>
-        <c:spPr>
-          <a:gradFill rotWithShape="1">
-            <a:gsLst>
-              <a:gs pos="0">
-                <a:schemeClr val="accent1">
-                  <a:satMod val="103000"/>
-                  <a:lumMod val="102000"/>
-                  <a:tint val="94000"/>
-                </a:schemeClr>
-              </a:gs>
-              <a:gs pos="50000">
-                <a:schemeClr val="accent1">
-                  <a:satMod val="110000"/>
-                  <a:lumMod val="100000"/>
-                  <a:shade val="100000"/>
-                </a:schemeClr>
-              </a:gs>
-              <a:gs pos="100000">
-                <a:schemeClr val="accent1">
-                  <a:lumMod val="99000"/>
-                  <a:satMod val="120000"/>
-                  <a:shade val="78000"/>
-                </a:schemeClr>
-              </a:gs>
-            </a:gsLst>
-            <a:lin ang="5400000" scaled="0"/>
-          </a:gradFill>
-          <a:ln>
-            <a:noFill/>
-          </a:ln>
-          <a:effectLst/>
-        </c:spPr>
-        <c:marker>
-          <c:symbol val="none"/>
-        </c:marker>
-      </c:pivotFmt>
-      <c:pivotFmt>
-        <c:idx val="62"/>
-        <c:spPr>
-          <a:gradFill rotWithShape="1">
-            <a:gsLst>
-              <a:gs pos="0">
-                <a:schemeClr val="accent1">
-                  <a:satMod val="103000"/>
-                  <a:lumMod val="102000"/>
-                  <a:tint val="94000"/>
-                </a:schemeClr>
-              </a:gs>
-              <a:gs pos="50000">
-                <a:schemeClr val="accent1">
-                  <a:satMod val="110000"/>
-                  <a:lumMod val="100000"/>
-                  <a:shade val="100000"/>
-                </a:schemeClr>
-              </a:gs>
-              <a:gs pos="100000">
-                <a:schemeClr val="accent1">
-                  <a:lumMod val="99000"/>
-                  <a:satMod val="120000"/>
-                  <a:shade val="78000"/>
-                </a:schemeClr>
-              </a:gs>
-            </a:gsLst>
-            <a:lin ang="5400000" scaled="0"/>
-          </a:gradFill>
-          <a:ln>
-            <a:noFill/>
-          </a:ln>
-          <a:effectLst/>
-        </c:spPr>
-        <c:marker>
-          <c:symbol val="none"/>
-        </c:marker>
-      </c:pivotFmt>
-      <c:pivotFmt>
-        <c:idx val="63"/>
-        <c:spPr>
-          <a:gradFill rotWithShape="1">
-            <a:gsLst>
-              <a:gs pos="0">
-                <a:schemeClr val="accent1">
-                  <a:satMod val="103000"/>
-                  <a:lumMod val="102000"/>
-                  <a:tint val="94000"/>
-                </a:schemeClr>
-              </a:gs>
-              <a:gs pos="50000">
-                <a:schemeClr val="accent1">
-                  <a:satMod val="110000"/>
-                  <a:lumMod val="100000"/>
-                  <a:shade val="100000"/>
-                </a:schemeClr>
-              </a:gs>
-              <a:gs pos="100000">
-                <a:schemeClr val="accent1">
-                  <a:lumMod val="99000"/>
-                  <a:satMod val="120000"/>
-                  <a:shade val="78000"/>
-                </a:schemeClr>
-              </a:gs>
-            </a:gsLst>
-            <a:lin ang="5400000" scaled="0"/>
-          </a:gradFill>
-          <a:ln>
-            <a:noFill/>
-          </a:ln>
-          <a:effectLst/>
-        </c:spPr>
-        <c:marker>
-          <c:symbol val="none"/>
-        </c:marker>
-      </c:pivotFmt>
-      <c:pivotFmt>
-        <c:idx val="64"/>
-        <c:spPr>
-          <a:gradFill rotWithShape="1">
-            <a:gsLst>
-              <a:gs pos="0">
-                <a:schemeClr val="accent1">
-                  <a:satMod val="103000"/>
-                  <a:lumMod val="102000"/>
-                  <a:tint val="94000"/>
-                </a:schemeClr>
-              </a:gs>
-              <a:gs pos="50000">
-                <a:schemeClr val="accent1">
-                  <a:satMod val="110000"/>
-                  <a:lumMod val="100000"/>
-                  <a:shade val="100000"/>
-                </a:schemeClr>
-              </a:gs>
-              <a:gs pos="100000">
-                <a:schemeClr val="accent1">
-                  <a:lumMod val="99000"/>
-                  <a:satMod val="120000"/>
-                  <a:shade val="78000"/>
-                </a:schemeClr>
-              </a:gs>
-            </a:gsLst>
-            <a:lin ang="5400000" scaled="0"/>
-          </a:gradFill>
-          <a:ln>
-            <a:noFill/>
-          </a:ln>
-          <a:effectLst/>
-        </c:spPr>
-        <c:marker>
-          <c:symbol val="none"/>
-        </c:marker>
-      </c:pivotFmt>
-      <c:pivotFmt>
-        <c:idx val="65"/>
-        <c:spPr>
-          <a:gradFill rotWithShape="1">
-            <a:gsLst>
-              <a:gs pos="0">
-                <a:schemeClr val="accent1">
-                  <a:satMod val="103000"/>
-                  <a:lumMod val="102000"/>
-                  <a:tint val="94000"/>
-                </a:schemeClr>
-              </a:gs>
-              <a:gs pos="50000">
-                <a:schemeClr val="accent1">
-                  <a:satMod val="110000"/>
-                  <a:lumMod val="100000"/>
-                  <a:shade val="100000"/>
-                </a:schemeClr>
-              </a:gs>
-              <a:gs pos="100000">
-                <a:schemeClr val="accent1">
-                  <a:lumMod val="99000"/>
-                  <a:satMod val="120000"/>
-                  <a:shade val="78000"/>
-                </a:schemeClr>
-              </a:gs>
-            </a:gsLst>
-            <a:lin ang="5400000" scaled="0"/>
-          </a:gradFill>
-          <a:ln>
-            <a:noFill/>
-          </a:ln>
-          <a:effectLst/>
-        </c:spPr>
-        <c:marker>
-          <c:symbol val="none"/>
-        </c:marker>
-      </c:pivotFmt>
-      <c:pivotFmt>
-        <c:idx val="66"/>
-        <c:spPr>
-          <a:gradFill rotWithShape="1">
-            <a:gsLst>
-              <a:gs pos="0">
-                <a:schemeClr val="accent1">
-                  <a:satMod val="103000"/>
-                  <a:lumMod val="102000"/>
-                  <a:tint val="94000"/>
-                </a:schemeClr>
-              </a:gs>
-              <a:gs pos="50000">
-                <a:schemeClr val="accent1">
-                  <a:satMod val="110000"/>
-                  <a:lumMod val="100000"/>
-                  <a:shade val="100000"/>
-                </a:schemeClr>
-              </a:gs>
-              <a:gs pos="100000">
-                <a:schemeClr val="accent1">
-                  <a:lumMod val="99000"/>
-                  <a:satMod val="120000"/>
-                  <a:shade val="78000"/>
-                </a:schemeClr>
-              </a:gs>
-            </a:gsLst>
-            <a:lin ang="5400000" scaled="0"/>
-          </a:gradFill>
-          <a:ln>
-            <a:noFill/>
-          </a:ln>
-          <a:effectLst/>
-        </c:spPr>
-        <c:marker>
-          <c:symbol val="none"/>
-        </c:marker>
-      </c:pivotFmt>
-      <c:pivotFmt>
-        <c:idx val="67"/>
-        <c:spPr>
-          <a:gradFill rotWithShape="1">
-            <a:gsLst>
-              <a:gs pos="0">
-                <a:schemeClr val="accent1">
-                  <a:satMod val="103000"/>
-                  <a:lumMod val="102000"/>
-                  <a:tint val="94000"/>
-                </a:schemeClr>
-              </a:gs>
-              <a:gs pos="50000">
-                <a:schemeClr val="accent1">
-                  <a:satMod val="110000"/>
-                  <a:lumMod val="100000"/>
-                  <a:shade val="100000"/>
-                </a:schemeClr>
-              </a:gs>
-              <a:gs pos="100000">
-                <a:schemeClr val="accent1">
-                  <a:lumMod val="99000"/>
-                  <a:satMod val="120000"/>
-                  <a:shade val="78000"/>
-                </a:schemeClr>
-              </a:gs>
-            </a:gsLst>
-            <a:lin ang="5400000" scaled="0"/>
-          </a:gradFill>
-          <a:ln>
-            <a:noFill/>
-          </a:ln>
-          <a:effectLst/>
-        </c:spPr>
-        <c:marker>
-          <c:symbol val="none"/>
-        </c:marker>
-      </c:pivotFmt>
-      <c:pivotFmt>
-        <c:idx val="68"/>
-        <c:spPr>
-          <a:gradFill rotWithShape="1">
-            <a:gsLst>
-              <a:gs pos="0">
-                <a:schemeClr val="accent1">
-                  <a:satMod val="103000"/>
-                  <a:lumMod val="102000"/>
-                  <a:tint val="94000"/>
-                </a:schemeClr>
-              </a:gs>
-              <a:gs pos="50000">
-                <a:schemeClr val="accent1">
-                  <a:satMod val="110000"/>
-                  <a:lumMod val="100000"/>
-                  <a:shade val="100000"/>
-                </a:schemeClr>
-              </a:gs>
-              <a:gs pos="100000">
-                <a:schemeClr val="accent1">
-                  <a:lumMod val="99000"/>
-                  <a:satMod val="120000"/>
-                  <a:shade val="78000"/>
-                </a:schemeClr>
-              </a:gs>
-            </a:gsLst>
-            <a:lin ang="5400000" scaled="0"/>
-          </a:gradFill>
-          <a:ln>
-            <a:noFill/>
-          </a:ln>
-          <a:effectLst/>
-        </c:spPr>
-        <c:marker>
-          <c:symbol val="none"/>
-        </c:marker>
-      </c:pivotFmt>
-      <c:pivotFmt>
-        <c:idx val="69"/>
-        <c:spPr>
-          <a:gradFill rotWithShape="1">
-            <a:gsLst>
-              <a:gs pos="0">
-                <a:schemeClr val="accent1">
-                  <a:satMod val="103000"/>
-                  <a:lumMod val="102000"/>
-                  <a:tint val="94000"/>
-                </a:schemeClr>
-              </a:gs>
-              <a:gs pos="50000">
-                <a:schemeClr val="accent1">
-                  <a:satMod val="110000"/>
-                  <a:lumMod val="100000"/>
-                  <a:shade val="100000"/>
-                </a:schemeClr>
-              </a:gs>
-              <a:gs pos="100000">
-                <a:schemeClr val="accent1">
-                  <a:lumMod val="99000"/>
-                  <a:satMod val="120000"/>
-                  <a:shade val="78000"/>
-                </a:schemeClr>
-              </a:gs>
-            </a:gsLst>
-            <a:lin ang="5400000" scaled="0"/>
-          </a:gradFill>
-          <a:ln>
-            <a:noFill/>
-          </a:ln>
-          <a:effectLst/>
-        </c:spPr>
-        <c:marker>
-          <c:symbol val="none"/>
-        </c:marker>
-      </c:pivotFmt>
-      <c:pivotFmt>
-        <c:idx val="70"/>
-        <c:spPr>
-          <a:gradFill rotWithShape="1">
-            <a:gsLst>
-              <a:gs pos="0">
-                <a:schemeClr val="accent1">
-                  <a:satMod val="103000"/>
-                  <a:lumMod val="102000"/>
-                  <a:tint val="94000"/>
-                </a:schemeClr>
-              </a:gs>
-              <a:gs pos="50000">
-                <a:schemeClr val="accent1">
-                  <a:satMod val="110000"/>
-                  <a:lumMod val="100000"/>
-                  <a:shade val="100000"/>
-                </a:schemeClr>
-              </a:gs>
-              <a:gs pos="100000">
-                <a:schemeClr val="accent1">
-                  <a:lumMod val="99000"/>
-                  <a:satMod val="120000"/>
-                  <a:shade val="78000"/>
-                </a:schemeClr>
-              </a:gs>
-            </a:gsLst>
-            <a:lin ang="5400000" scaled="0"/>
-          </a:gradFill>
-          <a:ln>
-            <a:noFill/>
-          </a:ln>
-          <a:effectLst/>
-        </c:spPr>
-        <c:marker>
-          <c:symbol val="none"/>
-        </c:marker>
-      </c:pivotFmt>
-      <c:pivotFmt>
-        <c:idx val="71"/>
-        <c:spPr>
-          <a:gradFill rotWithShape="1">
-            <a:gsLst>
-              <a:gs pos="0">
-                <a:schemeClr val="accent1">
-                  <a:satMod val="103000"/>
-                  <a:lumMod val="102000"/>
-                  <a:tint val="94000"/>
-                </a:schemeClr>
-              </a:gs>
-              <a:gs pos="50000">
-                <a:schemeClr val="accent1">
-                  <a:satMod val="110000"/>
-                  <a:lumMod val="100000"/>
-                  <a:shade val="100000"/>
-                </a:schemeClr>
-              </a:gs>
-              <a:gs pos="100000">
-                <a:schemeClr val="accent1">
-                  <a:lumMod val="99000"/>
-                  <a:satMod val="120000"/>
-                  <a:shade val="78000"/>
-                </a:schemeClr>
-              </a:gs>
-            </a:gsLst>
-            <a:lin ang="5400000" scaled="0"/>
-          </a:gradFill>
-          <a:ln>
-            <a:noFill/>
-          </a:ln>
-          <a:effectLst/>
-        </c:spPr>
-        <c:marker>
-          <c:symbol val="none"/>
-        </c:marker>
-      </c:pivotFmt>
-      <c:pivotFmt>
-        <c:idx val="72"/>
-        <c:spPr>
-          <a:gradFill rotWithShape="1">
-            <a:gsLst>
-              <a:gs pos="0">
-                <a:schemeClr val="accent1">
-                  <a:satMod val="103000"/>
-                  <a:lumMod val="102000"/>
-                  <a:tint val="94000"/>
-                </a:schemeClr>
-              </a:gs>
-              <a:gs pos="50000">
-                <a:schemeClr val="accent1">
-                  <a:satMod val="110000"/>
-                  <a:lumMod val="100000"/>
-                  <a:shade val="100000"/>
-                </a:schemeClr>
-              </a:gs>
-              <a:gs pos="100000">
-                <a:schemeClr val="accent1">
-                  <a:lumMod val="99000"/>
-                  <a:satMod val="120000"/>
-                  <a:shade val="78000"/>
-                </a:schemeClr>
-              </a:gs>
-            </a:gsLst>
-            <a:lin ang="5400000" scaled="0"/>
-          </a:gradFill>
-          <a:ln>
-            <a:noFill/>
-          </a:ln>
-          <a:effectLst/>
-        </c:spPr>
-        <c:marker>
-          <c:symbol val="none"/>
-        </c:marker>
-      </c:pivotFmt>
-      <c:pivotFmt>
-        <c:idx val="73"/>
-        <c:spPr>
-          <a:gradFill rotWithShape="1">
-            <a:gsLst>
-              <a:gs pos="0">
-                <a:schemeClr val="accent1">
-                  <a:satMod val="103000"/>
-                  <a:lumMod val="102000"/>
-                  <a:tint val="94000"/>
-                </a:schemeClr>
-              </a:gs>
-              <a:gs pos="50000">
-                <a:schemeClr val="accent1">
-                  <a:satMod val="110000"/>
-                  <a:lumMod val="100000"/>
-                  <a:shade val="100000"/>
-                </a:schemeClr>
-              </a:gs>
-              <a:gs pos="100000">
-                <a:schemeClr val="accent1">
-                  <a:lumMod val="99000"/>
-                  <a:satMod val="120000"/>
-                  <a:shade val="78000"/>
-                </a:schemeClr>
-              </a:gs>
-            </a:gsLst>
-            <a:lin ang="5400000" scaled="0"/>
-          </a:gradFill>
-          <a:ln>
-            <a:noFill/>
-          </a:ln>
-          <a:effectLst/>
-        </c:spPr>
-        <c:marker>
-          <c:symbol val="none"/>
-        </c:marker>
-      </c:pivotFmt>
-      <c:pivotFmt>
-        <c:idx val="74"/>
-        <c:spPr>
-          <a:gradFill rotWithShape="1">
-            <a:gsLst>
-              <a:gs pos="0">
-                <a:schemeClr val="accent1">
-                  <a:satMod val="103000"/>
-                  <a:lumMod val="102000"/>
-                  <a:tint val="94000"/>
-                </a:schemeClr>
-              </a:gs>
-              <a:gs pos="50000">
-                <a:schemeClr val="accent1">
-                  <a:satMod val="110000"/>
-                  <a:lumMod val="100000"/>
-                  <a:shade val="100000"/>
-                </a:schemeClr>
-              </a:gs>
-              <a:gs pos="100000">
-                <a:schemeClr val="accent1">
-                  <a:lumMod val="99000"/>
-                  <a:satMod val="120000"/>
-                  <a:shade val="78000"/>
-                </a:schemeClr>
-              </a:gs>
-            </a:gsLst>
-            <a:lin ang="5400000" scaled="0"/>
-          </a:gradFill>
-          <a:ln>
-            <a:noFill/>
-          </a:ln>
-          <a:effectLst/>
-        </c:spPr>
-        <c:marker>
-          <c:symbol val="none"/>
-        </c:marker>
-      </c:pivotFmt>
-      <c:pivotFmt>
-        <c:idx val="75"/>
-        <c:spPr>
-          <a:gradFill rotWithShape="1">
-            <a:gsLst>
-              <a:gs pos="0">
-                <a:schemeClr val="accent1">
-                  <a:satMod val="103000"/>
-                  <a:lumMod val="102000"/>
-                  <a:tint val="94000"/>
-                </a:schemeClr>
-              </a:gs>
-              <a:gs pos="50000">
-                <a:schemeClr val="accent1">
-                  <a:satMod val="110000"/>
-                  <a:lumMod val="100000"/>
-                  <a:shade val="100000"/>
-                </a:schemeClr>
-              </a:gs>
-              <a:gs pos="100000">
-                <a:schemeClr val="accent1">
-                  <a:lumMod val="99000"/>
-                  <a:satMod val="120000"/>
-                  <a:shade val="78000"/>
-                </a:schemeClr>
-              </a:gs>
-            </a:gsLst>
-            <a:lin ang="5400000" scaled="0"/>
-          </a:gradFill>
-          <a:ln>
-            <a:noFill/>
-          </a:ln>
-          <a:effectLst/>
-        </c:spPr>
-        <c:marker>
-          <c:symbol val="none"/>
-        </c:marker>
-      </c:pivotFmt>
-      <c:pivotFmt>
-        <c:idx val="76"/>
-        <c:spPr>
-          <a:gradFill rotWithShape="1">
-            <a:gsLst>
-              <a:gs pos="0">
-                <a:schemeClr val="accent1">
-                  <a:satMod val="103000"/>
-                  <a:lumMod val="102000"/>
-                  <a:tint val="94000"/>
-                </a:schemeClr>
-              </a:gs>
-              <a:gs pos="50000">
-                <a:schemeClr val="accent1">
-                  <a:satMod val="110000"/>
-                  <a:lumMod val="100000"/>
-                  <a:shade val="100000"/>
-                </a:schemeClr>
-              </a:gs>
-              <a:gs pos="100000">
-                <a:schemeClr val="accent1">
-                  <a:lumMod val="99000"/>
-                  <a:satMod val="120000"/>
-                  <a:shade val="78000"/>
+                </a:schemeClr>
+              </a:gs>
+              <a:gs pos="78000">
+                <a:schemeClr val="accent2">
+                  <a:shade val="94000"/>
+                  <a:lumMod val="94000"/>
                 </a:schemeClr>
               </a:gs>
             </a:gsLst>
@@ -6294,7 +7484,7 @@
               <c:strCache>
                 <c:ptCount val="1"/>
                 <c:pt idx="0">
-                  <c:v>October</c:v>
+                  <c:v>January</c:v>
                 </c:pt>
               </c:strCache>
             </c:strRef>
@@ -6303,24 +7493,17 @@
             <a:gradFill rotWithShape="1">
               <a:gsLst>
                 <a:gs pos="0">
-                  <a:schemeClr val="accent1">
-                    <a:satMod val="103000"/>
-                    <a:lumMod val="102000"/>
-                    <a:tint val="94000"/>
+                  <a:schemeClr val="accent2">
+                    <a:tint val="41000"/>
+                    <a:tint val="96000"/>
+                    <a:lumMod val="100000"/>
                   </a:schemeClr>
                 </a:gs>
-                <a:gs pos="50000">
-                  <a:schemeClr val="accent1">
-                    <a:satMod val="110000"/>
-                    <a:lumMod val="100000"/>
-                    <a:shade val="100000"/>
-                  </a:schemeClr>
-                </a:gs>
-                <a:gs pos="100000">
-                  <a:schemeClr val="accent1">
-                    <a:lumMod val="99000"/>
-                    <a:satMod val="120000"/>
-                    <a:shade val="78000"/>
+                <a:gs pos="78000">
+                  <a:schemeClr val="accent2">
+                    <a:tint val="41000"/>
+                    <a:shade val="94000"/>
+                    <a:lumMod val="94000"/>
                   </a:schemeClr>
                 </a:gs>
               </a:gsLst>
@@ -6362,26 +7545,26 @@
                 <c:formatCode>#,##0</c:formatCode>
                 <c:ptCount val="5"/>
                 <c:pt idx="0">
-                  <c:v>43482</c:v>
+                  <c:v>14257.5</c:v>
                 </c:pt>
                 <c:pt idx="1">
-                  <c:v>47304</c:v>
+                  <c:v>18004.5</c:v>
                 </c:pt>
                 <c:pt idx="2">
-                  <c:v>35274</c:v>
+                  <c:v>10123.5</c:v>
                 </c:pt>
                 <c:pt idx="3">
-                  <c:v>36880</c:v>
+                  <c:v>14859</c:v>
                 </c:pt>
                 <c:pt idx="4">
-                  <c:v>38164</c:v>
+                  <c:v>10591</c:v>
                 </c:pt>
               </c:numCache>
             </c:numRef>
           </c:val>
           <c:extLst>
             <c:ext xmlns:c16="http://schemas.microsoft.com/office/drawing/2014/chart" uri="{C3380CC4-5D6E-409C-BE32-E72D297353CC}">
-              <c16:uniqueId val="{00000000-8660-4B5E-BBDE-E12F9FD4AF45}"/>
+              <c16:uniqueId val="{00000000-74A8-4980-8E7C-BCBCAFAED127}"/>
             </c:ext>
           </c:extLst>
         </c:ser>
@@ -6394,7 +7577,7 @@
               <c:strCache>
                 <c:ptCount val="1"/>
                 <c:pt idx="0">
-                  <c:v>December</c:v>
+                  <c:v>February</c:v>
                 </c:pt>
               </c:strCache>
             </c:strRef>
@@ -6403,24 +7586,17 @@
             <a:gradFill rotWithShape="1">
               <a:gsLst>
                 <a:gs pos="0">
-                  <a:schemeClr val="accent3">
-                    <a:satMod val="103000"/>
-                    <a:lumMod val="102000"/>
-                    <a:tint val="94000"/>
+                  <a:schemeClr val="accent2">
+                    <a:tint val="52000"/>
+                    <a:tint val="96000"/>
+                    <a:lumMod val="100000"/>
                   </a:schemeClr>
                 </a:gs>
-                <a:gs pos="50000">
-                  <a:schemeClr val="accent3">
-                    <a:satMod val="110000"/>
-                    <a:lumMod val="100000"/>
-                    <a:shade val="100000"/>
-                  </a:schemeClr>
-                </a:gs>
-                <a:gs pos="100000">
-                  <a:schemeClr val="accent3">
-                    <a:lumMod val="99000"/>
-                    <a:satMod val="120000"/>
-                    <a:shade val="78000"/>
+                <a:gs pos="78000">
+                  <a:schemeClr val="accent2">
+                    <a:tint val="52000"/>
+                    <a:shade val="94000"/>
+                    <a:lumMod val="94000"/>
                   </a:schemeClr>
                 </a:gs>
               </a:gsLst>
@@ -6462,26 +7638,26 @@
                 <c:formatCode>#,##0</c:formatCode>
                 <c:ptCount val="5"/>
                 <c:pt idx="0">
-                  <c:v>43857</c:v>
+                  <c:v>10273</c:v>
                 </c:pt>
                 <c:pt idx="1">
-                  <c:v>30089</c:v>
+                  <c:v>11270</c:v>
                 </c:pt>
                 <c:pt idx="2">
-                  <c:v>29296</c:v>
+                  <c:v>13180</c:v>
                 </c:pt>
                 <c:pt idx="3">
-                  <c:v>26366</c:v>
+                  <c:v>9516</c:v>
                 </c:pt>
                 <c:pt idx="4">
-                  <c:v>25698</c:v>
+                  <c:v>10876</c:v>
                 </c:pt>
               </c:numCache>
             </c:numRef>
           </c:val>
           <c:extLst>
             <c:ext xmlns:c16="http://schemas.microsoft.com/office/drawing/2014/chart" uri="{C3380CC4-5D6E-409C-BE32-E72D297353CC}">
-              <c16:uniqueId val="{00000001-8660-4B5E-BBDE-E12F9FD4AF45}"/>
+              <c16:uniqueId val="{00000001-74A8-4980-8E7C-BCBCAFAED127}"/>
             </c:ext>
           </c:extLst>
         </c:ser>
@@ -6494,7 +7670,7 @@
               <c:strCache>
                 <c:ptCount val="1"/>
                 <c:pt idx="0">
-                  <c:v>November</c:v>
+                  <c:v>March</c:v>
                 </c:pt>
               </c:strCache>
             </c:strRef>
@@ -6503,24 +7679,17 @@
             <a:gradFill rotWithShape="1">
               <a:gsLst>
                 <a:gs pos="0">
-                  <a:schemeClr val="accent5">
-                    <a:satMod val="103000"/>
-                    <a:lumMod val="102000"/>
-                    <a:tint val="94000"/>
+                  <a:schemeClr val="accent2">
+                    <a:tint val="63000"/>
+                    <a:tint val="96000"/>
+                    <a:lumMod val="100000"/>
                   </a:schemeClr>
                 </a:gs>
-                <a:gs pos="50000">
-                  <a:schemeClr val="accent5">
-                    <a:satMod val="110000"/>
-                    <a:lumMod val="100000"/>
-                    <a:shade val="100000"/>
-                  </a:schemeClr>
-                </a:gs>
-                <a:gs pos="100000">
-                  <a:schemeClr val="accent5">
-                    <a:lumMod val="99000"/>
-                    <a:satMod val="120000"/>
-                    <a:shade val="78000"/>
+                <a:gs pos="78000">
+                  <a:schemeClr val="accent2">
+                    <a:tint val="63000"/>
+                    <a:shade val="94000"/>
+                    <a:lumMod val="94000"/>
                   </a:schemeClr>
                 </a:gs>
               </a:gsLst>
@@ -6562,26 +7731,26 @@
                 <c:formatCode>#,##0</c:formatCode>
                 <c:ptCount val="5"/>
                 <c:pt idx="0">
-                  <c:v>27423</c:v>
+                  <c:v>9904</c:v>
                 </c:pt>
                 <c:pt idx="1">
-                  <c:v>20172</c:v>
+                  <c:v>14563</c:v>
                 </c:pt>
                 <c:pt idx="2">
-                  <c:v>24378</c:v>
+                  <c:v>12440</c:v>
                 </c:pt>
                 <c:pt idx="3">
-                  <c:v>25610</c:v>
+                  <c:v>10164</c:v>
                 </c:pt>
                 <c:pt idx="4">
-                  <c:v>23548</c:v>
+                  <c:v>6349</c:v>
                 </c:pt>
               </c:numCache>
             </c:numRef>
           </c:val>
           <c:extLst>
             <c:ext xmlns:c16="http://schemas.microsoft.com/office/drawing/2014/chart" uri="{C3380CC4-5D6E-409C-BE32-E72D297353CC}">
-              <c16:uniqueId val="{00000002-8660-4B5E-BBDE-E12F9FD4AF45}"/>
+              <c16:uniqueId val="{00000002-74A8-4980-8E7C-BCBCAFAED127}"/>
             </c:ext>
           </c:extLst>
         </c:ser>
@@ -6594,7 +7763,7 @@
               <c:strCache>
                 <c:ptCount val="1"/>
                 <c:pt idx="0">
-                  <c:v>September</c:v>
+                  <c:v>April</c:v>
                 </c:pt>
               </c:strCache>
             </c:strRef>
@@ -6603,27 +7772,17 @@
             <a:gradFill rotWithShape="1">
               <a:gsLst>
                 <a:gs pos="0">
-                  <a:schemeClr val="accent1">
-                    <a:lumMod val="60000"/>
-                    <a:satMod val="103000"/>
-                    <a:lumMod val="102000"/>
-                    <a:tint val="94000"/>
+                  <a:schemeClr val="accent2">
+                    <a:tint val="74000"/>
+                    <a:tint val="96000"/>
+                    <a:lumMod val="100000"/>
                   </a:schemeClr>
                 </a:gs>
-                <a:gs pos="50000">
-                  <a:schemeClr val="accent1">
-                    <a:lumMod val="60000"/>
-                    <a:satMod val="110000"/>
-                    <a:lumMod val="100000"/>
-                    <a:shade val="100000"/>
-                  </a:schemeClr>
-                </a:gs>
-                <a:gs pos="100000">
-                  <a:schemeClr val="accent1">
-                    <a:lumMod val="60000"/>
-                    <a:lumMod val="99000"/>
-                    <a:satMod val="120000"/>
-                    <a:shade val="78000"/>
+                <a:gs pos="78000">
+                  <a:schemeClr val="accent2">
+                    <a:tint val="74000"/>
+                    <a:shade val="94000"/>
+                    <a:lumMod val="94000"/>
                   </a:schemeClr>
                 </a:gs>
               </a:gsLst>
@@ -6665,26 +7824,26 @@
                 <c:formatCode>#,##0</c:formatCode>
                 <c:ptCount val="5"/>
                 <c:pt idx="0">
-                  <c:v>22081</c:v>
+                  <c:v>15196.5</c:v>
                 </c:pt>
                 <c:pt idx="1">
-                  <c:v>22551</c:v>
+                  <c:v>18526.5</c:v>
                 </c:pt>
                 <c:pt idx="2">
-                  <c:v>21845</c:v>
+                  <c:v>17824.5</c:v>
                 </c:pt>
                 <c:pt idx="3">
-                  <c:v>20377</c:v>
+                  <c:v>13319</c:v>
                 </c:pt>
                 <c:pt idx="4">
-                  <c:v>21027</c:v>
+                  <c:v>14020</c:v>
                 </c:pt>
               </c:numCache>
             </c:numRef>
           </c:val>
           <c:extLst>
             <c:ext xmlns:c16="http://schemas.microsoft.com/office/drawing/2014/chart" uri="{C3380CC4-5D6E-409C-BE32-E72D297353CC}">
-              <c16:uniqueId val="{00000003-8660-4B5E-BBDE-E12F9FD4AF45}"/>
+              <c16:uniqueId val="{00000003-74A8-4980-8E7C-BCBCAFAED127}"/>
             </c:ext>
           </c:extLst>
         </c:ser>
@@ -6697,7 +7856,7 @@
               <c:strCache>
                 <c:ptCount val="1"/>
                 <c:pt idx="0">
-                  <c:v>June</c:v>
+                  <c:v>May</c:v>
                 </c:pt>
               </c:strCache>
             </c:strRef>
@@ -6706,27 +7865,17 @@
             <a:gradFill rotWithShape="1">
               <a:gsLst>
                 <a:gs pos="0">
-                  <a:schemeClr val="accent3">
-                    <a:lumMod val="60000"/>
-                    <a:satMod val="103000"/>
-                    <a:lumMod val="102000"/>
-                    <a:tint val="94000"/>
+                  <a:schemeClr val="accent2">
+                    <a:tint val="84000"/>
+                    <a:tint val="96000"/>
+                    <a:lumMod val="100000"/>
                   </a:schemeClr>
                 </a:gs>
-                <a:gs pos="50000">
-                  <a:schemeClr val="accent3">
-                    <a:lumMod val="60000"/>
-                    <a:satMod val="110000"/>
-                    <a:lumMod val="100000"/>
-                    <a:shade val="100000"/>
-                  </a:schemeClr>
-                </a:gs>
-                <a:gs pos="100000">
-                  <a:schemeClr val="accent3">
-                    <a:lumMod val="60000"/>
-                    <a:lumMod val="99000"/>
-                    <a:satMod val="120000"/>
-                    <a:shade val="78000"/>
+                <a:gs pos="78000">
+                  <a:schemeClr val="accent2">
+                    <a:tint val="84000"/>
+                    <a:shade val="94000"/>
+                    <a:lumMod val="94000"/>
                   </a:schemeClr>
                 </a:gs>
               </a:gsLst>
@@ -6768,26 +7917,26 @@
                 <c:formatCode>#,##0</c:formatCode>
                 <c:ptCount val="5"/>
                 <c:pt idx="0">
-                  <c:v>25028</c:v>
+                  <c:v>8006</c:v>
                 </c:pt>
                 <c:pt idx="1">
-                  <c:v>17620</c:v>
+                  <c:v>10302</c:v>
                 </c:pt>
                 <c:pt idx="2">
-                  <c:v>22043.479256080111</c:v>
+                  <c:v>14741</c:v>
                 </c:pt>
                 <c:pt idx="3">
-                  <c:v>20781</c:v>
+                  <c:v>9090</c:v>
                 </c:pt>
                 <c:pt idx="4">
-                  <c:v>17259</c:v>
+                  <c:v>9632</c:v>
                 </c:pt>
               </c:numCache>
             </c:numRef>
           </c:val>
           <c:extLst>
             <c:ext xmlns:c16="http://schemas.microsoft.com/office/drawing/2014/chart" uri="{C3380CC4-5D6E-409C-BE32-E72D297353CC}">
-              <c16:uniqueId val="{00000004-8660-4B5E-BBDE-E12F9FD4AF45}"/>
+              <c16:uniqueId val="{00000004-74A8-4980-8E7C-BCBCAFAED127}"/>
             </c:ext>
           </c:extLst>
         </c:ser>
@@ -6800,7 +7949,7 @@
               <c:strCache>
                 <c:ptCount val="1"/>
                 <c:pt idx="0">
-                  <c:v>April</c:v>
+                  <c:v>June</c:v>
                 </c:pt>
               </c:strCache>
             </c:strRef>
@@ -6809,27 +7958,17 @@
             <a:gradFill rotWithShape="1">
               <a:gsLst>
                 <a:gs pos="0">
-                  <a:schemeClr val="accent5">
-                    <a:lumMod val="60000"/>
-                    <a:satMod val="103000"/>
-                    <a:lumMod val="102000"/>
-                    <a:tint val="94000"/>
+                  <a:schemeClr val="accent2">
+                    <a:tint val="95000"/>
+                    <a:tint val="96000"/>
+                    <a:lumMod val="100000"/>
                   </a:schemeClr>
                 </a:gs>
-                <a:gs pos="50000">
-                  <a:schemeClr val="accent5">
-                    <a:lumMod val="60000"/>
-                    <a:satMod val="110000"/>
-                    <a:lumMod val="100000"/>
-                    <a:shade val="100000"/>
-                  </a:schemeClr>
-                </a:gs>
-                <a:gs pos="100000">
-                  <a:schemeClr val="accent5">
-                    <a:lumMod val="60000"/>
-                    <a:lumMod val="99000"/>
-                    <a:satMod val="120000"/>
-                    <a:shade val="78000"/>
+                <a:gs pos="78000">
+                  <a:schemeClr val="accent2">
+                    <a:tint val="95000"/>
+                    <a:shade val="94000"/>
+                    <a:lumMod val="94000"/>
                   </a:schemeClr>
                 </a:gs>
               </a:gsLst>
@@ -6871,26 +8010,26 @@
                 <c:formatCode>#,##0</c:formatCode>
                 <c:ptCount val="5"/>
                 <c:pt idx="0">
-                  <c:v>15196.5</c:v>
+                  <c:v>25028</c:v>
                 </c:pt>
                 <c:pt idx="1">
-                  <c:v>18526.5</c:v>
+                  <c:v>17620</c:v>
                 </c:pt>
                 <c:pt idx="2">
-                  <c:v>17824.5</c:v>
+                  <c:v>22043.479256080111</c:v>
                 </c:pt>
                 <c:pt idx="3">
-                  <c:v>13319</c:v>
+                  <c:v>20781</c:v>
                 </c:pt>
                 <c:pt idx="4">
-                  <c:v>14020</c:v>
+                  <c:v>17259</c:v>
                 </c:pt>
               </c:numCache>
             </c:numRef>
           </c:val>
           <c:extLst>
             <c:ext xmlns:c16="http://schemas.microsoft.com/office/drawing/2014/chart" uri="{C3380CC4-5D6E-409C-BE32-E72D297353CC}">
-              <c16:uniqueId val="{00000005-8660-4B5E-BBDE-E12F9FD4AF45}"/>
+              <c16:uniqueId val="{00000005-74A8-4980-8E7C-BCBCAFAED127}"/>
             </c:ext>
           </c:extLst>
         </c:ser>
@@ -6912,30 +8051,17 @@
             <a:gradFill rotWithShape="1">
               <a:gsLst>
                 <a:gs pos="0">
-                  <a:schemeClr val="accent1">
-                    <a:lumMod val="80000"/>
-                    <a:lumOff val="20000"/>
-                    <a:satMod val="103000"/>
-                    <a:lumMod val="102000"/>
-                    <a:tint val="94000"/>
+                  <a:schemeClr val="accent2">
+                    <a:shade val="94000"/>
+                    <a:tint val="96000"/>
+                    <a:lumMod val="100000"/>
                   </a:schemeClr>
                 </a:gs>
-                <a:gs pos="50000">
-                  <a:schemeClr val="accent1">
-                    <a:lumMod val="80000"/>
-                    <a:lumOff val="20000"/>
-                    <a:satMod val="110000"/>
-                    <a:lumMod val="100000"/>
-                    <a:shade val="100000"/>
-                  </a:schemeClr>
-                </a:gs>
-                <a:gs pos="100000">
-                  <a:schemeClr val="accent1">
-                    <a:lumMod val="80000"/>
-                    <a:lumOff val="20000"/>
-                    <a:lumMod val="99000"/>
-                    <a:satMod val="120000"/>
-                    <a:shade val="78000"/>
+                <a:gs pos="78000">
+                  <a:schemeClr val="accent2">
+                    <a:shade val="94000"/>
+                    <a:shade val="94000"/>
+                    <a:lumMod val="94000"/>
                   </a:schemeClr>
                 </a:gs>
               </a:gsLst>
@@ -6996,7 +8122,7 @@
           </c:val>
           <c:extLst>
             <c:ext xmlns:c16="http://schemas.microsoft.com/office/drawing/2014/chart" uri="{C3380CC4-5D6E-409C-BE32-E72D297353CC}">
-              <c16:uniqueId val="{00000006-8660-4B5E-BBDE-E12F9FD4AF45}"/>
+              <c16:uniqueId val="{00000006-74A8-4980-8E7C-BCBCAFAED127}"/>
             </c:ext>
           </c:extLst>
         </c:ser>
@@ -7009,7 +8135,7 @@
               <c:strCache>
                 <c:ptCount val="1"/>
                 <c:pt idx="0">
-                  <c:v>January</c:v>
+                  <c:v>August</c:v>
                 </c:pt>
               </c:strCache>
             </c:strRef>
@@ -7018,30 +8144,17 @@
             <a:gradFill rotWithShape="1">
               <a:gsLst>
                 <a:gs pos="0">
-                  <a:schemeClr val="accent3">
-                    <a:lumMod val="80000"/>
-                    <a:lumOff val="20000"/>
-                    <a:satMod val="103000"/>
-                    <a:lumMod val="102000"/>
-                    <a:tint val="94000"/>
+                  <a:schemeClr val="accent2">
+                    <a:shade val="83000"/>
+                    <a:tint val="96000"/>
+                    <a:lumMod val="100000"/>
                   </a:schemeClr>
                 </a:gs>
-                <a:gs pos="50000">
-                  <a:schemeClr val="accent3">
-                    <a:lumMod val="80000"/>
-                    <a:lumOff val="20000"/>
-                    <a:satMod val="110000"/>
-                    <a:lumMod val="100000"/>
-                    <a:shade val="100000"/>
-                  </a:schemeClr>
-                </a:gs>
-                <a:gs pos="100000">
-                  <a:schemeClr val="accent3">
-                    <a:lumMod val="80000"/>
-                    <a:lumOff val="20000"/>
-                    <a:lumMod val="99000"/>
-                    <a:satMod val="120000"/>
-                    <a:shade val="78000"/>
+                <a:gs pos="78000">
+                  <a:schemeClr val="accent2">
+                    <a:shade val="83000"/>
+                    <a:shade val="94000"/>
+                    <a:lumMod val="94000"/>
                   </a:schemeClr>
                 </a:gs>
               </a:gsLst>
@@ -7083,26 +8196,26 @@
                 <c:formatCode>#,##0</c:formatCode>
                 <c:ptCount val="5"/>
                 <c:pt idx="0">
-                  <c:v>14257.5</c:v>
+                  <c:v>12016</c:v>
                 </c:pt>
                 <c:pt idx="1">
-                  <c:v>18004.5</c:v>
+                  <c:v>11968</c:v>
                 </c:pt>
                 <c:pt idx="2">
-                  <c:v>10123.5</c:v>
+                  <c:v>16018</c:v>
                 </c:pt>
                 <c:pt idx="3">
-                  <c:v>14859</c:v>
+                  <c:v>8739</c:v>
                 </c:pt>
                 <c:pt idx="4">
-                  <c:v>10591</c:v>
+                  <c:v>11964</c:v>
                 </c:pt>
               </c:numCache>
             </c:numRef>
           </c:val>
           <c:extLst>
             <c:ext xmlns:c16="http://schemas.microsoft.com/office/drawing/2014/chart" uri="{C3380CC4-5D6E-409C-BE32-E72D297353CC}">
-              <c16:uniqueId val="{00000007-8660-4B5E-BBDE-E12F9FD4AF45}"/>
+              <c16:uniqueId val="{00000007-74A8-4980-8E7C-BCBCAFAED127}"/>
             </c:ext>
           </c:extLst>
         </c:ser>
@@ -7115,7 +8228,7 @@
               <c:strCache>
                 <c:ptCount val="1"/>
                 <c:pt idx="0">
-                  <c:v>August</c:v>
+                  <c:v>September</c:v>
                 </c:pt>
               </c:strCache>
             </c:strRef>
@@ -7124,30 +8237,17 @@
             <a:gradFill rotWithShape="1">
               <a:gsLst>
                 <a:gs pos="0">
-                  <a:schemeClr val="accent5">
-                    <a:lumMod val="80000"/>
-                    <a:lumOff val="20000"/>
-                    <a:satMod val="103000"/>
-                    <a:lumMod val="102000"/>
-                    <a:tint val="94000"/>
+                  <a:schemeClr val="accent2">
+                    <a:shade val="73000"/>
+                    <a:tint val="96000"/>
+                    <a:lumMod val="100000"/>
                   </a:schemeClr>
                 </a:gs>
-                <a:gs pos="50000">
-                  <a:schemeClr val="accent5">
-                    <a:lumMod val="80000"/>
-                    <a:lumOff val="20000"/>
-                    <a:satMod val="110000"/>
-                    <a:lumMod val="100000"/>
-                    <a:shade val="100000"/>
-                  </a:schemeClr>
-                </a:gs>
-                <a:gs pos="100000">
-                  <a:schemeClr val="accent5">
-                    <a:lumMod val="80000"/>
-                    <a:lumOff val="20000"/>
-                    <a:lumMod val="99000"/>
-                    <a:satMod val="120000"/>
-                    <a:shade val="78000"/>
+                <a:gs pos="78000">
+                  <a:schemeClr val="accent2">
+                    <a:shade val="73000"/>
+                    <a:shade val="94000"/>
+                    <a:lumMod val="94000"/>
                   </a:schemeClr>
                 </a:gs>
               </a:gsLst>
@@ -7189,26 +8289,26 @@
                 <c:formatCode>#,##0</c:formatCode>
                 <c:ptCount val="5"/>
                 <c:pt idx="0">
-                  <c:v>12016</c:v>
+                  <c:v>22081</c:v>
                 </c:pt>
                 <c:pt idx="1">
-                  <c:v>11968</c:v>
+                  <c:v>22551</c:v>
                 </c:pt>
                 <c:pt idx="2">
-                  <c:v>16018</c:v>
+                  <c:v>21845</c:v>
                 </c:pt>
                 <c:pt idx="3">
-                  <c:v>8739</c:v>
+                  <c:v>20377</c:v>
                 </c:pt>
                 <c:pt idx="4">
-                  <c:v>11964</c:v>
+                  <c:v>21027</c:v>
                 </c:pt>
               </c:numCache>
             </c:numRef>
           </c:val>
           <c:extLst>
             <c:ext xmlns:c16="http://schemas.microsoft.com/office/drawing/2014/chart" uri="{C3380CC4-5D6E-409C-BE32-E72D297353CC}">
-              <c16:uniqueId val="{00000008-8660-4B5E-BBDE-E12F9FD4AF45}"/>
+              <c16:uniqueId val="{00000008-74A8-4980-8E7C-BCBCAFAED127}"/>
             </c:ext>
           </c:extLst>
         </c:ser>
@@ -7221,7 +8321,7 @@
               <c:strCache>
                 <c:ptCount val="1"/>
                 <c:pt idx="0">
-                  <c:v>February</c:v>
+                  <c:v>October</c:v>
                 </c:pt>
               </c:strCache>
             </c:strRef>
@@ -7230,27 +8330,17 @@
             <a:gradFill rotWithShape="1">
               <a:gsLst>
                 <a:gs pos="0">
-                  <a:schemeClr val="accent1">
-                    <a:lumMod val="80000"/>
-                    <a:satMod val="103000"/>
-                    <a:lumMod val="102000"/>
-                    <a:tint val="94000"/>
+                  <a:schemeClr val="accent2">
+                    <a:shade val="62000"/>
+                    <a:tint val="96000"/>
+                    <a:lumMod val="100000"/>
                   </a:schemeClr>
                 </a:gs>
-                <a:gs pos="50000">
-                  <a:schemeClr val="accent1">
-                    <a:lumMod val="80000"/>
-                    <a:satMod val="110000"/>
-                    <a:lumMod val="100000"/>
-                    <a:shade val="100000"/>
-                  </a:schemeClr>
-                </a:gs>
-                <a:gs pos="100000">
-                  <a:schemeClr val="accent1">
-                    <a:lumMod val="80000"/>
-                    <a:lumMod val="99000"/>
-                    <a:satMod val="120000"/>
-                    <a:shade val="78000"/>
+                <a:gs pos="78000">
+                  <a:schemeClr val="accent2">
+                    <a:shade val="62000"/>
+                    <a:shade val="94000"/>
+                    <a:lumMod val="94000"/>
                   </a:schemeClr>
                 </a:gs>
               </a:gsLst>
@@ -7292,26 +8382,26 @@
                 <c:formatCode>#,##0</c:formatCode>
                 <c:ptCount val="5"/>
                 <c:pt idx="0">
-                  <c:v>10273</c:v>
+                  <c:v>43482</c:v>
                 </c:pt>
                 <c:pt idx="1">
-                  <c:v>11270</c:v>
+                  <c:v>47304</c:v>
                 </c:pt>
                 <c:pt idx="2">
-                  <c:v>13180</c:v>
+                  <c:v>35274</c:v>
                 </c:pt>
                 <c:pt idx="3">
-                  <c:v>9516</c:v>
+                  <c:v>36880</c:v>
                 </c:pt>
                 <c:pt idx="4">
-                  <c:v>10876</c:v>
+                  <c:v>38164</c:v>
                 </c:pt>
               </c:numCache>
             </c:numRef>
           </c:val>
           <c:extLst>
             <c:ext xmlns:c16="http://schemas.microsoft.com/office/drawing/2014/chart" uri="{C3380CC4-5D6E-409C-BE32-E72D297353CC}">
-              <c16:uniqueId val="{00000009-8660-4B5E-BBDE-E12F9FD4AF45}"/>
+              <c16:uniqueId val="{00000009-74A8-4980-8E7C-BCBCAFAED127}"/>
             </c:ext>
           </c:extLst>
         </c:ser>
@@ -7324,7 +8414,7 @@
               <c:strCache>
                 <c:ptCount val="1"/>
                 <c:pt idx="0">
-                  <c:v>March</c:v>
+                  <c:v>November</c:v>
                 </c:pt>
               </c:strCache>
             </c:strRef>
@@ -7333,27 +8423,17 @@
             <a:gradFill rotWithShape="1">
               <a:gsLst>
                 <a:gs pos="0">
-                  <a:schemeClr val="accent3">
-                    <a:lumMod val="80000"/>
-                    <a:satMod val="103000"/>
-                    <a:lumMod val="102000"/>
-                    <a:tint val="94000"/>
+                  <a:schemeClr val="accent2">
+                    <a:shade val="51000"/>
+                    <a:tint val="96000"/>
+                    <a:lumMod val="100000"/>
                   </a:schemeClr>
                 </a:gs>
-                <a:gs pos="50000">
-                  <a:schemeClr val="accent3">
-                    <a:lumMod val="80000"/>
-                    <a:satMod val="110000"/>
-                    <a:lumMod val="100000"/>
-                    <a:shade val="100000"/>
-                  </a:schemeClr>
-                </a:gs>
-                <a:gs pos="100000">
-                  <a:schemeClr val="accent3">
-                    <a:lumMod val="80000"/>
-                    <a:lumMod val="99000"/>
-                    <a:satMod val="120000"/>
-                    <a:shade val="78000"/>
+                <a:gs pos="78000">
+                  <a:schemeClr val="accent2">
+                    <a:shade val="51000"/>
+                    <a:shade val="94000"/>
+                    <a:lumMod val="94000"/>
                   </a:schemeClr>
                 </a:gs>
               </a:gsLst>
@@ -7395,26 +8475,26 @@
                 <c:formatCode>#,##0</c:formatCode>
                 <c:ptCount val="5"/>
                 <c:pt idx="0">
-                  <c:v>9904</c:v>
+                  <c:v>27423</c:v>
                 </c:pt>
                 <c:pt idx="1">
-                  <c:v>14563</c:v>
+                  <c:v>20172</c:v>
                 </c:pt>
                 <c:pt idx="2">
-                  <c:v>12440</c:v>
+                  <c:v>24378</c:v>
                 </c:pt>
                 <c:pt idx="3">
-                  <c:v>10164</c:v>
+                  <c:v>25610</c:v>
                 </c:pt>
                 <c:pt idx="4">
-                  <c:v>6349</c:v>
+                  <c:v>23548</c:v>
                 </c:pt>
               </c:numCache>
             </c:numRef>
           </c:val>
           <c:extLst>
             <c:ext xmlns:c16="http://schemas.microsoft.com/office/drawing/2014/chart" uri="{C3380CC4-5D6E-409C-BE32-E72D297353CC}">
-              <c16:uniqueId val="{0000000A-8660-4B5E-BBDE-E12F9FD4AF45}"/>
+              <c16:uniqueId val="{0000000A-74A8-4980-8E7C-BCBCAFAED127}"/>
             </c:ext>
           </c:extLst>
         </c:ser>
@@ -7427,7 +8507,7 @@
               <c:strCache>
                 <c:ptCount val="1"/>
                 <c:pt idx="0">
-                  <c:v>May</c:v>
+                  <c:v>December</c:v>
                 </c:pt>
               </c:strCache>
             </c:strRef>
@@ -7436,27 +8516,17 @@
             <a:gradFill rotWithShape="1">
               <a:gsLst>
                 <a:gs pos="0">
-                  <a:schemeClr val="accent5">
-                    <a:lumMod val="80000"/>
-                    <a:satMod val="103000"/>
-                    <a:lumMod val="102000"/>
-                    <a:tint val="94000"/>
+                  <a:schemeClr val="accent2">
+                    <a:shade val="40000"/>
+                    <a:tint val="96000"/>
+                    <a:lumMod val="100000"/>
                   </a:schemeClr>
                 </a:gs>
-                <a:gs pos="50000">
-                  <a:schemeClr val="accent5">
-                    <a:lumMod val="80000"/>
-                    <a:satMod val="110000"/>
-                    <a:lumMod val="100000"/>
-                    <a:shade val="100000"/>
-                  </a:schemeClr>
-                </a:gs>
-                <a:gs pos="100000">
-                  <a:schemeClr val="accent5">
-                    <a:lumMod val="80000"/>
-                    <a:lumMod val="99000"/>
-                    <a:satMod val="120000"/>
-                    <a:shade val="78000"/>
+                <a:gs pos="78000">
+                  <a:schemeClr val="accent2">
+                    <a:shade val="40000"/>
+                    <a:shade val="94000"/>
+                    <a:lumMod val="94000"/>
                   </a:schemeClr>
                 </a:gs>
               </a:gsLst>
@@ -7498,26 +8568,26 @@
                 <c:formatCode>#,##0</c:formatCode>
                 <c:ptCount val="5"/>
                 <c:pt idx="0">
-                  <c:v>8006</c:v>
+                  <c:v>43857</c:v>
                 </c:pt>
                 <c:pt idx="1">
-                  <c:v>10302</c:v>
+                  <c:v>30089</c:v>
                 </c:pt>
                 <c:pt idx="2">
-                  <c:v>14741</c:v>
+                  <c:v>29296</c:v>
                 </c:pt>
                 <c:pt idx="3">
-                  <c:v>9090</c:v>
+                  <c:v>26366</c:v>
                 </c:pt>
                 <c:pt idx="4">
-                  <c:v>9632</c:v>
+                  <c:v>25698</c:v>
                 </c:pt>
               </c:numCache>
             </c:numRef>
           </c:val>
           <c:extLst>
             <c:ext xmlns:c16="http://schemas.microsoft.com/office/drawing/2014/chart" uri="{C3380CC4-5D6E-409C-BE32-E72D297353CC}">
-              <c16:uniqueId val="{0000000B-8660-4B5E-BBDE-E12F9FD4AF45}"/>
+              <c16:uniqueId val="{0000000B-74A8-4980-8E7C-BCBCAFAED127}"/>
             </c:ext>
           </c:extLst>
         </c:ser>
@@ -7692,7 +8762,7 @@
                 <a:lstStyle/>
                 <a:p>
                   <a:pPr>
-                    <a:defRPr sz="1000" b="1" i="0" u="none" strike="noStrike" kern="1200" baseline="0">
+                    <a:defRPr sz="900" b="1" i="0" u="none" strike="noStrike" kern="1200" baseline="0">
                       <a:solidFill>
                         <a:schemeClr val="tx2"/>
                       </a:solidFill>
@@ -7702,8 +8772,8 @@
                     </a:defRPr>
                   </a:pPr>
                   <a:r>
-                    <a:rPr lang="en-US" sz="1000" dirty="0"/>
-                    <a:t>Units sold (‘000)</a:t>
+                    <a:rPr lang="en-US"/>
+                    <a:t>units sold ('000)</a:t>
                   </a:r>
                 </a:p>
               </c:rich>
@@ -7720,7 +8790,7 @@
               <a:lstStyle/>
               <a:p>
                 <a:pPr>
-                  <a:defRPr sz="1000" b="1" i="0" u="none" strike="noStrike" kern="1200" baseline="0">
+                  <a:defRPr sz="900" b="1" i="0" u="none" strike="noStrike" kern="1200" baseline="0">
                     <a:solidFill>
                       <a:schemeClr val="tx2"/>
                     </a:solidFill>
@@ -7821,7 +8891,7 @@
 </c:chartSpace>
 </file>
 
-<file path=ppt/charts/chart4.xml><?xml version="1.0" encoding="utf-8"?>
+<file path=ppt/charts/chart5.xml><?xml version="1.0" encoding="utf-8"?>
 <c:chartSpace xmlns:c="http://schemas.openxmlformats.org/drawingml/2006/chart" xmlns:a="http://schemas.openxmlformats.org/drawingml/2006/main" xmlns:r="http://schemas.openxmlformats.org/officeDocument/2006/relationships" xmlns:c16r2="http://schemas.microsoft.com/office/drawing/2015/06/chart">
   <c:date1904 val="0"/>
   <c:lang val="en-US"/>
@@ -9034,7 +10104,7 @@
 </c:chartSpace>
 </file>
 
-<file path=ppt/charts/chart5.xml><?xml version="1.0" encoding="utf-8"?>
+<file path=ppt/charts/chart6.xml><?xml version="1.0" encoding="utf-8"?>
 <c:chartSpace xmlns:c="http://schemas.openxmlformats.org/drawingml/2006/chart" xmlns:a="http://schemas.openxmlformats.org/drawingml/2006/main" xmlns:r="http://schemas.openxmlformats.org/officeDocument/2006/relationships" xmlns:c16r2="http://schemas.microsoft.com/office/drawing/2015/06/chart">
   <c:date1904 val="0"/>
   <c:lang val="en-US"/>
@@ -10388,10 +11458,13 @@
 </file>
 
 <file path=ppt/charts/colors3.xml><?xml version="1.0" encoding="utf-8"?>
-<cs:colorStyle xmlns:cs="http://schemas.microsoft.com/office/drawing/2012/chartStyle" xmlns:a="http://schemas.openxmlformats.org/drawingml/2006/main" meth="cycle" id="11">
+<cs:colorStyle xmlns:cs="http://schemas.microsoft.com/office/drawing/2012/chartStyle" xmlns:a="http://schemas.openxmlformats.org/drawingml/2006/main" meth="cycle" id="10">
   <a:schemeClr val="accent1"/>
+  <a:schemeClr val="accent2"/>
   <a:schemeClr val="accent3"/>
+  <a:schemeClr val="accent4"/>
   <a:schemeClr val="accent5"/>
+  <a:schemeClr val="accent6"/>
   <cs:variation/>
   <cs:variation>
     <a:lumMod val="60000"/>
@@ -10425,12 +11498,18 @@
 </file>
 
 <file path=ppt/charts/colors4.xml><?xml version="1.0" encoding="utf-8"?>
+<cs:colorStyle xmlns:cs="http://schemas.microsoft.com/office/drawing/2012/chartStyle" xmlns:a="http://schemas.openxmlformats.org/drawingml/2006/main" meth="withinLinearReversed" id="22">
+  <a:schemeClr val="accent2"/>
+</cs:colorStyle>
+</file>
+
+<file path=ppt/charts/colors5.xml><?xml version="1.0" encoding="utf-8"?>
 <cs:colorStyle xmlns:cs="http://schemas.microsoft.com/office/drawing/2012/chartStyle" xmlns:a="http://schemas.openxmlformats.org/drawingml/2006/main" meth="withinLinear" id="17">
   <a:schemeClr val="accent4"/>
 </cs:colorStyle>
 </file>
 
-<file path=ppt/charts/colors5.xml><?xml version="1.0" encoding="utf-8"?>
+<file path=ppt/charts/colors6.xml><?xml version="1.0" encoding="utf-8"?>
 <cs:colorStyle xmlns:cs="http://schemas.microsoft.com/office/drawing/2012/chartStyle" xmlns:a="http://schemas.openxmlformats.org/drawingml/2006/main" meth="withinLinear" id="17">
   <a:schemeClr val="accent4"/>
 </cs:colorStyle>
@@ -12781,6 +13860,475 @@
 </cs:chartStyle>
 </file>
 
+<file path=ppt/charts/style6.xml><?xml version="1.0" encoding="utf-8"?>
+<cs:chartStyle xmlns:cs="http://schemas.microsoft.com/office/drawing/2012/chartStyle" xmlns:a="http://schemas.openxmlformats.org/drawingml/2006/main" id="207">
+  <cs:axisTitle>
+    <cs:lnRef idx="0"/>
+    <cs:fillRef idx="0"/>
+    <cs:effectRef idx="0"/>
+    <cs:fontRef idx="minor">
+      <a:schemeClr val="tx2"/>
+    </cs:fontRef>
+    <cs:defRPr sz="900" b="1" kern="1200"/>
+  </cs:axisTitle>
+  <cs:categoryAxis>
+    <cs:lnRef idx="0"/>
+    <cs:fillRef idx="0"/>
+    <cs:effectRef idx="0"/>
+    <cs:fontRef idx="minor">
+      <a:schemeClr val="tx2"/>
+    </cs:fontRef>
+    <cs:spPr>
+      <a:ln w="9525" cap="flat" cmpd="sng" algn="ctr">
+        <a:solidFill>
+          <a:schemeClr val="tx2">
+            <a:lumMod val="15000"/>
+            <a:lumOff val="85000"/>
+          </a:schemeClr>
+        </a:solidFill>
+        <a:round/>
+      </a:ln>
+    </cs:spPr>
+    <cs:defRPr sz="900" kern="1200"/>
+  </cs:categoryAxis>
+  <cs:chartArea mods="allowNoFillOverride allowNoLineOverride">
+    <cs:lnRef idx="0"/>
+    <cs:fillRef idx="0"/>
+    <cs:effectRef idx="0"/>
+    <cs:fontRef idx="minor">
+      <a:schemeClr val="tx2"/>
+    </cs:fontRef>
+    <cs:spPr>
+      <a:solidFill>
+        <a:schemeClr val="bg1"/>
+      </a:solidFill>
+      <a:ln w="9525" cap="flat" cmpd="sng" algn="ctr">
+        <a:solidFill>
+          <a:schemeClr val="tx2">
+            <a:lumMod val="15000"/>
+            <a:lumOff val="85000"/>
+          </a:schemeClr>
+        </a:solidFill>
+        <a:round/>
+      </a:ln>
+    </cs:spPr>
+    <cs:defRPr sz="900" kern="1200"/>
+  </cs:chartArea>
+  <cs:dataLabel>
+    <cs:lnRef idx="0"/>
+    <cs:fillRef idx="0"/>
+    <cs:effectRef idx="0"/>
+    <cs:fontRef idx="minor">
+      <a:schemeClr val="tx2"/>
+    </cs:fontRef>
+    <cs:defRPr sz="900" kern="1200"/>
+  </cs:dataLabel>
+  <cs:dataLabelCallout>
+    <cs:lnRef idx="0"/>
+    <cs:fillRef idx="0"/>
+    <cs:effectRef idx="0"/>
+    <cs:fontRef idx="minor">
+      <a:schemeClr val="dk2">
+        <a:lumMod val="75000"/>
+      </a:schemeClr>
+    </cs:fontRef>
+    <cs:spPr>
+      <a:solidFill>
+        <a:schemeClr val="lt1"/>
+      </a:solidFill>
+      <a:ln>
+        <a:solidFill>
+          <a:schemeClr val="dk1">
+            <a:lumMod val="25000"/>
+            <a:lumOff val="75000"/>
+          </a:schemeClr>
+        </a:solidFill>
+      </a:ln>
+    </cs:spPr>
+    <cs:defRPr sz="900" kern="1200"/>
+    <cs:bodyPr rot="0" spcFirstLastPara="1" vertOverflow="clip" horzOverflow="clip" vert="horz" wrap="square" lIns="36576" tIns="18288" rIns="36576" bIns="18288" anchor="ctr" anchorCtr="1">
+      <a:spAutoFit/>
+    </cs:bodyPr>
+  </cs:dataLabelCallout>
+  <cs:dataPoint>
+    <cs:lnRef idx="0"/>
+    <cs:fillRef idx="3">
+      <cs:styleClr val="auto"/>
+    </cs:fillRef>
+    <cs:effectRef idx="2"/>
+    <cs:fontRef idx="minor">
+      <a:schemeClr val="tx2"/>
+    </cs:fontRef>
+  </cs:dataPoint>
+  <cs:dataPoint3D>
+    <cs:lnRef idx="0"/>
+    <cs:fillRef idx="3">
+      <cs:styleClr val="auto"/>
+    </cs:fillRef>
+    <cs:effectRef idx="2"/>
+    <cs:fontRef idx="minor">
+      <a:schemeClr val="tx2"/>
+    </cs:fontRef>
+  </cs:dataPoint3D>
+  <cs:dataPointLine>
+    <cs:lnRef idx="0">
+      <cs:styleClr val="auto"/>
+    </cs:lnRef>
+    <cs:fillRef idx="3"/>
+    <cs:effectRef idx="2"/>
+    <cs:fontRef idx="minor">
+      <a:schemeClr val="tx2"/>
+    </cs:fontRef>
+    <cs:spPr>
+      <a:ln w="31750" cap="rnd">
+        <a:solidFill>
+          <a:schemeClr val="phClr"/>
+        </a:solidFill>
+        <a:round/>
+      </a:ln>
+    </cs:spPr>
+  </cs:dataPointLine>
+  <cs:dataPointMarker>
+    <cs:lnRef idx="0"/>
+    <cs:fillRef idx="3">
+      <cs:styleClr val="auto"/>
+    </cs:fillRef>
+    <cs:effectRef idx="2"/>
+    <cs:fontRef idx="minor">
+      <a:schemeClr val="tx2"/>
+    </cs:fontRef>
+    <cs:spPr>
+      <a:ln w="12700">
+        <a:solidFill>
+          <a:schemeClr val="lt2"/>
+        </a:solidFill>
+        <a:round/>
+      </a:ln>
+    </cs:spPr>
+  </cs:dataPointMarker>
+  <cs:dataPointMarkerLayout symbol="circle" size="6"/>
+  <cs:dataPointWireframe>
+    <cs:lnRef idx="0">
+      <cs:styleClr val="auto"/>
+    </cs:lnRef>
+    <cs:fillRef idx="3"/>
+    <cs:effectRef idx="2"/>
+    <cs:fontRef idx="minor">
+      <a:schemeClr val="tx2"/>
+    </cs:fontRef>
+    <cs:spPr>
+      <a:ln w="9525" cap="rnd">
+        <a:solidFill>
+          <a:schemeClr val="phClr"/>
+        </a:solidFill>
+        <a:round/>
+      </a:ln>
+    </cs:spPr>
+  </cs:dataPointWireframe>
+  <cs:dataTable>
+    <cs:lnRef idx="0"/>
+    <cs:fillRef idx="0"/>
+    <cs:effectRef idx="0"/>
+    <cs:fontRef idx="minor">
+      <a:schemeClr val="tx2"/>
+    </cs:fontRef>
+    <cs:spPr>
+      <a:ln w="9525">
+        <a:solidFill>
+          <a:schemeClr val="tx2">
+            <a:lumMod val="15000"/>
+            <a:lumOff val="85000"/>
+          </a:schemeClr>
+        </a:solidFill>
+      </a:ln>
+    </cs:spPr>
+    <cs:defRPr sz="900" kern="1200"/>
+  </cs:dataTable>
+  <cs:downBar>
+    <cs:lnRef idx="0"/>
+    <cs:fillRef idx="0"/>
+    <cs:effectRef idx="0"/>
+    <cs:fontRef idx="minor">
+      <a:schemeClr val="dk1"/>
+    </cs:fontRef>
+    <cs:spPr>
+      <a:solidFill>
+        <a:schemeClr val="dk1">
+          <a:lumMod val="65000"/>
+          <a:lumOff val="35000"/>
+        </a:schemeClr>
+      </a:solidFill>
+      <a:ln w="9525">
+        <a:solidFill>
+          <a:schemeClr val="tx1">
+            <a:lumMod val="65000"/>
+            <a:lumOff val="35000"/>
+          </a:schemeClr>
+        </a:solidFill>
+      </a:ln>
+    </cs:spPr>
+  </cs:downBar>
+  <cs:dropLine>
+    <cs:lnRef idx="0"/>
+    <cs:fillRef idx="0"/>
+    <cs:effectRef idx="0"/>
+    <cs:fontRef idx="minor">
+      <a:schemeClr val="tx2"/>
+    </cs:fontRef>
+    <cs:spPr>
+      <a:ln w="9525">
+        <a:solidFill>
+          <a:schemeClr val="tx2">
+            <a:lumMod val="60000"/>
+            <a:lumOff val="40000"/>
+          </a:schemeClr>
+        </a:solidFill>
+        <a:prstDash val="dash"/>
+      </a:ln>
+    </cs:spPr>
+  </cs:dropLine>
+  <cs:errorBar>
+    <cs:lnRef idx="0"/>
+    <cs:fillRef idx="0"/>
+    <cs:effectRef idx="0"/>
+    <cs:fontRef idx="minor">
+      <a:schemeClr val="tx2"/>
+    </cs:fontRef>
+    <cs:spPr>
+      <a:ln w="9525">
+        <a:solidFill>
+          <a:schemeClr val="tx2">
+            <a:lumMod val="75000"/>
+            <a:lumOff val="25000"/>
+          </a:schemeClr>
+        </a:solidFill>
+        <a:round/>
+      </a:ln>
+    </cs:spPr>
+  </cs:errorBar>
+  <cs:floor>
+    <cs:lnRef idx="0"/>
+    <cs:fillRef idx="0"/>
+    <cs:effectRef idx="0"/>
+    <cs:fontRef idx="minor">
+      <a:schemeClr val="tx2"/>
+    </cs:fontRef>
+  </cs:floor>
+  <cs:gridlineMajor>
+    <cs:lnRef idx="0"/>
+    <cs:fillRef idx="0"/>
+    <cs:effectRef idx="0"/>
+    <cs:fontRef idx="minor">
+      <a:schemeClr val="tx2"/>
+    </cs:fontRef>
+    <cs:spPr>
+      <a:ln w="9525" cap="flat" cmpd="sng" algn="ctr">
+        <a:solidFill>
+          <a:schemeClr val="tx2">
+            <a:lumMod val="15000"/>
+            <a:lumOff val="85000"/>
+          </a:schemeClr>
+        </a:solidFill>
+        <a:round/>
+      </a:ln>
+    </cs:spPr>
+  </cs:gridlineMajor>
+  <cs:gridlineMinor>
+    <cs:lnRef idx="0"/>
+    <cs:fillRef idx="0"/>
+    <cs:effectRef idx="0"/>
+    <cs:fontRef idx="minor">
+      <a:schemeClr val="tx2"/>
+    </cs:fontRef>
+    <cs:spPr>
+      <a:ln>
+        <a:solidFill>
+          <a:schemeClr val="tx2">
+            <a:lumMod val="5000"/>
+            <a:lumOff val="95000"/>
+          </a:schemeClr>
+        </a:solidFill>
+      </a:ln>
+    </cs:spPr>
+  </cs:gridlineMinor>
+  <cs:hiLoLine>
+    <cs:lnRef idx="0"/>
+    <cs:fillRef idx="0"/>
+    <cs:effectRef idx="0"/>
+    <cs:fontRef idx="minor">
+      <a:schemeClr val="tx2"/>
+    </cs:fontRef>
+    <cs:spPr>
+      <a:ln w="9525">
+        <a:solidFill>
+          <a:schemeClr val="tx2">
+            <a:lumMod val="60000"/>
+            <a:lumOff val="40000"/>
+          </a:schemeClr>
+        </a:solidFill>
+        <a:prstDash val="dash"/>
+      </a:ln>
+    </cs:spPr>
+  </cs:hiLoLine>
+  <cs:leaderLine>
+    <cs:lnRef idx="0"/>
+    <cs:fillRef idx="0"/>
+    <cs:effectRef idx="0"/>
+    <cs:fontRef idx="minor">
+      <a:schemeClr val="tx2"/>
+    </cs:fontRef>
+    <cs:spPr>
+      <a:ln w="9525">
+        <a:solidFill>
+          <a:schemeClr val="tx2">
+            <a:lumMod val="35000"/>
+            <a:lumOff val="65000"/>
+          </a:schemeClr>
+        </a:solidFill>
+      </a:ln>
+    </cs:spPr>
+  </cs:leaderLine>
+  <cs:legend>
+    <cs:lnRef idx="0"/>
+    <cs:fillRef idx="0"/>
+    <cs:effectRef idx="0"/>
+    <cs:fontRef idx="minor">
+      <a:schemeClr val="tx2"/>
+    </cs:fontRef>
+    <cs:defRPr sz="900" kern="1200"/>
+  </cs:legend>
+  <cs:plotArea>
+    <cs:lnRef idx="0"/>
+    <cs:fillRef idx="0"/>
+    <cs:effectRef idx="0"/>
+    <cs:fontRef idx="minor">
+      <a:schemeClr val="tx2"/>
+    </cs:fontRef>
+  </cs:plotArea>
+  <cs:plotArea3D>
+    <cs:lnRef idx="0"/>
+    <cs:fillRef idx="0"/>
+    <cs:effectRef idx="0"/>
+    <cs:fontRef idx="minor">
+      <a:schemeClr val="tx2"/>
+    </cs:fontRef>
+  </cs:plotArea3D>
+  <cs:seriesAxis>
+    <cs:lnRef idx="0"/>
+    <cs:fillRef idx="0"/>
+    <cs:effectRef idx="0"/>
+    <cs:fontRef idx="minor">
+      <a:schemeClr val="tx2"/>
+    </cs:fontRef>
+    <cs:spPr>
+      <a:ln w="9525" cap="flat" cmpd="sng" algn="ctr">
+        <a:solidFill>
+          <a:schemeClr val="tx2">
+            <a:lumMod val="15000"/>
+            <a:lumOff val="85000"/>
+          </a:schemeClr>
+        </a:solidFill>
+        <a:round/>
+      </a:ln>
+    </cs:spPr>
+    <cs:defRPr sz="900" kern="1200"/>
+  </cs:seriesAxis>
+  <cs:seriesLine>
+    <cs:lnRef idx="0"/>
+    <cs:fillRef idx="0"/>
+    <cs:effectRef idx="0"/>
+    <cs:fontRef idx="minor">
+      <a:schemeClr val="tx2"/>
+    </cs:fontRef>
+    <cs:spPr>
+      <a:ln w="9525">
+        <a:solidFill>
+          <a:schemeClr val="tx2">
+            <a:lumMod val="60000"/>
+            <a:lumOff val="40000"/>
+          </a:schemeClr>
+        </a:solidFill>
+        <a:prstDash val="dash"/>
+      </a:ln>
+    </cs:spPr>
+  </cs:seriesLine>
+  <cs:title>
+    <cs:lnRef idx="0"/>
+    <cs:fillRef idx="0"/>
+    <cs:effectRef idx="0"/>
+    <cs:fontRef idx="minor">
+      <a:schemeClr val="tx2"/>
+    </cs:fontRef>
+    <cs:defRPr sz="1600" b="1" kern="1200"/>
+  </cs:title>
+  <cs:trendline>
+    <cs:lnRef idx="0">
+      <cs:styleClr val="auto"/>
+    </cs:lnRef>
+    <cs:fillRef idx="0"/>
+    <cs:effectRef idx="0"/>
+    <cs:fontRef idx="minor">
+      <a:schemeClr val="tx2"/>
+    </cs:fontRef>
+    <cs:spPr>
+      <a:ln w="19050" cap="rnd">
+        <a:solidFill>
+          <a:schemeClr val="phClr"/>
+        </a:solidFill>
+        <a:prstDash val="sysDash"/>
+      </a:ln>
+    </cs:spPr>
+  </cs:trendline>
+  <cs:trendlineLabel>
+    <cs:lnRef idx="0"/>
+    <cs:fillRef idx="0"/>
+    <cs:effectRef idx="0"/>
+    <cs:fontRef idx="minor">
+      <a:schemeClr val="tx2"/>
+    </cs:fontRef>
+    <cs:defRPr sz="900" kern="1200"/>
+  </cs:trendlineLabel>
+  <cs:upBar>
+    <cs:lnRef idx="0"/>
+    <cs:fillRef idx="0"/>
+    <cs:effectRef idx="0"/>
+    <cs:fontRef idx="minor">
+      <a:schemeClr val="tx2"/>
+    </cs:fontRef>
+    <cs:spPr>
+      <a:solidFill>
+        <a:schemeClr val="lt1"/>
+      </a:solidFill>
+      <a:ln w="9525">
+        <a:solidFill>
+          <a:schemeClr val="tx1">
+            <a:lumMod val="15000"/>
+            <a:lumOff val="85000"/>
+          </a:schemeClr>
+        </a:solidFill>
+      </a:ln>
+    </cs:spPr>
+  </cs:upBar>
+  <cs:valueAxis>
+    <cs:lnRef idx="0"/>
+    <cs:fillRef idx="0"/>
+    <cs:effectRef idx="0"/>
+    <cs:fontRef idx="minor">
+      <a:schemeClr val="tx2"/>
+    </cs:fontRef>
+    <cs:defRPr sz="900" kern="1200"/>
+  </cs:valueAxis>
+  <cs:wall>
+    <cs:lnRef idx="0"/>
+    <cs:fillRef idx="0"/>
+    <cs:effectRef idx="0"/>
+    <cs:fontRef idx="minor">
+      <a:schemeClr val="tx2"/>
+    </cs:fontRef>
+  </cs:wall>
+</cs:chartStyle>
+</file>
+
 <file path=ppt/slideLayouts/slideLayout1.xml><?xml version="1.0" encoding="utf-8"?>
 <p:sldLayout xmlns:a="http://schemas.openxmlformats.org/drawingml/2006/main" xmlns:r="http://schemas.openxmlformats.org/officeDocument/2006/relationships" xmlns:p="http://schemas.openxmlformats.org/presentationml/2006/main" showMasterSp="0" type="title" preserve="1">
   <p:cSld name="Title Slide">
@@ -13503,7 +15051,7 @@
           <a:p>
             <a:fld id="{AF0644DE-8643-4096-A42F-5AB8DB27BC58}" type="datetimeFigureOut">
               <a:rPr lang="en-US" smtClean="0"/>
-              <a:t>10/21/2024</a:t>
+              <a:t>10/22/2024</a:t>
             </a:fld>
             <a:endParaRPr lang="en-US"/>
           </a:p>
@@ -13754,7 +15302,7 @@
           <a:p>
             <a:fld id="{AF0644DE-8643-4096-A42F-5AB8DB27BC58}" type="datetimeFigureOut">
               <a:rPr lang="en-US" smtClean="0"/>
-              <a:t>10/21/2024</a:t>
+              <a:t>10/22/2024</a:t>
             </a:fld>
             <a:endParaRPr lang="en-US"/>
           </a:p>
@@ -14068,7 +15616,7 @@
           <a:p>
             <a:fld id="{AF0644DE-8643-4096-A42F-5AB8DB27BC58}" type="datetimeFigureOut">
               <a:rPr lang="en-US" smtClean="0"/>
-              <a:t>10/21/2024</a:t>
+              <a:t>10/22/2024</a:t>
             </a:fld>
             <a:endParaRPr lang="en-US"/>
           </a:p>
@@ -14409,7 +15957,7 @@
           <a:p>
             <a:fld id="{AF0644DE-8643-4096-A42F-5AB8DB27BC58}" type="datetimeFigureOut">
               <a:rPr lang="en-US" smtClean="0"/>
-              <a:t>10/21/2024</a:t>
+              <a:t>10/22/2024</a:t>
             </a:fld>
             <a:endParaRPr lang="en-US"/>
           </a:p>
@@ -14723,7 +16271,7 @@
           <a:p>
             <a:fld id="{AF0644DE-8643-4096-A42F-5AB8DB27BC58}" type="datetimeFigureOut">
               <a:rPr lang="en-US" smtClean="0"/>
-              <a:t>10/21/2024</a:t>
+              <a:t>10/22/2024</a:t>
             </a:fld>
             <a:endParaRPr lang="en-US"/>
           </a:p>
@@ -15116,7 +16664,7 @@
           <a:p>
             <a:fld id="{AF0644DE-8643-4096-A42F-5AB8DB27BC58}" type="datetimeFigureOut">
               <a:rPr lang="en-US" smtClean="0"/>
-              <a:t>10/21/2024</a:t>
+              <a:t>10/22/2024</a:t>
             </a:fld>
             <a:endParaRPr lang="en-US"/>
           </a:p>
@@ -15286,7 +16834,7 @@
           <a:p>
             <a:fld id="{AF0644DE-8643-4096-A42F-5AB8DB27BC58}" type="datetimeFigureOut">
               <a:rPr lang="en-US" smtClean="0"/>
-              <a:t>10/21/2024</a:t>
+              <a:t>10/22/2024</a:t>
             </a:fld>
             <a:endParaRPr lang="en-US"/>
           </a:p>
@@ -15466,7 +17014,7 @@
           <a:p>
             <a:fld id="{AF0644DE-8643-4096-A42F-5AB8DB27BC58}" type="datetimeFigureOut">
               <a:rPr lang="en-US" smtClean="0"/>
-              <a:t>10/21/2024</a:t>
+              <a:t>10/22/2024</a:t>
             </a:fld>
             <a:endParaRPr lang="en-US"/>
           </a:p>
@@ -15642,7 +17190,7 @@
           <a:p>
             <a:fld id="{AF0644DE-8643-4096-A42F-5AB8DB27BC58}" type="datetimeFigureOut">
               <a:rPr lang="en-US" smtClean="0"/>
-              <a:t>10/21/2024</a:t>
+              <a:t>10/22/2024</a:t>
             </a:fld>
             <a:endParaRPr lang="en-US"/>
           </a:p>
@@ -15889,7 +17437,7 @@
           <a:p>
             <a:fld id="{AF0644DE-8643-4096-A42F-5AB8DB27BC58}" type="datetimeFigureOut">
               <a:rPr lang="en-US" smtClean="0"/>
-              <a:t>10/21/2024</a:t>
+              <a:t>10/22/2024</a:t>
             </a:fld>
             <a:endParaRPr lang="en-US"/>
           </a:p>
@@ -16121,7 +17669,7 @@
           <a:p>
             <a:fld id="{AF0644DE-8643-4096-A42F-5AB8DB27BC58}" type="datetimeFigureOut">
               <a:rPr lang="en-US" smtClean="0"/>
-              <a:t>10/21/2024</a:t>
+              <a:t>10/22/2024</a:t>
             </a:fld>
             <a:endParaRPr lang="en-US"/>
           </a:p>
@@ -16495,7 +18043,7 @@
           <a:p>
             <a:fld id="{AF0644DE-8643-4096-A42F-5AB8DB27BC58}" type="datetimeFigureOut">
               <a:rPr lang="en-US" smtClean="0"/>
-              <a:t>10/21/2024</a:t>
+              <a:t>10/22/2024</a:t>
             </a:fld>
             <a:endParaRPr lang="en-US"/>
           </a:p>
@@ -16618,7 +18166,7 @@
           <a:p>
             <a:fld id="{AF0644DE-8643-4096-A42F-5AB8DB27BC58}" type="datetimeFigureOut">
               <a:rPr lang="en-US" smtClean="0"/>
-              <a:t>10/21/2024</a:t>
+              <a:t>10/22/2024</a:t>
             </a:fld>
             <a:endParaRPr lang="en-US"/>
           </a:p>
@@ -16713,7 +18261,7 @@
           <a:p>
             <a:fld id="{AF0644DE-8643-4096-A42F-5AB8DB27BC58}" type="datetimeFigureOut">
               <a:rPr lang="en-US" smtClean="0"/>
-              <a:t>10/21/2024</a:t>
+              <a:t>10/22/2024</a:t>
             </a:fld>
             <a:endParaRPr lang="en-US"/>
           </a:p>
@@ -16968,7 +18516,7 @@
           <a:p>
             <a:fld id="{AF0644DE-8643-4096-A42F-5AB8DB27BC58}" type="datetimeFigureOut">
               <a:rPr lang="en-US" smtClean="0"/>
-              <a:t>10/21/2024</a:t>
+              <a:t>10/22/2024</a:t>
             </a:fld>
             <a:endParaRPr lang="en-US"/>
           </a:p>
@@ -17231,7 +18779,7 @@
           <a:p>
             <a:fld id="{AF0644DE-8643-4096-A42F-5AB8DB27BC58}" type="datetimeFigureOut">
               <a:rPr lang="en-US" smtClean="0"/>
-              <a:t>10/21/2024</a:t>
+              <a:t>10/22/2024</a:t>
             </a:fld>
             <a:endParaRPr lang="en-US"/>
           </a:p>
@@ -17974,7 +19522,7 @@
           <a:p>
             <a:fld id="{AF0644DE-8643-4096-A42F-5AB8DB27BC58}" type="datetimeFigureOut">
               <a:rPr lang="en-US" smtClean="0"/>
-              <a:t>10/21/2024</a:t>
+              <a:t>10/22/2024</a:t>
             </a:fld>
             <a:endParaRPr lang="en-US"/>
           </a:p>
@@ -19359,10 +20907,10 @@
       </p:sp>
       <p:graphicFrame>
         <p:nvGraphicFramePr>
-          <p:cNvPr id="11" name="Chart 10">
+          <p:cNvPr id="6" name="Chart 5">
             <a:extLst>
               <a:ext uri="{FF2B5EF4-FFF2-40B4-BE49-F238E27FC236}">
-                <a16:creationId xmlns:a16="http://schemas.microsoft.com/office/drawing/2014/main" id="{FBC91D0F-C232-4442-A79E-F26DDE448BB2}"/>
+                <a16:creationId xmlns:a16="http://schemas.microsoft.com/office/drawing/2014/main" id="{7F458CE3-BA6B-4386-8141-E5C40B801090}"/>
               </a:ext>
             </a:extLst>
           </p:cNvPr>
@@ -19372,18 +20920,48 @@
           <p:nvPr>
             <p:extLst>
               <p:ext uri="{D42A27DB-BD31-4B8C-83A1-F6EECF244321}">
-                <p14:modId xmlns:p14="http://schemas.microsoft.com/office/powerpoint/2010/main" val="3208315094"/>
+                <p14:modId xmlns:p14="http://schemas.microsoft.com/office/powerpoint/2010/main" val="3203844187"/>
               </p:ext>
             </p:extLst>
           </p:nvPr>
         </p:nvGraphicFramePr>
         <p:xfrm>
-          <a:off x="1033670" y="1176792"/>
-          <a:ext cx="8468141" cy="4721087"/>
+          <a:off x="5120639" y="1176791"/>
+          <a:ext cx="4452731" cy="4681331"/>
         </p:xfrm>
         <a:graphic>
           <a:graphicData uri="http://schemas.openxmlformats.org/drawingml/2006/chart">
             <c:chart xmlns:c="http://schemas.openxmlformats.org/drawingml/2006/chart" xmlns:r="http://schemas.openxmlformats.org/officeDocument/2006/relationships" r:id="rId2"/>
+          </a:graphicData>
+        </a:graphic>
+      </p:graphicFrame>
+      <p:graphicFrame>
+        <p:nvGraphicFramePr>
+          <p:cNvPr id="7" name="Chart 6">
+            <a:extLst>
+              <a:ext uri="{FF2B5EF4-FFF2-40B4-BE49-F238E27FC236}">
+                <a16:creationId xmlns:a16="http://schemas.microsoft.com/office/drawing/2014/main" id="{AFD618ED-C1E6-49A9-BCD2-04A8C3BCE528}"/>
+              </a:ext>
+            </a:extLst>
+          </p:cNvPr>
+          <p:cNvGraphicFramePr>
+            <a:graphicFrameLocks/>
+          </p:cNvGraphicFramePr>
+          <p:nvPr>
+            <p:extLst>
+              <p:ext uri="{D42A27DB-BD31-4B8C-83A1-F6EECF244321}">
+                <p14:modId xmlns:p14="http://schemas.microsoft.com/office/powerpoint/2010/main" val="2188391104"/>
+              </p:ext>
+            </p:extLst>
+          </p:nvPr>
+        </p:nvGraphicFramePr>
+        <p:xfrm>
+          <a:off x="930303" y="1176791"/>
+          <a:ext cx="4436829" cy="4953662"/>
+        </p:xfrm>
+        <a:graphic>
+          <a:graphicData uri="http://schemas.openxmlformats.org/drawingml/2006/chart">
+            <c:chart xmlns:c="http://schemas.openxmlformats.org/drawingml/2006/chart" xmlns:r="http://schemas.openxmlformats.org/officeDocument/2006/relationships" r:id="rId3"/>
           </a:graphicData>
         </a:graphic>
       </p:graphicFrame>
